--- a/CanDi_Supply_Chain_Presentation.pptx
+++ b/CanDi_Supply_Chain_Presentation.pptx
@@ -4,20 +4,20 @@
   <p:sldMasterIdLst>
     <p:sldMasterId id="2147483648" r:id="rId1"/>
   </p:sldMasterIdLst>
+  <p:notesMasterIdLst>
+    <p:notesMasterId r:id="rId10"/>
+  </p:notesMasterIdLst>
   <p:sldIdLst>
     <p:sldId id="256" r:id="rId2"/>
     <p:sldId id="257" r:id="rId3"/>
-    <p:sldId id="258" r:id="rId4"/>
-    <p:sldId id="259" r:id="rId5"/>
-    <p:sldId id="260" r:id="rId6"/>
-    <p:sldId id="261" r:id="rId7"/>
-    <p:sldId id="262" r:id="rId8"/>
+    <p:sldId id="262" r:id="rId4"/>
+    <p:sldId id="258" r:id="rId5"/>
+    <p:sldId id="259" r:id="rId6"/>
+    <p:sldId id="260" r:id="rId7"/>
+    <p:sldId id="261" r:id="rId8"/>
     <p:sldId id="263" r:id="rId9"/>
   </p:sldIdLst>
-  <p:notesMasterIdLst>
-    <p:notesMasterId r:id="rId10"/>
-  </p:notesMasterIdLst>
-  <p:sldSz cx="9144000" cy="5143500"/>
+  <p:sldSz cx="9144000" cy="5143500" type="screen16x9"/>
   <p:notesSz cx="5143500" cy="9144000"/>
   <p:defaultTextStyle>
     <a:lvl1pPr marL="0" algn="l" defTabSz="914400" rtl="0" eaLnBrk="1" latinLnBrk="0" hangingPunct="1">
@@ -111,6 +111,11 @@
       </a:defRPr>
     </a:lvl9pPr>
   </p:defaultTextStyle>
+  <p:extLst>
+    <p:ext uri="{EFAFB233-063F-42B5-8137-9DF3F51BA10A}">
+      <p15:sldGuideLst xmlns:p15="http://schemas.microsoft.com/office/powerpoint/2012/main"/>
+    </p:ext>
+  </p:extLst>
 </p:presentation>
 </file>
 
@@ -136,234 +141,10 @@
           <a:chExt cx="0" cy="0"/>
         </a:xfrm>
       </p:grpSpPr>
-      <p:sp>
-        <p:nvSpPr>
-          <p:cNvPr id="2" name="Header Placeholder 1"/>
-          <p:cNvSpPr>
-            <a:spLocks noGrp="1"/>
-          </p:cNvSpPr>
-          <p:nvPr>
-            <p:ph type="hdr" sz="quarter"/>
-          </p:nvPr>
-        </p:nvSpPr>
-        <p:spPr>
-          <a:xfrm>
-            <a:off x="0" y="0"/>
-            <a:ext cx="2971800" cy="458788"/>
-          </a:xfrm>
-          <a:prstGeom prst="rect">
-            <a:avLst/>
-          </a:prstGeom>
-        </p:spPr>
-        <p:txBody>
-          <a:bodyPr vert="horz" lIns="91440" tIns="45720" rIns="91440" bIns="45720" rtlCol="0"/>
-          <a:lstStyle>
-            <a:lvl1pPr algn="l">
-              <a:defRPr sz="1200"/>
-            </a:lvl1pPr>
-          </a:lstStyle>
-          <a:p>
-            <a:endParaRPr lang="en-US"/>
-          </a:p>
-        </p:txBody>
-      </p:sp>
-      <p:sp>
-        <p:nvSpPr>
-          <p:cNvPr id="3" name="Date Placeholder 2"/>
-          <p:cNvSpPr>
-            <a:spLocks noGrp="1"/>
-          </p:cNvSpPr>
-          <p:nvPr>
-            <p:ph type="dt" idx="1"/>
-          </p:nvPr>
-        </p:nvSpPr>
-        <p:spPr>
-          <a:xfrm>
-            <a:off x="3884613" y="0"/>
-            <a:ext cx="2971800" cy="458788"/>
-          </a:xfrm>
-          <a:prstGeom prst="rect">
-            <a:avLst/>
-          </a:prstGeom>
-        </p:spPr>
-        <p:txBody>
-          <a:bodyPr vert="horz" lIns="91440" tIns="45720" rIns="91440" bIns="45720" rtlCol="0"/>
-          <a:lstStyle>
-            <a:lvl1pPr algn="r">
-              <a:defRPr sz="1200"/>
-            </a:lvl1pPr>
-          </a:lstStyle>
-          <a:p>
-            <a:fld id="{5282F153-3F37-0F45-9E97-73ACFA13230C}" type="datetimeFigureOut">
-              <a:rPr lang="en-US"/>
-              <a:t>7/23/19</a:t>
-            </a:fld>
-            <a:endParaRPr lang="en-US"/>
-          </a:p>
-        </p:txBody>
-      </p:sp>
-      <p:sp>
-        <p:nvSpPr>
-          <p:cNvPr id="4" name="Slide Image Placeholder 3"/>
-          <p:cNvSpPr>
-            <a:spLocks noGrp="1" noRot="1" noChangeAspect="1"/>
-          </p:cNvSpPr>
-          <p:nvPr>
-            <p:ph type="sldImg" idx="2"/>
-          </p:nvPr>
-        </p:nvSpPr>
-        <p:spPr>
-          <a:xfrm>
-            <a:off x="685800" y="1143000"/>
-            <a:ext cx="5486400" cy="3086100"/>
-          </a:xfrm>
-          <a:prstGeom prst="rect">
-            <a:avLst/>
-          </a:prstGeom>
-          <a:noFill/>
-          <a:ln w="12700">
-            <a:solidFill>
-              <a:prstClr val="black"/>
-            </a:solidFill>
-          </a:ln>
-        </p:spPr>
-        <p:txBody>
-          <a:bodyPr vert="horz" lIns="91440" tIns="45720" rIns="91440" bIns="45720" rtlCol="0" anchor="ctr"/>
-          <a:lstStyle/>
-          <a:p>
-            <a:endParaRPr lang="en-US"/>
-          </a:p>
-        </p:txBody>
-      </p:sp>
-      <p:sp>
-        <p:nvSpPr>
-          <p:cNvPr id="5" name="Notes Placeholder 4"/>
-          <p:cNvSpPr>
-            <a:spLocks noGrp="1"/>
-          </p:cNvSpPr>
-          <p:nvPr>
-            <p:ph type="body" sz="quarter" idx="3"/>
-          </p:nvPr>
-        </p:nvSpPr>
-        <p:spPr>
-          <a:xfrm>
-            <a:off x="685800" y="4400550"/>
-            <a:ext cx="5486400" cy="3600450"/>
-          </a:xfrm>
-          <a:prstGeom prst="rect">
-            <a:avLst/>
-          </a:prstGeom>
-        </p:spPr>
-        <p:txBody>
-          <a:bodyPr vert="horz" lIns="91440" tIns="45720" rIns="91440" bIns="45720" rtlCol="0"/>
-          <a:lstStyle/>
-          <a:p>
-            <a:pPr lvl="0"/>
-            <a:r>
-              <a:rPr lang="en-US"/>
-              <a:t>Click to edit Master text styles</a:t>
-            </a:r>
-          </a:p>
-          <a:p>
-            <a:pPr lvl="1"/>
-            <a:r>
-              <a:rPr lang="en-US"/>
-              <a:t>Second level</a:t>
-            </a:r>
-          </a:p>
-          <a:p>
-            <a:pPr lvl="2"/>
-            <a:r>
-              <a:rPr lang="en-US"/>
-              <a:t>Third level</a:t>
-            </a:r>
-          </a:p>
-          <a:p>
-            <a:pPr lvl="3"/>
-            <a:r>
-              <a:rPr lang="en-US"/>
-              <a:t>Fourth level</a:t>
-            </a:r>
-          </a:p>
-          <a:p>
-            <a:pPr lvl="4"/>
-            <a:r>
-              <a:rPr lang="en-US"/>
-              <a:t>Fifth level</a:t>
-            </a:r>
-          </a:p>
-        </p:txBody>
-      </p:sp>
-      <p:sp>
-        <p:nvSpPr>
-          <p:cNvPr id="6" name="Footer Placeholder 5"/>
-          <p:cNvSpPr>
-            <a:spLocks noGrp="1"/>
-          </p:cNvSpPr>
-          <p:nvPr>
-            <p:ph type="ftr" sz="quarter" idx="4"/>
-          </p:nvPr>
-        </p:nvSpPr>
-        <p:spPr>
-          <a:xfrm>
-            <a:off x="0" y="8685213"/>
-            <a:ext cx="2971800" cy="458787"/>
-          </a:xfrm>
-          <a:prstGeom prst="rect">
-            <a:avLst/>
-          </a:prstGeom>
-        </p:spPr>
-        <p:txBody>
-          <a:bodyPr vert="horz" lIns="91440" tIns="45720" rIns="91440" bIns="45720" rtlCol="0" anchor="b"/>
-          <a:lstStyle>
-            <a:lvl1pPr algn="l">
-              <a:defRPr sz="1200"/>
-            </a:lvl1pPr>
-          </a:lstStyle>
-          <a:p>
-            <a:endParaRPr lang="en-US"/>
-          </a:p>
-        </p:txBody>
-      </p:sp>
-      <p:sp>
-        <p:nvSpPr>
-          <p:cNvPr id="7" name="Slide Number Placeholder 6"/>
-          <p:cNvSpPr>
-            <a:spLocks noGrp="1"/>
-          </p:cNvSpPr>
-          <p:nvPr>
-            <p:ph type="sldNum" sz="quarter" idx="5"/>
-          </p:nvPr>
-        </p:nvSpPr>
-        <p:spPr>
-          <a:xfrm>
-            <a:off x="3884613" y="8685213"/>
-            <a:ext cx="2971800" cy="458787"/>
-          </a:xfrm>
-          <a:prstGeom prst="rect">
-            <a:avLst/>
-          </a:prstGeom>
-        </p:spPr>
-        <p:txBody>
-          <a:bodyPr vert="horz" lIns="91440" tIns="45720" rIns="91440" bIns="45720" rtlCol="0" anchor="b"/>
-          <a:lstStyle>
-            <a:lvl1pPr algn="r">
-              <a:defRPr sz="1200"/>
-            </a:lvl1pPr>
-          </a:lstStyle>
-          <a:p>
-            <a:fld id="{CE5E9CC1-C706-0F49-92D6-E571CC5EEA8F}" type="slidenum">
-              <a:rPr lang="en-US"/>
-              <a:t>‹#›</a:t>
-            </a:fld>
-            <a:endParaRPr lang="en-US"/>
-          </a:p>
-        </p:txBody>
-      </p:sp>
     </p:spTree>
     <p:extLst>
       <p:ext uri="{BB962C8B-B14F-4D97-AF65-F5344CB8AC3E}">
-        <p14:creationId xmlns:p14="http://schemas.microsoft.com/office/powerpoint/2010/main" val="1024086991"/>
+        <p14:creationId xmlns:p14="http://schemas.microsoft.com/office/powerpoint/2010/main" val="668659505"/>
       </p:ext>
     </p:extLst>
   </p:cSld>
@@ -507,10 +288,6 @@
           <a:bodyPr/>
           <a:lstStyle/>
           <a:p>
-            <a:r>
-              <a:rPr lang="en-US" dirty="0"/>
-              <a:t/>
-            </a:r>
             <a:endParaRPr lang="en-US" dirty="0"/>
           </a:p>
         </p:txBody>
@@ -595,10 +372,6 @@
           <a:bodyPr/>
           <a:lstStyle/>
           <a:p>
-            <a:r>
-              <a:rPr lang="en-US" dirty="0"/>
-              <a:t/>
-            </a:r>
             <a:endParaRPr lang="en-US" dirty="0"/>
           </a:p>
         </p:txBody>
@@ -683,10 +456,6 @@
           <a:bodyPr/>
           <a:lstStyle/>
           <a:p>
-            <a:r>
-              <a:rPr lang="en-US" dirty="0"/>
-              <a:t/>
-            </a:r>
             <a:endParaRPr lang="en-US" dirty="0"/>
           </a:p>
         </p:txBody>
@@ -771,10 +540,6 @@
           <a:bodyPr/>
           <a:lstStyle/>
           <a:p>
-            <a:r>
-              <a:rPr lang="en-US" dirty="0"/>
-              <a:t/>
-            </a:r>
             <a:endParaRPr lang="en-US" dirty="0"/>
           </a:p>
         </p:txBody>
@@ -859,10 +624,6 @@
           <a:bodyPr/>
           <a:lstStyle/>
           <a:p>
-            <a:r>
-              <a:rPr lang="en-US" dirty="0"/>
-              <a:t/>
-            </a:r>
             <a:endParaRPr lang="en-US" dirty="0"/>
           </a:p>
         </p:txBody>
@@ -947,10 +708,6 @@
           <a:bodyPr/>
           <a:lstStyle/>
           <a:p>
-            <a:r>
-              <a:rPr lang="en-US" dirty="0"/>
-              <a:t/>
-            </a:r>
             <a:endParaRPr lang="en-US" dirty="0"/>
           </a:p>
         </p:txBody>
@@ -1035,10 +792,6 @@
           <a:bodyPr/>
           <a:lstStyle/>
           <a:p>
-            <a:r>
-              <a:rPr lang="en-US" dirty="0"/>
-              <a:t/>
-            </a:r>
             <a:endParaRPr lang="en-US" dirty="0"/>
           </a:p>
         </p:txBody>
@@ -1123,10 +876,6 @@
           <a:bodyPr/>
           <a:lstStyle/>
           <a:p>
-            <a:r>
-              <a:rPr lang="en-US" dirty="0"/>
-              <a:t/>
-            </a:r>
             <a:endParaRPr lang="en-US" dirty="0"/>
           </a:p>
         </p:txBody>
@@ -1200,6 +949,11 @@
 <file path=ppt/slideMasters/slideMaster1.xml><?xml version="1.0" encoding="utf-8"?>
 <p:sldMaster xmlns:a="http://schemas.openxmlformats.org/drawingml/2006/main" xmlns:r="http://schemas.openxmlformats.org/officeDocument/2006/relationships" xmlns:p="http://schemas.openxmlformats.org/presentationml/2006/main">
   <p:cSld>
+    <p:bg>
+      <p:bgRef idx="1001">
+        <a:schemeClr val="bg1"/>
+      </p:bgRef>
+    </p:bg>
     <p:spTree>
       <p:nvGrpSpPr>
         <p:cNvPr id="1" name=""/>
@@ -1482,6 +1236,7 @@
         <a:solidFill>
           <a:srgbClr val="1B2A4A"/>
         </a:solidFill>
+        <a:effectLst/>
       </p:bgPr>
     </p:bg>
     <p:spTree>
@@ -1506,7 +1261,7 @@
         </p:nvSpPr>
         <p:spPr>
           <a:xfrm rot="-120000">
-            <a:off x="-457200" y="3474720"/>
+            <a:off x="-457201" y="2903373"/>
             <a:ext cx="10058400" cy="54864"/>
           </a:xfrm>
           <a:prstGeom prst="rect">
@@ -1517,6 +1272,13 @@
           </a:solidFill>
           <a:ln/>
         </p:spPr>
+        <p:txBody>
+          <a:bodyPr/>
+          <a:lstStyle/>
+          <a:p>
+            <a:endParaRPr lang="es-ES_tradnl"/>
+          </a:p>
+        </p:txBody>
       </p:sp>
       <p:sp>
         <p:nvSpPr>
@@ -1526,7 +1288,7 @@
         </p:nvSpPr>
         <p:spPr>
           <a:xfrm rot="-120000">
-            <a:off x="-457200" y="3657600"/>
+            <a:off x="-457201" y="3086253"/>
             <a:ext cx="10058400" cy="27432"/>
           </a:xfrm>
           <a:prstGeom prst="rect">
@@ -1539,6 +1301,13 @@
           </a:solidFill>
           <a:ln/>
         </p:spPr>
+        <p:txBody>
+          <a:bodyPr/>
+          <a:lstStyle/>
+          <a:p>
+            <a:endParaRPr lang="es-ES_tradnl"/>
+          </a:p>
+        </p:txBody>
       </p:sp>
       <p:sp>
         <p:nvSpPr>
@@ -1548,7 +1317,7 @@
         </p:nvSpPr>
         <p:spPr>
           <a:xfrm>
-            <a:off x="731520" y="914400"/>
+            <a:off x="731520" y="510305"/>
             <a:ext cx="7772400" cy="1645920"/>
           </a:xfrm>
           <a:prstGeom prst="rect">
@@ -1561,7 +1330,7 @@
           <a:bodyPr wrap="square" rtlCol="0" anchor="ctr"/>
           <a:lstStyle/>
           <a:p>
-            <a:pPr indent="0" marL="0">
+            <a:pPr marL="0" indent="0">
               <a:lnSpc>
                 <a:spcPct val="115000"/>
               </a:lnSpc>
@@ -1590,7 +1359,7 @@
         </p:nvSpPr>
         <p:spPr>
           <a:xfrm>
-            <a:off x="731520" y="2560320"/>
+            <a:off x="731520" y="2156225"/>
             <a:ext cx="7315200" cy="457200"/>
           </a:xfrm>
           <a:prstGeom prst="rect">
@@ -1603,7 +1372,7 @@
           <a:bodyPr wrap="square" rtlCol="0" anchor="ctr"/>
           <a:lstStyle/>
           <a:p>
-            <a:pPr indent="0" marL="0">
+            <a:pPr marL="0" indent="0">
               <a:buNone/>
             </a:pPr>
             <a:r>
@@ -1629,7 +1398,7 @@
         </p:nvSpPr>
         <p:spPr>
           <a:xfrm>
-            <a:off x="731520" y="4114800"/>
+            <a:off x="731520" y="3700507"/>
             <a:ext cx="4572000" cy="365760"/>
           </a:xfrm>
           <a:prstGeom prst="rect">
@@ -1642,7 +1411,7 @@
           <a:bodyPr wrap="square" rtlCol="0" anchor="ctr"/>
           <a:lstStyle/>
           <a:p>
-            <a:pPr indent="0" marL="0">
+            <a:pPr marL="0" indent="0">
               <a:buNone/>
             </a:pPr>
             <a:r>
@@ -1668,7 +1437,7 @@
         </p:nvSpPr>
         <p:spPr>
           <a:xfrm>
-            <a:off x="731520" y="4526280"/>
+            <a:off x="731520" y="4111987"/>
             <a:ext cx="1828800" cy="320040"/>
           </a:xfrm>
           <a:prstGeom prst="rect">
@@ -1681,7 +1450,7 @@
           <a:bodyPr wrap="square" rtlCol="0" anchor="ctr"/>
           <a:lstStyle/>
           <a:p>
-            <a:pPr indent="0" marL="0">
+            <a:pPr marL="0" indent="0">
               <a:buNone/>
             </a:pPr>
             <a:r>
@@ -1707,7 +1476,7 @@
         </p:nvSpPr>
         <p:spPr>
           <a:xfrm>
-            <a:off x="731520" y="4818888"/>
+            <a:off x="731520" y="4404595"/>
             <a:ext cx="1828800" cy="228600"/>
           </a:xfrm>
           <a:prstGeom prst="rect">
@@ -1720,7 +1489,7 @@
           <a:bodyPr wrap="square" rtlCol="0" anchor="ctr"/>
           <a:lstStyle/>
           <a:p>
-            <a:pPr indent="0" marL="0">
+            <a:pPr marL="0" indent="0">
               <a:buNone/>
             </a:pPr>
             <a:r>
@@ -1746,7 +1515,7 @@
         </p:nvSpPr>
         <p:spPr>
           <a:xfrm>
-            <a:off x="2834640" y="4526280"/>
+            <a:off x="2834640" y="4111987"/>
             <a:ext cx="1828800" cy="320040"/>
           </a:xfrm>
           <a:prstGeom prst="rect">
@@ -1759,7 +1528,7 @@
           <a:bodyPr wrap="square" rtlCol="0" anchor="ctr"/>
           <a:lstStyle/>
           <a:p>
-            <a:pPr indent="0" marL="0">
+            <a:pPr marL="0" indent="0">
               <a:buNone/>
             </a:pPr>
             <a:r>
@@ -1785,7 +1554,7 @@
         </p:nvSpPr>
         <p:spPr>
           <a:xfrm>
-            <a:off x="2834640" y="4818888"/>
+            <a:off x="2834640" y="4404595"/>
             <a:ext cx="1828800" cy="228600"/>
           </a:xfrm>
           <a:prstGeom prst="rect">
@@ -1798,7 +1567,7 @@
           <a:bodyPr wrap="square" rtlCol="0" anchor="ctr"/>
           <a:lstStyle/>
           <a:p>
-            <a:pPr indent="0" marL="0">
+            <a:pPr marL="0" indent="0">
               <a:buNone/>
             </a:pPr>
             <a:r>
@@ -1824,7 +1593,7 @@
         </p:nvSpPr>
         <p:spPr>
           <a:xfrm>
-            <a:off x="4937760" y="4526280"/>
+            <a:off x="4937760" y="4111987"/>
             <a:ext cx="1828800" cy="320040"/>
           </a:xfrm>
           <a:prstGeom prst="rect">
@@ -1837,7 +1606,7 @@
           <a:bodyPr wrap="square" rtlCol="0" anchor="ctr"/>
           <a:lstStyle/>
           <a:p>
-            <a:pPr indent="0" marL="0">
+            <a:pPr marL="0" indent="0">
               <a:buNone/>
             </a:pPr>
             <a:r>
@@ -1863,7 +1632,7 @@
         </p:nvSpPr>
         <p:spPr>
           <a:xfrm>
-            <a:off x="4937760" y="4818888"/>
+            <a:off x="4937760" y="4404595"/>
             <a:ext cx="1828800" cy="228600"/>
           </a:xfrm>
           <a:prstGeom prst="rect">
@@ -1876,7 +1645,7 @@
           <a:bodyPr wrap="square" rtlCol="0" anchor="ctr"/>
           <a:lstStyle/>
           <a:p>
-            <a:pPr indent="0" marL="0">
+            <a:pPr marL="0" indent="0">
               <a:buNone/>
             </a:pPr>
             <a:r>
@@ -1902,7 +1671,7 @@
         </p:nvSpPr>
         <p:spPr>
           <a:xfrm>
-            <a:off x="7040880" y="4526280"/>
+            <a:off x="7040880" y="4111987"/>
             <a:ext cx="1828800" cy="320040"/>
           </a:xfrm>
           <a:prstGeom prst="rect">
@@ -1915,7 +1684,7 @@
           <a:bodyPr wrap="square" rtlCol="0" anchor="ctr"/>
           <a:lstStyle/>
           <a:p>
-            <a:pPr indent="0" marL="0">
+            <a:pPr marL="0" indent="0">
               <a:buNone/>
             </a:pPr>
             <a:r>
@@ -1941,7 +1710,7 @@
         </p:nvSpPr>
         <p:spPr>
           <a:xfrm>
-            <a:off x="7040880" y="4818888"/>
+            <a:off x="7040880" y="4404595"/>
             <a:ext cx="1828800" cy="228600"/>
           </a:xfrm>
           <a:prstGeom prst="rect">
@@ -1954,7 +1723,7 @@
           <a:bodyPr wrap="square" rtlCol="0" anchor="ctr"/>
           <a:lstStyle/>
           <a:p>
-            <a:pPr indent="0" marL="0">
+            <a:pPr marL="0" indent="0">
               <a:buNone/>
             </a:pPr>
             <a:r>
@@ -1988,6 +1757,7 @@
         <a:solidFill>
           <a:srgbClr val="1B2A4A"/>
         </a:solidFill>
+        <a:effectLst/>
       </p:bgPr>
     </p:bg>
     <p:spTree>
@@ -2025,6 +1795,13 @@
           </a:solidFill>
           <a:ln/>
         </p:spPr>
+        <p:txBody>
+          <a:bodyPr/>
+          <a:lstStyle/>
+          <a:p>
+            <a:endParaRPr lang="es-ES_tradnl"/>
+          </a:p>
+        </p:txBody>
       </p:sp>
       <p:sp>
         <p:nvSpPr>
@@ -2047,7 +1824,7 @@
           <a:bodyPr wrap="square" rtlCol="0" anchor="ctr"/>
           <a:lstStyle/>
           <a:p>
-            <a:pPr indent="0" marL="0">
+            <a:pPr marL="0" indent="0">
               <a:buNone/>
             </a:pPr>
             <a:r>
@@ -2073,8 +1850,8 @@
         </p:nvSpPr>
         <p:spPr>
           <a:xfrm>
-            <a:off x="274320" y="777240"/>
-            <a:ext cx="4754880" cy="4297680"/>
+            <a:off x="274320" y="1065540"/>
+            <a:ext cx="4754880" cy="3665158"/>
           </a:xfrm>
           <a:prstGeom prst="rect">
             <a:avLst/>
@@ -2084,241 +1861,24 @@
           </a:solidFill>
           <a:ln/>
           <a:effectLst>
-            <a:outerShdw sx="100000" sy="100000" kx="0" ky="0" algn="bl" rotWithShape="0" blurRad="76200" dist="25400" dir="8100000">
+            <a:outerShdw blurRad="76200" dist="25400" dir="8100000" algn="bl" rotWithShape="0">
               <a:srgbClr val="000000">
                 <a:alpha val="10000"/>
               </a:srgbClr>
             </a:outerShdw>
           </a:effectLst>
         </p:spPr>
+        <p:txBody>
+          <a:bodyPr/>
+          <a:lstStyle/>
+          <a:p>
+            <a:endParaRPr lang="es-ES_tradnl"/>
+          </a:p>
+        </p:txBody>
       </p:sp>
       <p:pic>
         <p:nvPicPr>
-          <p:cNvPr id="5" name="Image 0" descr="/sessions/happy-festive-archimedes/charts/chart_07_cell46.png">    </p:cNvPr>
-          <p:cNvPicPr>
-            <a:picLocks noChangeAspect="1"/>
-          </p:cNvPicPr>
-          <p:nvPr/>
-        </p:nvPicPr>
-        <p:blipFill>
-          <a:blip r:embed="rId1"/>
-          <a:stretch>
-            <a:fillRect/>
-          </a:stretch>
-        </p:blipFill>
-        <p:spPr>
-          <a:xfrm>
-            <a:off x="365760" y="1569348"/>
-            <a:ext cx="4572000" cy="2713463"/>
-          </a:xfrm>
-          <a:prstGeom prst="rect">
-            <a:avLst/>
-          </a:prstGeom>
-        </p:spPr>
-      </p:pic>
-      <p:sp>
-        <p:nvSpPr>
-          <p:cNvPr id="6" name="Text 3"/>
-          <p:cNvSpPr/>
-          <p:nvPr/>
-        </p:nvSpPr>
-        <p:spPr>
-          <a:xfrm>
-            <a:off x="5257800" y="822960"/>
-            <a:ext cx="3657600" cy="640080"/>
-          </a:xfrm>
-          <a:prstGeom prst="rect">
-            <a:avLst/>
-          </a:prstGeom>
-          <a:noFill/>
-          <a:ln/>
-        </p:spPr>
-        <p:txBody>
-          <a:bodyPr wrap="square" rtlCol="0" anchor="ctr"/>
-          <a:lstStyle/>
-          <a:p>
-            <a:pPr indent="0" marL="0">
-              <a:buNone/>
-            </a:pPr>
-            <a:r>
-              <a:rPr lang="en-US" sz="4200" b="1" dirty="0">
-                <a:solidFill>
-                  <a:srgbClr val="3AAE94"/>
-                </a:solidFill>
-                <a:latin typeface="Georgia" pitchFamily="34" charset="0"/>
-                <a:ea typeface="Georgia" pitchFamily="34" charset="-122"/>
-                <a:cs typeface="Georgia" pitchFamily="34" charset="-120"/>
-              </a:rPr>
-              <a:t>~$1M/yr</a:t>
-            </a:r>
-            <a:endParaRPr lang="en-US" sz="4200" dirty="0"/>
-          </a:p>
-        </p:txBody>
-      </p:sp>
-      <p:sp>
-        <p:nvSpPr>
-          <p:cNvPr id="7" name="Text 4"/>
-          <p:cNvSpPr/>
-          <p:nvPr/>
-        </p:nvSpPr>
-        <p:spPr>
-          <a:xfrm>
-            <a:off x="5257800" y="1417320"/>
-            <a:ext cx="3657600" cy="274320"/>
-          </a:xfrm>
-          <a:prstGeom prst="rect">
-            <a:avLst/>
-          </a:prstGeom>
-          <a:noFill/>
-          <a:ln/>
-        </p:spPr>
-        <p:txBody>
-          <a:bodyPr wrap="square" rtlCol="0" anchor="ctr"/>
-          <a:lstStyle/>
-          <a:p>
-            <a:pPr indent="0" marL="0">
-              <a:buNone/>
-            </a:pPr>
-            <a:r>
-              <a:rPr lang="en-US" sz="1300" dirty="0">
-                <a:solidFill>
-                  <a:srgbClr val="999999"/>
-                </a:solidFill>
-                <a:latin typeface="Calibri" pitchFamily="34" charset="0"/>
-                <a:ea typeface="Calibri" pitchFamily="34" charset="-122"/>
-                <a:cs typeface="Calibri" pitchFamily="34" charset="-120"/>
-              </a:rPr>
-              <a:t>savings vs. direct delivery from NY</a:t>
-            </a:r>
-            <a:endParaRPr lang="en-US" sz="1300" dirty="0"/>
-          </a:p>
-        </p:txBody>
-      </p:sp>
-      <p:sp>
-        <p:nvSpPr>
-          <p:cNvPr id="8" name="Shape 5"/>
-          <p:cNvSpPr/>
-          <p:nvPr/>
-        </p:nvSpPr>
-        <p:spPr>
-          <a:xfrm>
-            <a:off x="5257800" y="1828800"/>
-            <a:ext cx="3657600" cy="502920"/>
-          </a:xfrm>
-          <a:prstGeom prst="rect">
-            <a:avLst/>
-          </a:prstGeom>
-          <a:solidFill>
-            <a:srgbClr val="2D8B75"/>
-          </a:solidFill>
-          <a:ln/>
-        </p:spPr>
-      </p:sp>
-      <p:sp>
-        <p:nvSpPr>
-          <p:cNvPr id="9" name="Text 6"/>
-          <p:cNvSpPr/>
-          <p:nvPr/>
-        </p:nvSpPr>
-        <p:spPr>
-          <a:xfrm>
-            <a:off x="5394960" y="1874520"/>
-            <a:ext cx="3383280" cy="411480"/>
-          </a:xfrm>
-          <a:prstGeom prst="rect">
-            <a:avLst/>
-          </a:prstGeom>
-          <a:noFill/>
-          <a:ln/>
-        </p:spPr>
-        <p:txBody>
-          <a:bodyPr wrap="square" rtlCol="0" anchor="ctr"/>
-          <a:lstStyle/>
-          <a:p>
-            <a:pPr indent="0" marL="0">
-              <a:buNone/>
-            </a:pPr>
-            <a:r>
-              <a:rPr lang="en-US" sz="1300" b="1" dirty="0">
-                <a:solidFill>
-                  <a:srgbClr val="FFFFFF"/>
-                </a:solidFill>
-                <a:latin typeface="Calibri" pitchFamily="34" charset="0"/>
-                <a:ea typeface="Calibri" pitchFamily="34" charset="-122"/>
-                <a:cs typeface="Calibri" pitchFamily="34" charset="-120"/>
-              </a:rPr>
-              <a:t>DECISION: Open CT + MA Distribution Centers</a:t>
-            </a:r>
-            <a:endParaRPr lang="en-US" sz="1300" dirty="0"/>
-          </a:p>
-        </p:txBody>
-      </p:sp>
-      <p:pic>
-        <p:nvPicPr>
-          <p:cNvPr id="10" name="Image 1" descr="preencoded.png">    </p:cNvPr>
-          <p:cNvPicPr>
-            <a:picLocks noChangeAspect="1"/>
-          </p:cNvPicPr>
-          <p:nvPr/>
-        </p:nvPicPr>
-        <p:blipFill>
-          <a:blip r:embed="rId2"/>
-          <a:stretch>
-            <a:fillRect/>
-          </a:stretch>
-        </p:blipFill>
-        <p:spPr>
-          <a:xfrm>
-            <a:off x="5257800" y="2514600"/>
-            <a:ext cx="228600" cy="228600"/>
-          </a:xfrm>
-          <a:prstGeom prst="rect">
-            <a:avLst/>
-          </a:prstGeom>
-        </p:spPr>
-      </p:pic>
-      <p:sp>
-        <p:nvSpPr>
-          <p:cNvPr id="11" name="Text 7"/>
-          <p:cNvSpPr/>
-          <p:nvPr/>
-        </p:nvSpPr>
-        <p:spPr>
-          <a:xfrm>
-            <a:off x="5605272" y="2468880"/>
-            <a:ext cx="3474720" cy="347472"/>
-          </a:xfrm>
-          <a:prstGeom prst="rect">
-            <a:avLst/>
-          </a:prstGeom>
-          <a:noFill/>
-          <a:ln/>
-        </p:spPr>
-        <p:txBody>
-          <a:bodyPr wrap="square" rtlCol="0" anchor="ctr"/>
-          <a:lstStyle/>
-          <a:p>
-            <a:pPr indent="0" marL="0">
-              <a:buNone/>
-            </a:pPr>
-            <a:r>
-              <a:rPr lang="en-US" sz="1200" dirty="0">
-                <a:solidFill>
-                  <a:srgbClr val="FFFFFF"/>
-                </a:solidFill>
-                <a:latin typeface="Calibri" pitchFamily="34" charset="0"/>
-                <a:ea typeface="Calibri" pitchFamily="34" charset="-122"/>
-                <a:cs typeface="Calibri" pitchFamily="34" charset="-120"/>
-              </a:rPr>
-              <a:t>Total cost: $1.67M/yr (saves ~$1M vs direct)</a:t>
-            </a:r>
-            <a:endParaRPr lang="en-US" sz="1200" dirty="0"/>
-          </a:p>
-        </p:txBody>
-      </p:sp>
-      <p:pic>
-        <p:nvPicPr>
-          <p:cNvPr id="12" name="Image 2" descr="preencoded.png">    </p:cNvPr>
+          <p:cNvPr id="5" name="Image 0" descr="/sessions/happy-festive-archimedes/charts/chart_07_cell46.png"/>
           <p:cNvPicPr>
             <a:picLocks noChangeAspect="1"/>
           </p:cNvPicPr>
@@ -2332,8 +1892,8 @@
         </p:blipFill>
         <p:spPr>
           <a:xfrm>
-            <a:off x="5257800" y="2916936"/>
-            <a:ext cx="228600" cy="228600"/>
+            <a:off x="365760" y="1569348"/>
+            <a:ext cx="4572000" cy="2713463"/>
           </a:xfrm>
           <a:prstGeom prst="rect">
             <a:avLst/>
@@ -2342,14 +1902,14 @@
       </p:pic>
       <p:sp>
         <p:nvSpPr>
-          <p:cNvPr id="13" name="Text 8"/>
-          <p:cNvSpPr/>
-          <p:nvPr/>
-        </p:nvSpPr>
-        <p:spPr>
-          <a:xfrm>
-            <a:off x="5605272" y="2871216"/>
-            <a:ext cx="3474720" cy="347472"/>
+          <p:cNvPr id="6" name="Text 3"/>
+          <p:cNvSpPr/>
+          <p:nvPr/>
+        </p:nvSpPr>
+        <p:spPr>
+          <a:xfrm>
+            <a:off x="5257800" y="782713"/>
+            <a:ext cx="3657600" cy="579743"/>
           </a:xfrm>
           <a:prstGeom prst="rect">
             <a:avLst/>
@@ -2361,41 +1921,74 @@
           <a:bodyPr wrap="square" rtlCol="0" anchor="ctr"/>
           <a:lstStyle/>
           <a:p>
-            <a:pPr indent="0" marL="0">
+            <a:pPr marL="0" indent="0">
               <a:buNone/>
             </a:pPr>
             <a:r>
-              <a:rPr lang="en-US" sz="1200" dirty="0">
-                <a:solidFill>
-                  <a:srgbClr val="FFFFFF"/>
-                </a:solidFill>
-                <a:latin typeface="Calibri" pitchFamily="34" charset="0"/>
-                <a:ea typeface="Calibri" pitchFamily="34" charset="-122"/>
-                <a:cs typeface="Calibri" pitchFamily="34" charset="-120"/>
-              </a:rPr>
-              <a:t>FTL trunk from NY: $0.02/bag vs $0.15 LTL</a:t>
-            </a:r>
-            <a:endParaRPr lang="en-US" sz="1200" dirty="0"/>
+              <a:rPr lang="en-US" sz="3200" b="1" dirty="0">
+                <a:solidFill>
+                  <a:srgbClr val="3AAE94"/>
+                </a:solidFill>
+                <a:latin typeface="Georgia" pitchFamily="34" charset="0"/>
+                <a:ea typeface="Georgia" pitchFamily="34" charset="-122"/>
+                <a:cs typeface="Georgia" pitchFamily="34" charset="-120"/>
+              </a:rPr>
+              <a:t>~$1M/yr</a:t>
+            </a:r>
+            <a:endParaRPr lang="en-US" sz="3200" dirty="0"/>
+          </a:p>
+        </p:txBody>
+      </p:sp>
+      <p:sp>
+        <p:nvSpPr>
+          <p:cNvPr id="7" name="Text 4"/>
+          <p:cNvSpPr/>
+          <p:nvPr/>
+        </p:nvSpPr>
+        <p:spPr>
+          <a:xfrm>
+            <a:off x="5343276" y="1316737"/>
+            <a:ext cx="3572123" cy="274320"/>
+          </a:xfrm>
+          <a:prstGeom prst="rect">
+            <a:avLst/>
+          </a:prstGeom>
+          <a:noFill/>
+          <a:ln/>
+        </p:spPr>
+        <p:txBody>
+          <a:bodyPr wrap="square" rtlCol="0" anchor="ctr"/>
+          <a:lstStyle/>
+          <a:p>
+            <a:r>
+              <a:rPr lang="en-US" sz="1200" b="1" dirty="0">
+                <a:solidFill>
+                  <a:srgbClr val="3AAE94"/>
+                </a:solidFill>
+                <a:latin typeface="Georgia" pitchFamily="34" charset="0"/>
+              </a:rPr>
+              <a:t>(vs. all-direct LTL from NY at $2.7M/yr)</a:t>
+            </a:r>
           </a:p>
         </p:txBody>
       </p:sp>
       <p:pic>
         <p:nvPicPr>
-          <p:cNvPr id="14" name="Image 3" descr="preencoded.png">    </p:cNvPr>
+          <p:cNvPr id="8" name="Image 1" descr="preencoded.png"/>
           <p:cNvPicPr>
             <a:picLocks noChangeAspect="1"/>
           </p:cNvPicPr>
           <p:nvPr/>
         </p:nvPicPr>
         <p:blipFill>
-          <a:blip r:embed="rId4"/>
+          <a:blip r:embed="rId3"/>
           <a:stretch>
             <a:fillRect/>
           </a:stretch>
         </p:blipFill>
         <p:spPr>
           <a:xfrm>
-            <a:off x="5257800" y="3319272"/>
+            <a:off x="5255812" y="1824626"/>
             <a:ext cx="228600" cy="228600"/>
           </a:xfrm>
           <a:prstGeom prst="rect">
@@ -2405,13 +1998,13 @@
       </p:pic>
       <p:sp>
         <p:nvSpPr>
-          <p:cNvPr id="15" name="Text 9"/>
-          <p:cNvSpPr/>
-          <p:nvPr/>
-        </p:nvSpPr>
-        <p:spPr>
-          <a:xfrm>
-            <a:off x="5605272" y="3273552"/>
+          <p:cNvPr id="9" name="Text 5"/>
+          <p:cNvSpPr/>
+          <p:nvPr/>
+        </p:nvSpPr>
+        <p:spPr>
+          <a:xfrm>
+            <a:off x="5605272" y="2002537"/>
             <a:ext cx="3474720" cy="347472"/>
           </a:xfrm>
           <a:prstGeom prst="rect">
@@ -2424,11 +2017,8 @@
           <a:bodyPr wrap="square" rtlCol="0" anchor="ctr"/>
           <a:lstStyle/>
           <a:p>
-            <a:pPr indent="0" marL="0">
-              <a:buNone/>
-            </a:pPr>
-            <a:r>
-              <a:rPr lang="en-US" sz="1200" dirty="0">
+            <a:r>
+              <a:rPr lang="en-US" sz="1000" dirty="0">
                 <a:solidFill>
                   <a:srgbClr val="FFFFFF"/>
                 </a:solidFill>
@@ -2436,29 +2026,64 @@
                 <a:ea typeface="Calibri" pitchFamily="34" charset="-122"/>
                 <a:cs typeface="Calibri" pitchFamily="34" charset="-120"/>
               </a:rPr>
-              <a:t>3PL at DCs handles last-mile &amp; scheduling</a:t>
-            </a:r>
-            <a:endParaRPr lang="en-US" sz="1200" dirty="0"/>
+              <a:t>CT + MA DCs: $1.67M/yr total cost. Supply with FTL trunk-line to DCs. From DCs 3PL handles last-mile coordination to customers.</a:t>
+            </a:r>
+            <a:endParaRPr lang="en-US" sz="1000" dirty="0"/>
+          </a:p>
+          <a:p>
+            <a:endParaRPr lang="en-US" sz="1250" dirty="0"/>
+          </a:p>
+        </p:txBody>
+      </p:sp>
+      <p:sp>
+        <p:nvSpPr>
+          <p:cNvPr id="11" name="Text 6"/>
+          <p:cNvSpPr/>
+          <p:nvPr/>
+        </p:nvSpPr>
+        <p:spPr>
+          <a:xfrm>
+            <a:off x="5605272" y="2478607"/>
+            <a:ext cx="3474720" cy="347472"/>
+          </a:xfrm>
+          <a:prstGeom prst="rect">
+            <a:avLst/>
+          </a:prstGeom>
+          <a:noFill/>
+          <a:ln/>
+        </p:spPr>
+        <p:txBody>
+          <a:bodyPr wrap="square" rtlCol="0" anchor="ctr"/>
+          <a:lstStyle/>
+          <a:p>
+            <a:r>
+              <a:rPr lang="en-US" sz="1000" dirty="0">
+                <a:solidFill>
+                  <a:schemeClr val="bg1"/>
+                </a:solidFill>
+              </a:rPr>
+              <a:t>ME weekly leased truck from NY ($93.6K/yr). Far cheaper than a $200K DC for only 4% of volume.</a:t>
+            </a:r>
           </a:p>
         </p:txBody>
       </p:sp>
       <p:pic>
         <p:nvPicPr>
-          <p:cNvPr id="16" name="Image 4" descr="preencoded.png">    </p:cNvPr>
+          <p:cNvPr id="12" name="Image 3" descr="preencoded.png"/>
           <p:cNvPicPr>
             <a:picLocks noChangeAspect="1"/>
           </p:cNvPicPr>
           <p:nvPr/>
         </p:nvPicPr>
         <p:blipFill>
-          <a:blip r:embed="rId5"/>
+          <a:blip r:embed="rId3"/>
           <a:stretch>
             <a:fillRect/>
           </a:stretch>
         </p:blipFill>
         <p:spPr>
           <a:xfrm>
-            <a:off x="5257800" y="3721608"/>
+            <a:off x="5255812" y="2511115"/>
             <a:ext cx="228600" cy="228600"/>
           </a:xfrm>
           <a:prstGeom prst="rect">
@@ -2468,13 +2093,13 @@
       </p:pic>
       <p:sp>
         <p:nvSpPr>
-          <p:cNvPr id="17" name="Text 10"/>
-          <p:cNvSpPr/>
-          <p:nvPr/>
-        </p:nvSpPr>
-        <p:spPr>
-          <a:xfrm>
-            <a:off x="5605272" y="3675888"/>
+          <p:cNvPr id="13" name="Text 7"/>
+          <p:cNvSpPr/>
+          <p:nvPr/>
+        </p:nvSpPr>
+        <p:spPr>
+          <a:xfrm>
+            <a:off x="5605272" y="2568563"/>
             <a:ext cx="3474720" cy="347472"/>
           </a:xfrm>
           <a:prstGeom prst="rect">
@@ -2487,41 +2112,30 @@
           <a:bodyPr wrap="square" rtlCol="0" anchor="ctr"/>
           <a:lstStyle/>
           <a:p>
-            <a:pPr indent="0" marL="0">
+            <a:pPr marL="0" indent="0">
               <a:buNone/>
             </a:pPr>
-            <a:r>
-              <a:rPr lang="en-US" sz="1200" dirty="0">
-                <a:solidFill>
-                  <a:srgbClr val="FFFFFF"/>
-                </a:solidFill>
-                <a:latin typeface="Calibri" pitchFamily="34" charset="0"/>
-                <a:ea typeface="Calibri" pitchFamily="34" charset="-122"/>
-                <a:cs typeface="Calibri" pitchFamily="34" charset="-120"/>
-              </a:rPr>
-              <a:t>Weekly (R,S) replenishment, 95% service level</a:t>
-            </a:r>
-            <a:endParaRPr lang="en-US" sz="1200" dirty="0"/>
+            <a:endParaRPr lang="en-US" sz="1250" dirty="0"/>
           </a:p>
         </p:txBody>
       </p:sp>
       <p:pic>
         <p:nvPicPr>
-          <p:cNvPr id="18" name="Image 5" descr="preencoded.png">    </p:cNvPr>
+          <p:cNvPr id="14" name="Image 4" descr="preencoded.png"/>
           <p:cNvPicPr>
             <a:picLocks noChangeAspect="1"/>
           </p:cNvPicPr>
           <p:nvPr/>
         </p:nvPicPr>
         <p:blipFill>
-          <a:blip r:embed="rId6"/>
+          <a:blip r:embed="rId3"/>
           <a:stretch>
             <a:fillRect/>
           </a:stretch>
         </p:blipFill>
         <p:spPr>
           <a:xfrm>
-            <a:off x="5257800" y="4123944"/>
+            <a:off x="5257800" y="3044051"/>
             <a:ext cx="228600" cy="228600"/>
           </a:xfrm>
           <a:prstGeom prst="rect">
@@ -2531,13 +2145,13 @@
       </p:pic>
       <p:sp>
         <p:nvSpPr>
-          <p:cNvPr id="19" name="Text 11"/>
-          <p:cNvSpPr/>
-          <p:nvPr/>
-        </p:nvSpPr>
-        <p:spPr>
-          <a:xfrm>
-            <a:off x="5605272" y="4078224"/>
+          <p:cNvPr id="15" name="Text 8"/>
+          <p:cNvSpPr/>
+          <p:nvPr/>
+        </p:nvSpPr>
+        <p:spPr>
+          <a:xfrm>
+            <a:off x="5605272" y="2998331"/>
             <a:ext cx="3474720" cy="347472"/>
           </a:xfrm>
           <a:prstGeom prst="rect">
@@ -2550,11 +2164,11 @@
           <a:bodyPr wrap="square" rtlCol="0" anchor="ctr"/>
           <a:lstStyle/>
           <a:p>
-            <a:pPr indent="0" marL="0">
+            <a:pPr marL="0" indent="0">
               <a:buNone/>
             </a:pPr>
             <a:r>
-              <a:rPr lang="en-US" sz="1200" dirty="0">
+              <a:rPr lang="en-US" sz="1000" dirty="0">
                 <a:solidFill>
                   <a:srgbClr val="FFFFFF"/>
                 </a:solidFill>
@@ -2562,9 +2176,166 @@
                 <a:ea typeface="Calibri" pitchFamily="34" charset="-122"/>
                 <a:cs typeface="Calibri" pitchFamily="34" charset="-120"/>
               </a:rPr>
-              <a:t>All 110 SKUs stocked at both DCs</a:t>
-            </a:r>
-            <a:endParaRPr lang="en-US" sz="1200" dirty="0"/>
+              <a:t>We chose Periodic Review (R,S) — weekly cycle as our go to replenishment method. DCs wont have mixed boxes while ME will allow mixed boxes because lower demand.</a:t>
+            </a:r>
+            <a:endParaRPr lang="en-US" sz="1000" dirty="0"/>
+          </a:p>
+        </p:txBody>
+      </p:sp>
+      <p:pic>
+        <p:nvPicPr>
+          <p:cNvPr id="16" name="Image 5" descr="preencoded.png"/>
+          <p:cNvPicPr>
+            <a:picLocks noChangeAspect="1"/>
+          </p:cNvPicPr>
+          <p:nvPr/>
+        </p:nvPicPr>
+        <p:blipFill>
+          <a:blip r:embed="rId3"/>
+          <a:stretch>
+            <a:fillRect/>
+          </a:stretch>
+        </p:blipFill>
+        <p:spPr>
+          <a:xfrm>
+            <a:off x="5257800" y="3473819"/>
+            <a:ext cx="228600" cy="228600"/>
+          </a:xfrm>
+          <a:prstGeom prst="rect">
+            <a:avLst/>
+          </a:prstGeom>
+        </p:spPr>
+      </p:pic>
+      <p:sp>
+        <p:nvSpPr>
+          <p:cNvPr id="17" name="Text 9"/>
+          <p:cNvSpPr/>
+          <p:nvPr/>
+        </p:nvSpPr>
+        <p:spPr>
+          <a:xfrm>
+            <a:off x="5605272" y="3428099"/>
+            <a:ext cx="3474720" cy="347472"/>
+          </a:xfrm>
+          <a:prstGeom prst="rect">
+            <a:avLst/>
+          </a:prstGeom>
+          <a:noFill/>
+          <a:ln/>
+        </p:spPr>
+        <p:txBody>
+          <a:bodyPr wrap="square" rtlCol="0" anchor="ctr"/>
+          <a:lstStyle/>
+          <a:p>
+            <a:pPr marL="0" indent="0">
+              <a:buNone/>
+            </a:pPr>
+            <a:r>
+              <a:rPr lang="en-US" sz="1000" dirty="0">
+                <a:solidFill>
+                  <a:srgbClr val="FFFFFF"/>
+                </a:solidFill>
+                <a:latin typeface="Calibri" pitchFamily="34" charset="0"/>
+                <a:ea typeface="Calibri" pitchFamily="34" charset="-122"/>
+                <a:cs typeface="Calibri" pitchFamily="34" charset="-120"/>
+              </a:rPr>
+              <a:t>Maine DC not justified ($200K for 9 pallets/wk)</a:t>
+            </a:r>
+            <a:endParaRPr lang="en-US" sz="1000" dirty="0"/>
+          </a:p>
+        </p:txBody>
+      </p:sp>
+      <p:pic>
+        <p:nvPicPr>
+          <p:cNvPr id="18" name="Image 6" descr="preencoded.png"/>
+          <p:cNvPicPr>
+            <a:picLocks noChangeAspect="1"/>
+          </p:cNvPicPr>
+          <p:nvPr/>
+        </p:nvPicPr>
+        <p:blipFill>
+          <a:blip r:embed="rId3"/>
+          <a:stretch>
+            <a:fillRect/>
+          </a:stretch>
+        </p:blipFill>
+        <p:spPr>
+          <a:xfrm>
+            <a:off x="5257800" y="3903587"/>
+            <a:ext cx="228600" cy="228600"/>
+          </a:xfrm>
+          <a:prstGeom prst="rect">
+            <a:avLst/>
+          </a:prstGeom>
+        </p:spPr>
+      </p:pic>
+      <p:sp>
+        <p:nvSpPr>
+          <p:cNvPr id="19" name="Text 10"/>
+          <p:cNvSpPr/>
+          <p:nvPr/>
+        </p:nvSpPr>
+        <p:spPr>
+          <a:xfrm>
+            <a:off x="5605272" y="3857867"/>
+            <a:ext cx="3474720" cy="347472"/>
+          </a:xfrm>
+          <a:prstGeom prst="rect">
+            <a:avLst/>
+          </a:prstGeom>
+          <a:noFill/>
+          <a:ln/>
+        </p:spPr>
+        <p:txBody>
+          <a:bodyPr wrap="square" rtlCol="0" anchor="ctr"/>
+          <a:lstStyle/>
+          <a:p>
+            <a:pPr marL="0" indent="0">
+              <a:buNone/>
+            </a:pPr>
+            <a:r>
+              <a:rPr lang="en-US" sz="1000" dirty="0">
+                <a:solidFill>
+                  <a:srgbClr val="FFFFFF"/>
+                </a:solidFill>
+                <a:latin typeface="Calibri" pitchFamily="34" charset="0"/>
+                <a:ea typeface="Calibri" pitchFamily="34" charset="-122"/>
+                <a:cs typeface="Calibri" pitchFamily="34" charset="-120"/>
+              </a:rPr>
+              <a:t>All-direct from NY: $2.7M — too expensive</a:t>
+            </a:r>
+            <a:endParaRPr lang="en-US" sz="1000" dirty="0"/>
+          </a:p>
+        </p:txBody>
+      </p:sp>
+      <p:sp>
+        <p:nvSpPr>
+          <p:cNvPr id="20" name="Text 11"/>
+          <p:cNvSpPr/>
+          <p:nvPr/>
+        </p:nvSpPr>
+        <p:spPr>
+          <a:xfrm>
+            <a:off x="5257800" y="4360787"/>
+            <a:ext cx="3657600" cy="411480"/>
+          </a:xfrm>
+          <a:prstGeom prst="rect">
+            <a:avLst/>
+          </a:prstGeom>
+          <a:noFill/>
+          <a:ln/>
+        </p:spPr>
+        <p:txBody>
+          <a:bodyPr wrap="square" rtlCol="0" anchor="ctr"/>
+          <a:lstStyle/>
+          <a:p>
+            <a:pPr marL="0" indent="0">
+              <a:lnSpc>
+                <a:spcPct val="120000"/>
+              </a:lnSpc>
+              <a:buNone/>
+            </a:pPr>
+            <a:endParaRPr lang="en-US" sz="950" dirty="0"/>
           </a:p>
         </p:txBody>
       </p:sp>
@@ -2578,12 +2349,13 @@
 
 <file path=ppt/slides/slide3.xml><?xml version="1.0" encoding="utf-8"?>
 <p:sld xmlns:a="http://schemas.openxmlformats.org/drawingml/2006/main" xmlns:r="http://schemas.openxmlformats.org/officeDocument/2006/relationships" xmlns:p="http://schemas.openxmlformats.org/presentationml/2006/main">
-  <p:cSld name="Slide 3">
+  <p:cSld name="Slide 7">
     <p:bg>
       <p:bgPr>
         <a:solidFill>
           <a:srgbClr val="F5F0EB"/>
         </a:solidFill>
+        <a:effectLst/>
       </p:bgPr>
     </p:bg>
     <p:spTree>
@@ -2615,21 +2387,28 @@
             <a:avLst/>
           </a:prstGeom>
           <a:solidFill>
-            <a:srgbClr val="1B2A4A"/>
+            <a:srgbClr val="D4543B"/>
           </a:solidFill>
           <a:ln/>
         </p:spPr>
+        <p:txBody>
+          <a:bodyPr/>
+          <a:lstStyle/>
+          <a:p>
+            <a:endParaRPr lang="es-ES_tradnl"/>
+          </a:p>
+        </p:txBody>
       </p:sp>
       <p:pic>
         <p:nvPicPr>
-          <p:cNvPr id="3" name="Image 0" descr="preencoded.png">    </p:cNvPr>
+          <p:cNvPr id="3" name="Image 0" descr="preencoded.png"/>
           <p:cNvPicPr>
             <a:picLocks noChangeAspect="1"/>
           </p:cNvPicPr>
           <p:nvPr/>
         </p:nvPicPr>
         <p:blipFill>
-          <a:blip r:embed="rId1"/>
+          <a:blip/>
           <a:stretch>
             <a:fillRect/>
           </a:stretch>
@@ -2653,7 +2432,7 @@
         <p:spPr>
           <a:xfrm>
             <a:off x="1097280" y="292608"/>
-            <a:ext cx="4572000" cy="457200"/>
+            <a:ext cx="7315200" cy="457200"/>
           </a:xfrm>
           <a:prstGeom prst="rect">
             <a:avLst/>
@@ -2665,11 +2444,11 @@
           <a:bodyPr wrap="square" rtlCol="0" anchor="ctr"/>
           <a:lstStyle/>
           <a:p>
-            <a:pPr indent="0" marL="0">
+            <a:pPr marL="0" indent="0">
               <a:buNone/>
             </a:pPr>
             <a:r>
-              <a:rPr lang="en-US" sz="2600" b="1" dirty="0">
+              <a:rPr lang="en-US" sz="2400" b="1" dirty="0">
                 <a:solidFill>
                   <a:srgbClr val="1B2A4A"/>
                 </a:solidFill>
@@ -2677,22 +2456,76 @@
                 <a:ea typeface="Georgia" pitchFamily="34" charset="-122"/>
                 <a:cs typeface="Georgia" pitchFamily="34" charset="-120"/>
               </a:rPr>
-              <a:t>The CanDi Challenge</a:t>
-            </a:r>
-            <a:endParaRPr lang="en-US" sz="2600" dirty="0"/>
-          </a:p>
-        </p:txBody>
-      </p:sp>
-      <p:sp>
-        <p:nvSpPr>
-          <p:cNvPr id="5" name="Text 2"/>
+              <a:t>The Hidden Cost: Mixed Pallet Surcharge</a:t>
+            </a:r>
+            <a:endParaRPr lang="en-US" sz="2400" dirty="0"/>
+          </a:p>
+        </p:txBody>
+      </p:sp>
+      <p:sp>
+        <p:nvSpPr>
+          <p:cNvPr id="5" name="Shape 2"/>
           <p:cNvSpPr/>
           <p:nvPr/>
         </p:nvSpPr>
         <p:spPr>
           <a:xfrm>
             <a:off x="457200" y="868680"/>
-            <a:ext cx="3931920" cy="640080"/>
+            <a:ext cx="8229600" cy="594360"/>
+          </a:xfrm>
+          <a:prstGeom prst="rect">
+            <a:avLst/>
+          </a:prstGeom>
+          <a:solidFill>
+            <a:srgbClr val="FFF3EE"/>
+          </a:solidFill>
+          <a:ln/>
+        </p:spPr>
+        <p:txBody>
+          <a:bodyPr/>
+          <a:lstStyle/>
+          <a:p>
+            <a:endParaRPr lang="es-ES_tradnl" dirty="0"/>
+          </a:p>
+        </p:txBody>
+      </p:sp>
+      <p:sp>
+        <p:nvSpPr>
+          <p:cNvPr id="6" name="Shape 3"/>
+          <p:cNvSpPr/>
+          <p:nvPr/>
+        </p:nvSpPr>
+        <p:spPr>
+          <a:xfrm>
+            <a:off x="457200" y="868680"/>
+            <a:ext cx="45720" cy="457200"/>
+          </a:xfrm>
+          <a:prstGeom prst="rect">
+            <a:avLst/>
+          </a:prstGeom>
+          <a:solidFill>
+            <a:srgbClr val="D4543B"/>
+          </a:solidFill>
+          <a:ln/>
+        </p:spPr>
+        <p:txBody>
+          <a:bodyPr/>
+          <a:lstStyle/>
+          <a:p>
+            <a:endParaRPr lang="es-ES_tradnl"/>
+          </a:p>
+        </p:txBody>
+      </p:sp>
+      <p:sp>
+        <p:nvSpPr>
+          <p:cNvPr id="7" name="Text 4"/>
+          <p:cNvSpPr/>
+          <p:nvPr/>
+        </p:nvSpPr>
+        <p:spPr>
+          <a:xfrm>
+            <a:off x="646043" y="898295"/>
+            <a:ext cx="7863840" cy="411480"/>
           </a:xfrm>
           <a:prstGeom prst="rect">
             <a:avLst/>
@@ -2704,14 +2537,13 @@
           <a:bodyPr wrap="square" rtlCol="0" anchor="ctr"/>
           <a:lstStyle/>
           <a:p>
-            <a:pPr indent="0" marL="0">
+            <a:pPr>
               <a:lnSpc>
-                <a:spcPct val="125000"/>
+                <a:spcPct val="120000"/>
               </a:lnSpc>
-              <a:buNone/>
             </a:pPr>
             <a:r>
-              <a:rPr lang="en-US" sz="1200" dirty="0">
+              <a:rPr lang="en-US" sz="900" dirty="0">
                 <a:solidFill>
                   <a:srgbClr val="333333"/>
                 </a:solidFill>
@@ -2719,22 +2551,31 @@
                 <a:ea typeface="Calibri" pitchFamily="34" charset="-122"/>
                 <a:cs typeface="Calibri" pitchFamily="34" charset="-120"/>
               </a:rPr>
-              <a:t>After 2 years using expensive 3PL distributors, CanDi must build its own supply chain — deciding where to place warehouses, how to ship, and what to stock where.</a:t>
-            </a:r>
-            <a:endParaRPr lang="en-US" sz="1200" dirty="0"/>
-          </a:p>
-        </p:txBody>
-      </p:sp>
-      <p:sp>
-        <p:nvSpPr>
-          <p:cNvPr id="6" name="Shape 3"/>
-          <p:cNvSpPr/>
-          <p:nvPr/>
-        </p:nvSpPr>
-        <p:spPr>
-          <a:xfrm>
-            <a:off x="457200" y="1645920"/>
-            <a:ext cx="3931920" cy="749808"/>
+              <a:t>The $1/box surcharge adds ~$117K/year (CT+MA). Tail &amp; Connoisseur segments are 100% mixed — but FTL savings still dominate the economics</a:t>
+            </a:r>
+            <a:r>
+              <a:rPr lang="en-US" sz="900" dirty="0">
+                <a:solidFill>
+                  <a:srgbClr val="333333"/>
+                </a:solidFill>
+                <a:latin typeface="Calibri" pitchFamily="34" charset="0"/>
+                <a:cs typeface="Calibri" pitchFamily="34" charset="-120"/>
+              </a:rPr>
+              <a:t>. The FTL trunk-line savings from aggregating all volume at the DC still outweigh the $117K annual surcharge, making DC stocking the economically superior choice for these segments as well.</a:t>
+            </a:r>
+          </a:p>
+        </p:txBody>
+      </p:sp>
+      <p:sp>
+        <p:nvSpPr>
+          <p:cNvPr id="8" name="Shape 5"/>
+          <p:cNvSpPr/>
+          <p:nvPr/>
+        </p:nvSpPr>
+        <p:spPr>
+          <a:xfrm>
+            <a:off x="457200" y="1653870"/>
+            <a:ext cx="8229600" cy="3283889"/>
           </a:xfrm>
           <a:prstGeom prst="rect">
             <a:avLst/>
@@ -2744,32 +2585,39 @@
           </a:solidFill>
           <a:ln/>
           <a:effectLst>
-            <a:outerShdw sx="100000" sy="100000" kx="0" ky="0" algn="bl" rotWithShape="0" blurRad="76200" dist="25400" dir="8100000">
+            <a:outerShdw blurRad="76200" dist="25400" dir="8100000" algn="bl" rotWithShape="0">
               <a:srgbClr val="000000">
                 <a:alpha val="10000"/>
               </a:srgbClr>
             </a:outerShdw>
           </a:effectLst>
         </p:spPr>
+        <p:txBody>
+          <a:bodyPr/>
+          <a:lstStyle/>
+          <a:p>
+            <a:endParaRPr lang="es-ES_tradnl"/>
+          </a:p>
+        </p:txBody>
       </p:sp>
       <p:pic>
         <p:nvPicPr>
-          <p:cNvPr id="7" name="Image 1" descr="preencoded.png">    </p:cNvPr>
+          <p:cNvPr id="9" name="Image 1" descr="/sessions/happy-festive-archimedes/charts/chart_04_cell33.png"/>
           <p:cNvPicPr>
             <a:picLocks noChangeAspect="1"/>
           </p:cNvPicPr>
           <p:nvPr/>
         </p:nvPicPr>
         <p:blipFill>
-          <a:blip r:embed="rId2"/>
+          <a:blip/>
           <a:stretch>
             <a:fillRect/>
           </a:stretch>
         </p:blipFill>
         <p:spPr>
           <a:xfrm>
-            <a:off x="594360" y="1828800"/>
-            <a:ext cx="347472" cy="347472"/>
+            <a:off x="457200" y="1567989"/>
+            <a:ext cx="8229600" cy="3034145"/>
           </a:xfrm>
           <a:prstGeom prst="rect">
             <a:avLst/>
@@ -2778,14 +2626,14 @@
       </p:pic>
       <p:sp>
         <p:nvSpPr>
-          <p:cNvPr id="8" name="Text 4"/>
-          <p:cNvSpPr/>
-          <p:nvPr/>
-        </p:nvSpPr>
-        <p:spPr>
-          <a:xfrm>
-            <a:off x="1097280" y="1719072"/>
-            <a:ext cx="3108960" cy="274320"/>
+          <p:cNvPr id="10" name="Text 6"/>
+          <p:cNvSpPr/>
+          <p:nvPr/>
+        </p:nvSpPr>
+        <p:spPr>
+          <a:xfrm>
+            <a:off x="457200" y="4647854"/>
+            <a:ext cx="8229600" cy="274320"/>
           </a:xfrm>
           <a:prstGeom prst="rect">
             <a:avLst/>
@@ -2797,418 +2645,19 @@
           <a:bodyPr wrap="square" rtlCol="0" anchor="ctr"/>
           <a:lstStyle/>
           <a:p>
-            <a:pPr indent="0" marL="0">
+            <a:pPr marL="0" indent="0">
               <a:buNone/>
             </a:pPr>
             <a:r>
-              <a:rPr lang="en-US" sz="1250" b="1" dirty="0">
-                <a:solidFill>
-                  <a:srgbClr val="1B2A4A"/>
+              <a:rPr lang="en-US" sz="900" i="1" dirty="0">
+                <a:solidFill>
+                  <a:srgbClr val="666666"/>
                 </a:solidFill>
                 <a:latin typeface="Calibri" pitchFamily="34" charset="0"/>
                 <a:ea typeface="Calibri" pitchFamily="34" charset="-122"/>
                 <a:cs typeface="Calibri" pitchFamily="34" charset="-120"/>
               </a:rPr>
-              <a:t>FTL is Point-to-Point</a:t>
-            </a:r>
-            <a:endParaRPr lang="en-US" sz="1250" dirty="0"/>
-          </a:p>
-        </p:txBody>
-      </p:sp>
-      <p:sp>
-        <p:nvSpPr>
-          <p:cNvPr id="9" name="Text 5"/>
-          <p:cNvSpPr/>
-          <p:nvPr/>
-        </p:nvSpPr>
-        <p:spPr>
-          <a:xfrm>
-            <a:off x="1097280" y="1993392"/>
-            <a:ext cx="3200400" cy="347472"/>
-          </a:xfrm>
-          <a:prstGeom prst="rect">
-            <a:avLst/>
-          </a:prstGeom>
-          <a:noFill/>
-          <a:ln/>
-        </p:spPr>
-        <p:txBody>
-          <a:bodyPr wrap="square" rtlCol="0" anchor="ctr"/>
-          <a:lstStyle/>
-          <a:p>
-            <a:pPr indent="0" marL="0">
-              <a:lnSpc>
-                <a:spcPct val="115000"/>
-              </a:lnSpc>
-              <a:buNone/>
-            </a:pPr>
-            <a:r>
-              <a:rPr lang="en-US" sz="1000" dirty="0">
-                <a:solidFill>
-                  <a:srgbClr val="666666"/>
-                </a:solidFill>
-                <a:latin typeface="Calibri" pitchFamily="34" charset="0"/>
-                <a:ea typeface="Calibri" pitchFamily="34" charset="-122"/>
-                <a:cs typeface="Calibri" pitchFamily="34" charset="-120"/>
-              </a:rPr>
-              <a:t>Full trucks go to ONE destination. Max customer = 3.4 pallets vs. 20-pallet truck.</a:t>
-            </a:r>
-            <a:endParaRPr lang="en-US" sz="1000" dirty="0"/>
-          </a:p>
-        </p:txBody>
-      </p:sp>
-      <p:sp>
-        <p:nvSpPr>
-          <p:cNvPr id="10" name="Shape 6"/>
-          <p:cNvSpPr/>
-          <p:nvPr/>
-        </p:nvSpPr>
-        <p:spPr>
-          <a:xfrm>
-            <a:off x="457200" y="2514600"/>
-            <a:ext cx="3931920" cy="749808"/>
-          </a:xfrm>
-          <a:prstGeom prst="rect">
-            <a:avLst/>
-          </a:prstGeom>
-          <a:solidFill>
-            <a:srgbClr val="FFFFFF"/>
-          </a:solidFill>
-          <a:ln/>
-          <a:effectLst>
-            <a:outerShdw sx="100000" sy="100000" kx="0" ky="0" algn="bl" rotWithShape="0" blurRad="76200" dist="25400" dir="8100000">
-              <a:srgbClr val="000000">
-                <a:alpha val="10000"/>
-              </a:srgbClr>
-            </a:outerShdw>
-          </a:effectLst>
-        </p:spPr>
-      </p:sp>
-      <p:pic>
-        <p:nvPicPr>
-          <p:cNvPr id="11" name="Image 2" descr="preencoded.png">    </p:cNvPr>
-          <p:cNvPicPr>
-            <a:picLocks noChangeAspect="1"/>
-          </p:cNvPicPr>
-          <p:nvPr/>
-        </p:nvPicPr>
-        <p:blipFill>
-          <a:blip r:embed="rId3"/>
-          <a:stretch>
-            <a:fillRect/>
-          </a:stretch>
-        </p:blipFill>
-        <p:spPr>
-          <a:xfrm>
-            <a:off x="594360" y="2697480"/>
-            <a:ext cx="347472" cy="347472"/>
-          </a:xfrm>
-          <a:prstGeom prst="rect">
-            <a:avLst/>
-          </a:prstGeom>
-        </p:spPr>
-      </p:pic>
-      <p:sp>
-        <p:nvSpPr>
-          <p:cNvPr id="12" name="Text 7"/>
-          <p:cNvSpPr/>
-          <p:nvPr/>
-        </p:nvSpPr>
-        <p:spPr>
-          <a:xfrm>
-            <a:off x="1097280" y="2587752"/>
-            <a:ext cx="3108960" cy="274320"/>
-          </a:xfrm>
-          <a:prstGeom prst="rect">
-            <a:avLst/>
-          </a:prstGeom>
-          <a:noFill/>
-          <a:ln/>
-        </p:spPr>
-        <p:txBody>
-          <a:bodyPr wrap="square" rtlCol="0" anchor="ctr"/>
-          <a:lstStyle/>
-          <a:p>
-            <a:pPr indent="0" marL="0">
-              <a:buNone/>
-            </a:pPr>
-            <a:r>
-              <a:rPr lang="en-US" sz="1250" b="1" dirty="0">
-                <a:solidFill>
-                  <a:srgbClr val="1B2A4A"/>
-                </a:solidFill>
-                <a:latin typeface="Calibri" pitchFamily="34" charset="0"/>
-                <a:ea typeface="Calibri" pitchFamily="34" charset="-122"/>
-                <a:cs typeface="Calibri" pitchFamily="34" charset="-120"/>
-              </a:rPr>
-              <a:t>$200K/yr Per DC</a:t>
-            </a:r>
-            <a:endParaRPr lang="en-US" sz="1250" dirty="0"/>
-          </a:p>
-        </p:txBody>
-      </p:sp>
-      <p:sp>
-        <p:nvSpPr>
-          <p:cNvPr id="13" name="Text 8"/>
-          <p:cNvSpPr/>
-          <p:nvPr/>
-        </p:nvSpPr>
-        <p:spPr>
-          <a:xfrm>
-            <a:off x="1097280" y="2862072"/>
-            <a:ext cx="3200400" cy="347472"/>
-          </a:xfrm>
-          <a:prstGeom prst="rect">
-            <a:avLst/>
-          </a:prstGeom>
-          <a:noFill/>
-          <a:ln/>
-        </p:spPr>
-        <p:txBody>
-          <a:bodyPr wrap="square" rtlCol="0" anchor="ctr"/>
-          <a:lstStyle/>
-          <a:p>
-            <a:pPr indent="0" marL="0">
-              <a:lnSpc>
-                <a:spcPct val="115000"/>
-              </a:lnSpc>
-              <a:buNone/>
-            </a:pPr>
-            <a:r>
-              <a:rPr lang="en-US" sz="1000" dirty="0">
-                <a:solidFill>
-                  <a:srgbClr val="666666"/>
-                </a:solidFill>
-                <a:latin typeface="Calibri" pitchFamily="34" charset="0"/>
-                <a:ea typeface="Calibri" pitchFamily="34" charset="-122"/>
-                <a:cs typeface="Calibri" pitchFamily="34" charset="-120"/>
-              </a:rPr>
-              <a:t>Each regional DC has a steep fixed cost. Volume must justify investment.</a:t>
-            </a:r>
-            <a:endParaRPr lang="en-US" sz="1000" dirty="0"/>
-          </a:p>
-        </p:txBody>
-      </p:sp>
-      <p:sp>
-        <p:nvSpPr>
-          <p:cNvPr id="14" name="Shape 9"/>
-          <p:cNvSpPr/>
-          <p:nvPr/>
-        </p:nvSpPr>
-        <p:spPr>
-          <a:xfrm>
-            <a:off x="457200" y="3383280"/>
-            <a:ext cx="3931920" cy="749808"/>
-          </a:xfrm>
-          <a:prstGeom prst="rect">
-            <a:avLst/>
-          </a:prstGeom>
-          <a:solidFill>
-            <a:srgbClr val="FFFFFF"/>
-          </a:solidFill>
-          <a:ln/>
-          <a:effectLst>
-            <a:outerShdw sx="100000" sy="100000" kx="0" ky="0" algn="bl" rotWithShape="0" blurRad="76200" dist="25400" dir="8100000">
-              <a:srgbClr val="000000">
-                <a:alpha val="10000"/>
-              </a:srgbClr>
-            </a:outerShdw>
-          </a:effectLst>
-        </p:spPr>
-      </p:sp>
-      <p:pic>
-        <p:nvPicPr>
-          <p:cNvPr id="15" name="Image 3" descr="preencoded.png">    </p:cNvPr>
-          <p:cNvPicPr>
-            <a:picLocks noChangeAspect="1"/>
-          </p:cNvPicPr>
-          <p:nvPr/>
-        </p:nvPicPr>
-        <p:blipFill>
-          <a:blip r:embed="rId4"/>
-          <a:stretch>
-            <a:fillRect/>
-          </a:stretch>
-        </p:blipFill>
-        <p:spPr>
-          <a:xfrm>
-            <a:off x="594360" y="3566160"/>
-            <a:ext cx="347472" cy="347472"/>
-          </a:xfrm>
-          <a:prstGeom prst="rect">
-            <a:avLst/>
-          </a:prstGeom>
-        </p:spPr>
-      </p:pic>
-      <p:sp>
-        <p:nvSpPr>
-          <p:cNvPr id="16" name="Text 10"/>
-          <p:cNvSpPr/>
-          <p:nvPr/>
-        </p:nvSpPr>
-        <p:spPr>
-          <a:xfrm>
-            <a:off x="1097280" y="3456432"/>
-            <a:ext cx="3108960" cy="274320"/>
-          </a:xfrm>
-          <a:prstGeom prst="rect">
-            <a:avLst/>
-          </a:prstGeom>
-          <a:noFill/>
-          <a:ln/>
-        </p:spPr>
-        <p:txBody>
-          <a:bodyPr wrap="square" rtlCol="0" anchor="ctr"/>
-          <a:lstStyle/>
-          <a:p>
-            <a:pPr indent="0" marL="0">
-              <a:buNone/>
-            </a:pPr>
-            <a:r>
-              <a:rPr lang="en-US" sz="1250" b="1" dirty="0">
-                <a:solidFill>
-                  <a:srgbClr val="1B2A4A"/>
-                </a:solidFill>
-                <a:latin typeface="Calibri" pitchFamily="34" charset="0"/>
-                <a:ea typeface="Calibri" pitchFamily="34" charset="-122"/>
-                <a:cs typeface="Calibri" pitchFamily="34" charset="-120"/>
-              </a:rPr>
-              <a:t>$1/box Surcharge</a:t>
-            </a:r>
-            <a:endParaRPr lang="en-US" sz="1250" dirty="0"/>
-          </a:p>
-        </p:txBody>
-      </p:sp>
-      <p:sp>
-        <p:nvSpPr>
-          <p:cNvPr id="17" name="Text 11"/>
-          <p:cNvSpPr/>
-          <p:nvPr/>
-        </p:nvSpPr>
-        <p:spPr>
-          <a:xfrm>
-            <a:off x="1097280" y="3730752"/>
-            <a:ext cx="3200400" cy="347472"/>
-          </a:xfrm>
-          <a:prstGeom prst="rect">
-            <a:avLst/>
-          </a:prstGeom>
-          <a:noFill/>
-          <a:ln/>
-        </p:spPr>
-        <p:txBody>
-          <a:bodyPr wrap="square" rtlCol="0" anchor="ctr"/>
-          <a:lstStyle/>
-          <a:p>
-            <a:pPr indent="0" marL="0">
-              <a:lnSpc>
-                <a:spcPct val="115000"/>
-              </a:lnSpc>
-              <a:buNone/>
-            </a:pPr>
-            <a:r>
-              <a:rPr lang="en-US" sz="1000" dirty="0">
-                <a:solidFill>
-                  <a:srgbClr val="666666"/>
-                </a:solidFill>
-                <a:latin typeface="Calibri" pitchFamily="34" charset="0"/>
-                <a:ea typeface="Calibri" pitchFamily="34" charset="-122"/>
-                <a:cs typeface="Calibri" pitchFamily="34" charset="-120"/>
-              </a:rPr>
-              <a:t>Mixed pallets at DCs incur a hidden $1/box fee — devastating for low-volume SKUs.</a:t>
-            </a:r>
-            <a:endParaRPr lang="en-US" sz="1000" dirty="0"/>
-          </a:p>
-        </p:txBody>
-      </p:sp>
-      <p:sp>
-        <p:nvSpPr>
-          <p:cNvPr id="18" name="Shape 12"/>
-          <p:cNvSpPr/>
-          <p:nvPr/>
-        </p:nvSpPr>
-        <p:spPr>
-          <a:xfrm>
-            <a:off x="4663440" y="777240"/>
-            <a:ext cx="4297680" cy="3840480"/>
-          </a:xfrm>
-          <a:prstGeom prst="rect">
-            <a:avLst/>
-          </a:prstGeom>
-          <a:solidFill>
-            <a:srgbClr val="FFFFFF"/>
-          </a:solidFill>
-          <a:ln/>
-          <a:effectLst>
-            <a:outerShdw sx="100000" sy="100000" kx="0" ky="0" algn="bl" rotWithShape="0" blurRad="76200" dist="25400" dir="8100000">
-              <a:srgbClr val="000000">
-                <a:alpha val="10000"/>
-              </a:srgbClr>
-            </a:outerShdw>
-          </a:effectLst>
-        </p:spPr>
-      </p:sp>
-      <p:pic>
-        <p:nvPicPr>
-          <p:cNvPr id="19" name="Image 4" descr="/sessions/happy-festive-archimedes/charts/chart_01_cell16.png">    </p:cNvPr>
-          <p:cNvPicPr>
-            <a:picLocks noChangeAspect="1"/>
-          </p:cNvPicPr>
-          <p:nvPr/>
-        </p:nvPicPr>
-        <p:blipFill>
-          <a:blip r:embed="rId5"/>
-          <a:stretch>
-            <a:fillRect/>
-          </a:stretch>
-        </p:blipFill>
-        <p:spPr>
-          <a:xfrm>
-            <a:off x="4754880" y="2021328"/>
-            <a:ext cx="4114800" cy="1352303"/>
-          </a:xfrm>
-          <a:prstGeom prst="rect">
-            <a:avLst/>
-          </a:prstGeom>
-        </p:spPr>
-      </p:pic>
-      <p:sp>
-        <p:nvSpPr>
-          <p:cNvPr id="20" name="Text 13"/>
-          <p:cNvSpPr/>
-          <p:nvPr/>
-        </p:nvSpPr>
-        <p:spPr>
-          <a:xfrm>
-            <a:off x="4754880" y="4617720"/>
-            <a:ext cx="4114800" cy="365760"/>
-          </a:xfrm>
-          <a:prstGeom prst="rect">
-            <a:avLst/>
-          </a:prstGeom>
-          <a:noFill/>
-          <a:ln/>
-        </p:spPr>
-        <p:txBody>
-          <a:bodyPr wrap="square" rtlCol="0" anchor="ctr"/>
-          <a:lstStyle/>
-          <a:p>
-            <a:pPr indent="0" marL="0">
-              <a:lnSpc>
-                <a:spcPct val="115000"/>
-              </a:lnSpc>
-              <a:buNone/>
-            </a:pPr>
-            <a:r>
-              <a:rPr lang="en-US" sz="900" i="1" dirty="0">
-                <a:solidFill>
-                  <a:srgbClr val="666666"/>
-                </a:solidFill>
-                <a:latin typeface="Calibri" pitchFamily="34" charset="0"/>
-                <a:ea typeface="Calibri" pitchFamily="34" charset="-122"/>
-                <a:cs typeface="Calibri" pitchFamily="34" charset="-120"/>
-              </a:rPr>
-              <a:t>MA dominates with 63% of volume (~163 pallets/wk). ME is only 4% (~6 pallets/wk) — barely one-third of a truckload.</a:t>
+              <a:t>Left: annual surcharge by region. Right: % of boxes on mixed pallets. Mass/Mainline have low surcharge; Tail/Connoisseur are 100% mixed.</a:t>
             </a:r>
             <a:endParaRPr lang="en-US" sz="900" dirty="0"/>
           </a:p>
@@ -3224,12 +2673,13 @@
 
 <file path=ppt/slides/slide4.xml><?xml version="1.0" encoding="utf-8"?>
 <p:sld xmlns:a="http://schemas.openxmlformats.org/drawingml/2006/main" xmlns:r="http://schemas.openxmlformats.org/officeDocument/2006/relationships" xmlns:p="http://schemas.openxmlformats.org/presentationml/2006/main">
-  <p:cSld name="Slide 4">
+  <p:cSld name="Slide 3">
     <p:bg>
       <p:bgPr>
         <a:solidFill>
           <a:srgbClr val="F5F0EB"/>
         </a:solidFill>
+        <a:effectLst/>
       </p:bgPr>
     </p:bg>
     <p:spTree>
@@ -3254,7 +2704,7 @@
         </p:nvSpPr>
         <p:spPr>
           <a:xfrm>
-            <a:off x="457200" y="274320"/>
+            <a:off x="457200" y="393192"/>
             <a:ext cx="457200" cy="457200"/>
           </a:xfrm>
           <a:prstGeom prst="ellipse">
@@ -3265,24 +2715,31 @@
           </a:solidFill>
           <a:ln/>
         </p:spPr>
+        <p:txBody>
+          <a:bodyPr/>
+          <a:lstStyle/>
+          <a:p>
+            <a:endParaRPr lang="es-ES_tradnl"/>
+          </a:p>
+        </p:txBody>
       </p:sp>
       <p:pic>
         <p:nvPicPr>
-          <p:cNvPr id="3" name="Image 0" descr="preencoded.png">    </p:cNvPr>
+          <p:cNvPr id="3" name="Image 0" descr="preencoded.png"/>
           <p:cNvPicPr>
             <a:picLocks noChangeAspect="1"/>
           </p:cNvPicPr>
           <p:nvPr/>
         </p:nvPicPr>
         <p:blipFill>
-          <a:blip r:embed="rId1"/>
+          <a:blip r:embed="rId3"/>
           <a:stretch>
             <a:fillRect/>
           </a:stretch>
         </p:blipFill>
         <p:spPr>
           <a:xfrm>
-            <a:off x="557784" y="374904"/>
+            <a:off x="557784" y="493776"/>
             <a:ext cx="256032" cy="256032"/>
           </a:xfrm>
           <a:prstGeom prst="rect">
@@ -3298,8 +2755,8 @@
         </p:nvSpPr>
         <p:spPr>
           <a:xfrm>
-            <a:off x="1097280" y="292608"/>
-            <a:ext cx="5486400" cy="457200"/>
+            <a:off x="1097280" y="411480"/>
+            <a:ext cx="4572000" cy="457200"/>
           </a:xfrm>
           <a:prstGeom prst="rect">
             <a:avLst/>
@@ -3311,7 +2768,7 @@
           <a:bodyPr wrap="square" rtlCol="0" anchor="ctr"/>
           <a:lstStyle/>
           <a:p>
-            <a:pPr indent="0" marL="0">
+            <a:pPr marL="0" indent="0">
               <a:buNone/>
             </a:pPr>
             <a:r>
@@ -3323,7 +2780,7 @@
                 <a:ea typeface="Georgia" pitchFamily="34" charset="-122"/>
                 <a:cs typeface="Georgia" pitchFamily="34" charset="-120"/>
               </a:rPr>
-              <a:t>Why Direct Delivery Fails</a:t>
+              <a:t>The CanDi Challenge</a:t>
             </a:r>
             <a:endParaRPr lang="en-US" sz="2600" dirty="0"/>
           </a:p>
@@ -3331,34 +2788,14 @@
       </p:sp>
       <p:sp>
         <p:nvSpPr>
-          <p:cNvPr id="5" name="Shape 2"/>
-          <p:cNvSpPr/>
-          <p:nvPr/>
-        </p:nvSpPr>
-        <p:spPr>
-          <a:xfrm>
-            <a:off x="457200" y="868680"/>
-            <a:ext cx="8229600" cy="548640"/>
-          </a:xfrm>
-          <a:prstGeom prst="rect">
-            <a:avLst/>
-          </a:prstGeom>
-          <a:solidFill>
-            <a:srgbClr val="1B2A4A"/>
-          </a:solidFill>
-          <a:ln/>
-        </p:spPr>
-      </p:sp>
-      <p:sp>
-        <p:nvSpPr>
-          <p:cNvPr id="6" name="Text 3"/>
-          <p:cNvSpPr/>
-          <p:nvPr/>
-        </p:nvSpPr>
-        <p:spPr>
-          <a:xfrm>
-            <a:off x="640080" y="896112"/>
-            <a:ext cx="7863840" cy="502920"/>
+          <p:cNvPr id="5" name="Text 2"/>
+          <p:cNvSpPr/>
+          <p:nvPr/>
+        </p:nvSpPr>
+        <p:spPr>
+          <a:xfrm>
+            <a:off x="457200" y="987552"/>
+            <a:ext cx="3931920" cy="1024128"/>
           </a:xfrm>
           <a:prstGeom prst="rect">
             <a:avLst/>
@@ -3370,7 +2807,7 @@
           <a:bodyPr wrap="square" rtlCol="0" anchor="ctr"/>
           <a:lstStyle/>
           <a:p>
-            <a:pPr indent="0" marL="0">
+            <a:pPr marL="0" indent="0">
               <a:lnSpc>
                 <a:spcPct val="125000"/>
               </a:lnSpc>
@@ -3379,47 +2816,13 @@
             <a:r>
               <a:rPr lang="en-US" sz="1200" dirty="0">
                 <a:solidFill>
-                  <a:srgbClr val="FFFFFF"/>
+                  <a:srgbClr val="333333"/>
                 </a:solidFill>
                 <a:latin typeface="Calibri" pitchFamily="34" charset="0"/>
                 <a:ea typeface="Calibri" pitchFamily="34" charset="-122"/>
                 <a:cs typeface="Calibri" pitchFamily="34" charset="-120"/>
               </a:rPr>
-              <a:t>No customer fills even 1/5 of a truck </a:t>
-            </a:r>
-            <a:pPr indent="0" marL="0">
-              <a:lnSpc>
-                <a:spcPct val="125000"/>
-              </a:lnSpc>
-              <a:buNone/>
-            </a:pPr>
-            <a:r>
-              <a:rPr lang="en-US" sz="1200" dirty="0">
-                <a:solidFill>
-                  <a:srgbClr val="E8735E"/>
-                </a:solidFill>
-                <a:latin typeface="Calibri" pitchFamily="34" charset="0"/>
-                <a:ea typeface="Calibri" pitchFamily="34" charset="-122"/>
-                <a:cs typeface="Calibri" pitchFamily="34" charset="-120"/>
-              </a:rPr>
-              <a:t>— FTL wastes 83% of capacity. </a:t>
-            </a:r>
-            <a:pPr indent="0" marL="0">
-              <a:lnSpc>
-                <a:spcPct val="125000"/>
-              </a:lnSpc>
-              <a:buNone/>
-            </a:pPr>
-            <a:r>
-              <a:rPr lang="en-US" sz="1200" dirty="0">
-                <a:solidFill>
-                  <a:srgbClr val="3AAE94"/>
-                </a:solidFill>
-                <a:latin typeface="Calibri" pitchFamily="34" charset="0"/>
-                <a:ea typeface="Calibri" pitchFamily="34" charset="-122"/>
-                <a:cs typeface="Calibri" pitchFamily="34" charset="-120"/>
-              </a:rPr>
-              <a:t>Regional DCs aggregate volume → $0.02/bag FTL vs. $0.15/bag LTL.</a:t>
+              <a:t>After 2 years using expensive 3PL distributors, CanDi must build its own supply chain deciding where to warehouses, how to ship, and what to stock where.</a:t>
             </a:r>
             <a:endParaRPr lang="en-US" sz="1200" dirty="0"/>
           </a:p>
@@ -3427,14 +2830,14 @@
       </p:sp>
       <p:sp>
         <p:nvSpPr>
-          <p:cNvPr id="7" name="Shape 4"/>
-          <p:cNvSpPr/>
-          <p:nvPr/>
-        </p:nvSpPr>
-        <p:spPr>
-          <a:xfrm>
-            <a:off x="457200" y="1554480"/>
-            <a:ext cx="8229600" cy="3337560"/>
+          <p:cNvPr id="6" name="Shape 3"/>
+          <p:cNvSpPr/>
+          <p:nvPr/>
+        </p:nvSpPr>
+        <p:spPr>
+          <a:xfrm>
+            <a:off x="469660" y="1924812"/>
+            <a:ext cx="3931920" cy="749808"/>
           </a:xfrm>
           <a:prstGeom prst="rect">
             <a:avLst/>
@@ -3444,32 +2847,39 @@
           </a:solidFill>
           <a:ln/>
           <a:effectLst>
-            <a:outerShdw sx="100000" sy="100000" kx="0" ky="0" algn="bl" rotWithShape="0" blurRad="76200" dist="25400" dir="8100000">
+            <a:outerShdw blurRad="76200" dist="25400" dir="8100000" algn="bl" rotWithShape="0">
               <a:srgbClr val="000000">
                 <a:alpha val="10000"/>
               </a:srgbClr>
             </a:outerShdw>
           </a:effectLst>
         </p:spPr>
+        <p:txBody>
+          <a:bodyPr/>
+          <a:lstStyle/>
+          <a:p>
+            <a:endParaRPr lang="es-ES_tradnl"/>
+          </a:p>
+        </p:txBody>
       </p:sp>
       <p:pic>
         <p:nvPicPr>
-          <p:cNvPr id="8" name="Image 1" descr="/sessions/happy-festive-archimedes/charts/chart_02_cell23.png">    </p:cNvPr>
+          <p:cNvPr id="7" name="Image 1" descr="preencoded.png"/>
           <p:cNvPicPr>
             <a:picLocks noChangeAspect="1"/>
           </p:cNvPicPr>
           <p:nvPr/>
         </p:nvPicPr>
         <p:blipFill>
-          <a:blip r:embed="rId2"/>
+          <a:blip r:embed="rId3"/>
           <a:stretch>
             <a:fillRect/>
           </a:stretch>
         </p:blipFill>
         <p:spPr>
           <a:xfrm>
-            <a:off x="457200" y="1645612"/>
-            <a:ext cx="8229600" cy="3155295"/>
+            <a:off x="606820" y="2107692"/>
+            <a:ext cx="347472" cy="347472"/>
           </a:xfrm>
           <a:prstGeom prst="rect">
             <a:avLst/>
@@ -3478,34 +2888,14 @@
       </p:pic>
       <p:sp>
         <p:nvSpPr>
-          <p:cNvPr id="9" name="Shape 5"/>
-          <p:cNvSpPr/>
-          <p:nvPr/>
-        </p:nvSpPr>
-        <p:spPr>
-          <a:xfrm>
-            <a:off x="457200" y="4663440"/>
-            <a:ext cx="8229600" cy="384048"/>
-          </a:xfrm>
-          <a:prstGeom prst="rect">
-            <a:avLst/>
-          </a:prstGeom>
-          <a:solidFill>
-            <a:srgbClr val="2D8B75"/>
-          </a:solidFill>
-          <a:ln/>
-        </p:spPr>
-      </p:sp>
-      <p:sp>
-        <p:nvSpPr>
-          <p:cNvPr id="10" name="Text 6"/>
-          <p:cNvSpPr/>
-          <p:nvPr/>
-        </p:nvSpPr>
-        <p:spPr>
-          <a:xfrm>
-            <a:off x="594360" y="4681728"/>
-            <a:ext cx="7955280" cy="347472"/>
+          <p:cNvPr id="8" name="Text 4"/>
+          <p:cNvSpPr/>
+          <p:nvPr/>
+        </p:nvSpPr>
+        <p:spPr>
+          <a:xfrm>
+            <a:off x="1109740" y="1997964"/>
+            <a:ext cx="3108960" cy="274320"/>
           </a:xfrm>
           <a:prstGeom prst="rect">
             <a:avLst/>
@@ -3517,24 +2907,476 @@
           <a:bodyPr wrap="square" rtlCol="0" anchor="ctr"/>
           <a:lstStyle/>
           <a:p>
-            <a:pPr indent="0" marL="0">
+            <a:pPr marL="0" indent="0">
               <a:buNone/>
             </a:pPr>
             <a:r>
-              <a:rPr lang="en-US" sz="1100" b="1" dirty="0">
-                <a:solidFill>
-                  <a:srgbClr val="FFFFFF"/>
+              <a:rPr lang="en-US" sz="1250" b="1" dirty="0">
+                <a:solidFill>
+                  <a:srgbClr val="1B2A4A"/>
                 </a:solidFill>
                 <a:latin typeface="Calibri" pitchFamily="34" charset="0"/>
                 <a:ea typeface="Calibri" pitchFamily="34" charset="-122"/>
                 <a:cs typeface="Calibri" pitchFamily="34" charset="-120"/>
               </a:rPr>
-              <a:t>DECISION: Use FTL trunk-lines from NY to regional DCs. 3PL handles last-mile from DCs to customers.</a:t>
-            </a:r>
-            <a:endParaRPr lang="en-US" sz="1100" dirty="0"/>
-          </a:p>
-        </p:txBody>
-      </p:sp>
+              <a:t>FTL is Point-to-Point</a:t>
+            </a:r>
+            <a:endParaRPr lang="en-US" sz="1250" dirty="0"/>
+          </a:p>
+        </p:txBody>
+      </p:sp>
+      <p:sp>
+        <p:nvSpPr>
+          <p:cNvPr id="9" name="Text 5"/>
+          <p:cNvSpPr/>
+          <p:nvPr/>
+        </p:nvSpPr>
+        <p:spPr>
+          <a:xfrm>
+            <a:off x="1109740" y="2272284"/>
+            <a:ext cx="3200400" cy="347472"/>
+          </a:xfrm>
+          <a:prstGeom prst="rect">
+            <a:avLst/>
+          </a:prstGeom>
+          <a:noFill/>
+          <a:ln/>
+        </p:spPr>
+        <p:txBody>
+          <a:bodyPr wrap="square" rtlCol="0" anchor="ctr"/>
+          <a:lstStyle/>
+          <a:p>
+            <a:pPr marL="0" indent="0">
+              <a:lnSpc>
+                <a:spcPct val="115000"/>
+              </a:lnSpc>
+              <a:buNone/>
+            </a:pPr>
+            <a:r>
+              <a:rPr lang="en-US" sz="1000" dirty="0">
+                <a:solidFill>
+                  <a:srgbClr val="666666"/>
+                </a:solidFill>
+                <a:latin typeface="Calibri" pitchFamily="34" charset="0"/>
+                <a:ea typeface="Calibri" pitchFamily="34" charset="-122"/>
+                <a:cs typeface="Calibri" pitchFamily="34" charset="-120"/>
+              </a:rPr>
+              <a:t>Full trucks go to ONE destination. Max customer = 3.4 pallets vs. 20-pallet truck.</a:t>
+            </a:r>
+            <a:endParaRPr lang="en-US" sz="1000" dirty="0"/>
+          </a:p>
+        </p:txBody>
+      </p:sp>
+      <p:sp>
+        <p:nvSpPr>
+          <p:cNvPr id="10" name="Shape 6"/>
+          <p:cNvSpPr/>
+          <p:nvPr/>
+        </p:nvSpPr>
+        <p:spPr>
+          <a:xfrm>
+            <a:off x="469660" y="2793492"/>
+            <a:ext cx="3931920" cy="749808"/>
+          </a:xfrm>
+          <a:prstGeom prst="rect">
+            <a:avLst/>
+          </a:prstGeom>
+          <a:solidFill>
+            <a:srgbClr val="FFFFFF"/>
+          </a:solidFill>
+          <a:ln/>
+          <a:effectLst>
+            <a:outerShdw blurRad="76200" dist="25400" dir="8100000" algn="bl" rotWithShape="0">
+              <a:srgbClr val="000000">
+                <a:alpha val="10000"/>
+              </a:srgbClr>
+            </a:outerShdw>
+          </a:effectLst>
+        </p:spPr>
+        <p:txBody>
+          <a:bodyPr/>
+          <a:lstStyle/>
+          <a:p>
+            <a:endParaRPr lang="es-ES_tradnl"/>
+          </a:p>
+        </p:txBody>
+      </p:sp>
+      <p:pic>
+        <p:nvPicPr>
+          <p:cNvPr id="11" name="Image 2" descr="preencoded.png"/>
+          <p:cNvPicPr>
+            <a:picLocks noChangeAspect="1"/>
+          </p:cNvPicPr>
+          <p:nvPr/>
+        </p:nvPicPr>
+        <p:blipFill>
+          <a:blip r:embed="rId3"/>
+          <a:stretch>
+            <a:fillRect/>
+          </a:stretch>
+        </p:blipFill>
+        <p:spPr>
+          <a:xfrm>
+            <a:off x="606820" y="2976372"/>
+            <a:ext cx="347472" cy="347472"/>
+          </a:xfrm>
+          <a:prstGeom prst="rect">
+            <a:avLst/>
+          </a:prstGeom>
+        </p:spPr>
+      </p:pic>
+      <p:sp>
+        <p:nvSpPr>
+          <p:cNvPr id="12" name="Text 7"/>
+          <p:cNvSpPr/>
+          <p:nvPr/>
+        </p:nvSpPr>
+        <p:spPr>
+          <a:xfrm>
+            <a:off x="1109740" y="2866644"/>
+            <a:ext cx="3108960" cy="274320"/>
+          </a:xfrm>
+          <a:prstGeom prst="rect">
+            <a:avLst/>
+          </a:prstGeom>
+          <a:noFill/>
+          <a:ln/>
+        </p:spPr>
+        <p:txBody>
+          <a:bodyPr wrap="square" rtlCol="0" anchor="ctr"/>
+          <a:lstStyle/>
+          <a:p>
+            <a:pPr marL="0" indent="0">
+              <a:buNone/>
+            </a:pPr>
+            <a:r>
+              <a:rPr lang="en-US" sz="1250" b="1" dirty="0">
+                <a:solidFill>
+                  <a:srgbClr val="1B2A4A"/>
+                </a:solidFill>
+                <a:latin typeface="Calibri" pitchFamily="34" charset="0"/>
+                <a:ea typeface="Calibri" pitchFamily="34" charset="-122"/>
+                <a:cs typeface="Calibri" pitchFamily="34" charset="-120"/>
+              </a:rPr>
+              <a:t>$200K/yr Per DC</a:t>
+            </a:r>
+            <a:endParaRPr lang="en-US" sz="1250" dirty="0"/>
+          </a:p>
+        </p:txBody>
+      </p:sp>
+      <p:sp>
+        <p:nvSpPr>
+          <p:cNvPr id="13" name="Text 8"/>
+          <p:cNvSpPr/>
+          <p:nvPr/>
+        </p:nvSpPr>
+        <p:spPr>
+          <a:xfrm>
+            <a:off x="1109740" y="3140964"/>
+            <a:ext cx="3200400" cy="347472"/>
+          </a:xfrm>
+          <a:prstGeom prst="rect">
+            <a:avLst/>
+          </a:prstGeom>
+          <a:noFill/>
+          <a:ln/>
+        </p:spPr>
+        <p:txBody>
+          <a:bodyPr wrap="square" rtlCol="0" anchor="ctr"/>
+          <a:lstStyle/>
+          <a:p>
+            <a:pPr marL="0" indent="0">
+              <a:lnSpc>
+                <a:spcPct val="115000"/>
+              </a:lnSpc>
+              <a:buNone/>
+            </a:pPr>
+            <a:r>
+              <a:rPr lang="en-US" sz="1000" dirty="0">
+                <a:solidFill>
+                  <a:srgbClr val="666666"/>
+                </a:solidFill>
+                <a:latin typeface="Calibri" pitchFamily="34" charset="0"/>
+                <a:ea typeface="Calibri" pitchFamily="34" charset="-122"/>
+                <a:cs typeface="Calibri" pitchFamily="34" charset="-120"/>
+              </a:rPr>
+              <a:t>Each regional DC has a steep fixed cost. Volume must justify investment.</a:t>
+            </a:r>
+            <a:endParaRPr lang="en-US" sz="1000" dirty="0"/>
+          </a:p>
+        </p:txBody>
+      </p:sp>
+      <p:sp>
+        <p:nvSpPr>
+          <p:cNvPr id="14" name="Shape 9"/>
+          <p:cNvSpPr/>
+          <p:nvPr/>
+        </p:nvSpPr>
+        <p:spPr>
+          <a:xfrm>
+            <a:off x="469660" y="3662172"/>
+            <a:ext cx="3931920" cy="749808"/>
+          </a:xfrm>
+          <a:prstGeom prst="rect">
+            <a:avLst/>
+          </a:prstGeom>
+          <a:solidFill>
+            <a:srgbClr val="FFFFFF"/>
+          </a:solidFill>
+          <a:ln/>
+          <a:effectLst>
+            <a:outerShdw blurRad="76200" dist="25400" dir="8100000" algn="bl" rotWithShape="0">
+              <a:srgbClr val="000000">
+                <a:alpha val="10000"/>
+              </a:srgbClr>
+            </a:outerShdw>
+          </a:effectLst>
+        </p:spPr>
+        <p:txBody>
+          <a:bodyPr/>
+          <a:lstStyle/>
+          <a:p>
+            <a:endParaRPr lang="es-ES_tradnl"/>
+          </a:p>
+        </p:txBody>
+      </p:sp>
+      <p:pic>
+        <p:nvPicPr>
+          <p:cNvPr id="15" name="Image 3" descr="preencoded.png"/>
+          <p:cNvPicPr>
+            <a:picLocks noChangeAspect="1"/>
+          </p:cNvPicPr>
+          <p:nvPr/>
+        </p:nvPicPr>
+        <p:blipFill>
+          <a:blip r:embed="rId3"/>
+          <a:stretch>
+            <a:fillRect/>
+          </a:stretch>
+        </p:blipFill>
+        <p:spPr>
+          <a:xfrm>
+            <a:off x="606820" y="3845052"/>
+            <a:ext cx="347472" cy="347472"/>
+          </a:xfrm>
+          <a:prstGeom prst="rect">
+            <a:avLst/>
+          </a:prstGeom>
+        </p:spPr>
+      </p:pic>
+      <p:sp>
+        <p:nvSpPr>
+          <p:cNvPr id="16" name="Text 10"/>
+          <p:cNvSpPr/>
+          <p:nvPr/>
+        </p:nvSpPr>
+        <p:spPr>
+          <a:xfrm>
+            <a:off x="1109740" y="3735324"/>
+            <a:ext cx="3108960" cy="274320"/>
+          </a:xfrm>
+          <a:prstGeom prst="rect">
+            <a:avLst/>
+          </a:prstGeom>
+          <a:noFill/>
+          <a:ln/>
+        </p:spPr>
+        <p:txBody>
+          <a:bodyPr wrap="square" rtlCol="0" anchor="ctr"/>
+          <a:lstStyle/>
+          <a:p>
+            <a:pPr marL="0" indent="0">
+              <a:buNone/>
+            </a:pPr>
+            <a:r>
+              <a:rPr lang="en-US" sz="1250" b="1" dirty="0">
+                <a:solidFill>
+                  <a:srgbClr val="1B2A4A"/>
+                </a:solidFill>
+                <a:latin typeface="Calibri" pitchFamily="34" charset="0"/>
+                <a:ea typeface="Calibri" pitchFamily="34" charset="-122"/>
+                <a:cs typeface="Calibri" pitchFamily="34" charset="-120"/>
+              </a:rPr>
+              <a:t>$1/box Surcharge</a:t>
+            </a:r>
+            <a:endParaRPr lang="en-US" sz="1250" dirty="0"/>
+          </a:p>
+        </p:txBody>
+      </p:sp>
+      <p:sp>
+        <p:nvSpPr>
+          <p:cNvPr id="17" name="Text 11"/>
+          <p:cNvSpPr/>
+          <p:nvPr/>
+        </p:nvSpPr>
+        <p:spPr>
+          <a:xfrm>
+            <a:off x="1109740" y="4009644"/>
+            <a:ext cx="3200400" cy="347472"/>
+          </a:xfrm>
+          <a:prstGeom prst="rect">
+            <a:avLst/>
+          </a:prstGeom>
+          <a:noFill/>
+          <a:ln/>
+        </p:spPr>
+        <p:txBody>
+          <a:bodyPr wrap="square" rtlCol="0" anchor="ctr"/>
+          <a:lstStyle/>
+          <a:p>
+            <a:pPr marL="0" indent="0">
+              <a:lnSpc>
+                <a:spcPct val="115000"/>
+              </a:lnSpc>
+              <a:buNone/>
+            </a:pPr>
+            <a:r>
+              <a:rPr lang="en-US" sz="1000" dirty="0">
+                <a:solidFill>
+                  <a:srgbClr val="666666"/>
+                </a:solidFill>
+                <a:latin typeface="Calibri" pitchFamily="34" charset="0"/>
+                <a:ea typeface="Calibri" pitchFamily="34" charset="-122"/>
+                <a:cs typeface="Calibri" pitchFamily="34" charset="-120"/>
+              </a:rPr>
+              <a:t>Mixed pallets at DCs incur a hidden $1/box fee — devastating for low-volume SKUs.</a:t>
+            </a:r>
+            <a:endParaRPr lang="en-US" sz="1000" dirty="0"/>
+          </a:p>
+        </p:txBody>
+      </p:sp>
+      <p:sp>
+        <p:nvSpPr>
+          <p:cNvPr id="18" name="Shape 12"/>
+          <p:cNvSpPr/>
+          <p:nvPr/>
+        </p:nvSpPr>
+        <p:spPr>
+          <a:xfrm>
+            <a:off x="4663440" y="987552"/>
+            <a:ext cx="4297680" cy="3630168"/>
+          </a:xfrm>
+          <a:prstGeom prst="rect">
+            <a:avLst/>
+          </a:prstGeom>
+          <a:solidFill>
+            <a:srgbClr val="FFFFFF"/>
+          </a:solidFill>
+          <a:ln/>
+          <a:effectLst>
+            <a:outerShdw blurRad="76200" dist="25400" dir="8100000" algn="bl" rotWithShape="0">
+              <a:srgbClr val="000000">
+                <a:alpha val="10000"/>
+              </a:srgbClr>
+            </a:outerShdw>
+          </a:effectLst>
+        </p:spPr>
+        <p:txBody>
+          <a:bodyPr/>
+          <a:lstStyle/>
+          <a:p>
+            <a:endParaRPr lang="es-ES_tradnl"/>
+          </a:p>
+        </p:txBody>
+      </p:sp>
+      <p:pic>
+        <p:nvPicPr>
+          <p:cNvPr id="19" name="Image 4" descr="/sessions/happy-festive-archimedes/charts/chart_01_cell16.png"/>
+          <p:cNvPicPr>
+            <a:picLocks noChangeAspect="1"/>
+          </p:cNvPicPr>
+          <p:nvPr/>
+        </p:nvPicPr>
+        <p:blipFill>
+          <a:blip r:embed="rId3"/>
+          <a:srcRect r="30833"/>
+          <a:stretch>
+            <a:fillRect/>
+          </a:stretch>
+        </p:blipFill>
+        <p:spPr>
+          <a:xfrm>
+            <a:off x="4712763" y="1013829"/>
+            <a:ext cx="4248357" cy="2018596"/>
+          </a:xfrm>
+          <a:prstGeom prst="rect">
+            <a:avLst/>
+          </a:prstGeom>
+        </p:spPr>
+      </p:pic>
+      <p:sp>
+        <p:nvSpPr>
+          <p:cNvPr id="20" name="Text 13"/>
+          <p:cNvSpPr/>
+          <p:nvPr/>
+        </p:nvSpPr>
+        <p:spPr>
+          <a:xfrm>
+            <a:off x="6836941" y="3210687"/>
+            <a:ext cx="2057400" cy="1076706"/>
+          </a:xfrm>
+          <a:prstGeom prst="rect">
+            <a:avLst/>
+          </a:prstGeom>
+          <a:noFill/>
+          <a:ln/>
+        </p:spPr>
+        <p:txBody>
+          <a:bodyPr wrap="square" rtlCol="0" anchor="ctr"/>
+          <a:lstStyle/>
+          <a:p>
+            <a:pPr marL="0" indent="0">
+              <a:lnSpc>
+                <a:spcPct val="115000"/>
+              </a:lnSpc>
+              <a:buNone/>
+            </a:pPr>
+            <a:r>
+              <a:rPr lang="en-US" sz="900" i="1" dirty="0">
+                <a:solidFill>
+                  <a:srgbClr val="666666"/>
+                </a:solidFill>
+                <a:latin typeface="Calibri" pitchFamily="34" charset="0"/>
+                <a:ea typeface="Calibri" pitchFamily="34" charset="-122"/>
+                <a:cs typeface="Calibri" pitchFamily="34" charset="-120"/>
+              </a:rPr>
+              <a:t>MA dominates with 63% of volume (~163 pallets/wk). ME is only 4% (~6 pallets/wk) — barely one-third of a truckload.</a:t>
+            </a:r>
+            <a:endParaRPr lang="en-US" sz="900" dirty="0"/>
+          </a:p>
+        </p:txBody>
+      </p:sp>
+      <p:pic>
+        <p:nvPicPr>
+          <p:cNvPr id="22" name="Image 4" descr="/sessions/happy-festive-archimedes/charts/chart_01_cell16.png">
+            <a:extLst>
+              <a:ext uri="{FF2B5EF4-FFF2-40B4-BE49-F238E27FC236}">
+                <a16:creationId xmlns:a16="http://schemas.microsoft.com/office/drawing/2014/main" id="{8F2A883D-DEA8-CE69-224D-443E183422AB}"/>
+              </a:ext>
+            </a:extLst>
+          </p:cNvPr>
+          <p:cNvPicPr>
+            <a:picLocks noChangeAspect="1"/>
+          </p:cNvPicPr>
+          <p:nvPr/>
+        </p:nvPicPr>
+        <p:blipFill>
+          <a:blip r:embed="rId3"/>
+          <a:srcRect l="72671" b="13965"/>
+          <a:stretch>
+            <a:fillRect/>
+          </a:stretch>
+        </p:blipFill>
+        <p:spPr>
+          <a:xfrm>
+            <a:off x="5029200" y="2999232"/>
+            <a:ext cx="1545881" cy="1599361"/>
+          </a:xfrm>
+          <a:prstGeom prst="rect">
+            <a:avLst/>
+          </a:prstGeom>
+        </p:spPr>
+      </p:pic>
     </p:spTree>
   </p:cSld>
   <p:clrMapOvr>
@@ -3545,12 +3387,13 @@
 
 <file path=ppt/slides/slide5.xml><?xml version="1.0" encoding="utf-8"?>
 <p:sld xmlns:a="http://schemas.openxmlformats.org/drawingml/2006/main" xmlns:r="http://schemas.openxmlformats.org/officeDocument/2006/relationships" xmlns:p="http://schemas.openxmlformats.org/presentationml/2006/main">
-  <p:cSld name="Slide 5">
+  <p:cSld name="Slide 4">
     <p:bg>
       <p:bgPr>
         <a:solidFill>
           <a:srgbClr val="F5F0EB"/>
         </a:solidFill>
+        <a:effectLst/>
       </p:bgPr>
     </p:bg>
     <p:spTree>
@@ -3586,17 +3429,24 @@
           </a:solidFill>
           <a:ln/>
         </p:spPr>
+        <p:txBody>
+          <a:bodyPr/>
+          <a:lstStyle/>
+          <a:p>
+            <a:endParaRPr lang="es-ES_tradnl"/>
+          </a:p>
+        </p:txBody>
       </p:sp>
       <p:pic>
         <p:nvPicPr>
-          <p:cNvPr id="3" name="Image 0" descr="preencoded.png">    </p:cNvPr>
+          <p:cNvPr id="3" name="Image 0" descr="preencoded.png"/>
           <p:cNvPicPr>
             <a:picLocks noChangeAspect="1"/>
           </p:cNvPicPr>
           <p:nvPr/>
         </p:nvPicPr>
         <p:blipFill>
-          <a:blip r:embed="rId1"/>
+          <a:blip/>
           <a:stretch>
             <a:fillRect/>
           </a:stretch>
@@ -3620,7 +3470,7 @@
         <p:spPr>
           <a:xfrm>
             <a:off x="1097280" y="292608"/>
-            <a:ext cx="6400800" cy="457200"/>
+            <a:ext cx="5486400" cy="457200"/>
           </a:xfrm>
           <a:prstGeom prst="rect">
             <a:avLst/>
@@ -3632,7 +3482,7 @@
           <a:bodyPr wrap="square" rtlCol="0" anchor="ctr"/>
           <a:lstStyle/>
           <a:p>
-            <a:pPr indent="0" marL="0">
+            <a:pPr marL="0" indent="0">
               <a:buNone/>
             </a:pPr>
             <a:r>
@@ -3644,7 +3494,7 @@
                 <a:ea typeface="Georgia" pitchFamily="34" charset="-122"/>
                 <a:cs typeface="Georgia" pitchFamily="34" charset="-120"/>
               </a:rPr>
-              <a:t>All 8 Warehouse Configurations</a:t>
+              <a:t>Why Direct Delivery Fails</a:t>
             </a:r>
             <a:endParaRPr lang="en-US" sz="2600" dirty="0"/>
           </a:p>
@@ -3658,8 +3508,183 @@
         </p:nvSpPr>
         <p:spPr>
           <a:xfrm>
-            <a:off x="457200" y="868680"/>
-            <a:ext cx="8229600" cy="3977640"/>
+            <a:off x="457199" y="731520"/>
+            <a:ext cx="8305137" cy="809472"/>
+          </a:xfrm>
+          <a:prstGeom prst="rect">
+            <a:avLst/>
+          </a:prstGeom>
+          <a:solidFill>
+            <a:srgbClr val="1B2A4A"/>
+          </a:solidFill>
+          <a:ln/>
+        </p:spPr>
+        <p:txBody>
+          <a:bodyPr/>
+          <a:lstStyle/>
+          <a:p>
+            <a:endParaRPr lang="es-ES_tradnl"/>
+          </a:p>
+        </p:txBody>
+      </p:sp>
+      <p:sp>
+        <p:nvSpPr>
+          <p:cNvPr id="6" name="Text 3"/>
+          <p:cNvSpPr/>
+          <p:nvPr/>
+        </p:nvSpPr>
+        <p:spPr>
+          <a:xfrm>
+            <a:off x="557784" y="832104"/>
+            <a:ext cx="8129016" cy="566928"/>
+          </a:xfrm>
+          <a:prstGeom prst="rect">
+            <a:avLst/>
+          </a:prstGeom>
+          <a:noFill/>
+          <a:ln/>
+        </p:spPr>
+        <p:txBody>
+          <a:bodyPr wrap="square" rtlCol="0" anchor="ctr"/>
+          <a:lstStyle/>
+          <a:p>
+            <a:pPr>
+              <a:lnSpc>
+                <a:spcPct val="125000"/>
+              </a:lnSpc>
+            </a:pPr>
+            <a:r>
+              <a:rPr lang="en-US" sz="1000" dirty="0">
+                <a:solidFill>
+                  <a:srgbClr val="FFFFFF"/>
+                </a:solidFill>
+                <a:latin typeface="Calibri" pitchFamily="34" charset="0"/>
+                <a:ea typeface="Calibri" pitchFamily="34" charset="-122"/>
+                <a:cs typeface="Calibri" pitchFamily="34" charset="-120"/>
+              </a:rPr>
+              <a:t>No customer fills even 1/5 of a truck </a:t>
+            </a:r>
+            <a:r>
+              <a:rPr lang="en-US" sz="1000" dirty="0">
+                <a:solidFill>
+                  <a:srgbClr val="E8735E"/>
+                </a:solidFill>
+                <a:latin typeface="Calibri" pitchFamily="34" charset="0"/>
+                <a:ea typeface="Calibri" pitchFamily="34" charset="-122"/>
+                <a:cs typeface="Calibri" pitchFamily="34" charset="-120"/>
+              </a:rPr>
+              <a:t>— FTL wastes 83% of capacity. </a:t>
+            </a:r>
+            <a:r>
+              <a:rPr lang="en-US" sz="1000" dirty="0">
+                <a:solidFill>
+                  <a:srgbClr val="3AAE94"/>
+                </a:solidFill>
+                <a:latin typeface="Calibri" pitchFamily="34" charset="0"/>
+                <a:ea typeface="Calibri" pitchFamily="34" charset="-122"/>
+                <a:cs typeface="Calibri" pitchFamily="34" charset="-120"/>
+              </a:rPr>
+              <a:t>Regional DCs aggregate volume → $0.02/bag FTL vs. $0.15/bag LTL.</a:t>
+            </a:r>
+            <a:r>
+              <a:rPr lang="en-US" sz="1000" dirty="0">
+                <a:solidFill>
+                  <a:srgbClr val="FFFFFF"/>
+                </a:solidFill>
+                <a:latin typeface="Calibri" pitchFamily="34" charset="0"/>
+                <a:ea typeface="Calibri" pitchFamily="34" charset="-122"/>
+                <a:cs typeface="Calibri" pitchFamily="34" charset="-120"/>
+              </a:rPr>
+              <a:t> </a:t>
+            </a:r>
+            <a:r>
+              <a:rPr lang="en-US" sz="1000" b="1" dirty="0">
+                <a:solidFill>
+                  <a:srgbClr val="FFFFFF"/>
+                </a:solidFill>
+                <a:latin typeface="Calibri" pitchFamily="34" charset="0"/>
+                <a:ea typeface="Calibri" pitchFamily="34" charset="-122"/>
+                <a:cs typeface="Calibri" pitchFamily="34" charset="-120"/>
+              </a:rPr>
+              <a:t>DECISION:</a:t>
+            </a:r>
+            <a:r>
+              <a:rPr lang="en-US" sz="1000" dirty="0">
+                <a:solidFill>
+                  <a:srgbClr val="FFFFFF"/>
+                </a:solidFill>
+                <a:latin typeface="Calibri" pitchFamily="34" charset="0"/>
+                <a:ea typeface="Calibri" pitchFamily="34" charset="-122"/>
+                <a:cs typeface="Calibri" pitchFamily="34" charset="-120"/>
+              </a:rPr>
+              <a:t> CT + MA </a:t>
+            </a:r>
+            <a:r>
+              <a:rPr lang="en-US" sz="1000" dirty="0" err="1">
+                <a:solidFill>
+                  <a:srgbClr val="FFFFFF"/>
+                </a:solidFill>
+                <a:latin typeface="Calibri" pitchFamily="34" charset="0"/>
+                <a:ea typeface="Calibri" pitchFamily="34" charset="-122"/>
+                <a:cs typeface="Calibri" pitchFamily="34" charset="-120"/>
+              </a:rPr>
+              <a:t>vDCs</a:t>
+            </a:r>
+            <a:r>
+              <a:rPr lang="en-US" sz="1000" dirty="0">
+                <a:solidFill>
+                  <a:srgbClr val="FFFFFF"/>
+                </a:solidFill>
+                <a:latin typeface="Calibri" pitchFamily="34" charset="0"/>
+                <a:ea typeface="Calibri" pitchFamily="34" charset="-122"/>
+                <a:cs typeface="Calibri" pitchFamily="34" charset="-120"/>
+              </a:rPr>
+              <a:t>: $1.67M/yr total cost; ME LTL because of narrow delivery time frames over LT low cost.</a:t>
+            </a:r>
+          </a:p>
+          <a:p>
+            <a:pPr>
+              <a:lnSpc>
+                <a:spcPct val="125000"/>
+              </a:lnSpc>
+            </a:pPr>
+            <a:r>
+              <a:rPr lang="en-US" sz="1000" dirty="0">
+                <a:solidFill>
+                  <a:schemeClr val="accent4"/>
+                </a:solidFill>
+              </a:rPr>
+              <a:t>Leased truck (multi-stop) cheaper than LTL but requires </a:t>
+            </a:r>
+            <a:r>
+              <a:rPr lang="en-US" sz="1000" dirty="0" err="1">
+                <a:solidFill>
+                  <a:schemeClr val="accent4"/>
+                </a:solidFill>
+              </a:rPr>
+              <a:t>CanDi</a:t>
+            </a:r>
+            <a:r>
+              <a:rPr lang="en-US" sz="1000" dirty="0">
+                <a:solidFill>
+                  <a:schemeClr val="accent4"/>
+                </a:solidFill>
+              </a:rPr>
+              <a:t> to manage strict customer delivery windows. Operationally not feasible for a small company.</a:t>
+            </a:r>
+          </a:p>
+        </p:txBody>
+      </p:sp>
+      <p:sp>
+        <p:nvSpPr>
+          <p:cNvPr id="7" name="Shape 4"/>
+          <p:cNvSpPr/>
+          <p:nvPr/>
+        </p:nvSpPr>
+        <p:spPr>
+          <a:xfrm>
+            <a:off x="457200" y="1554480"/>
+            <a:ext cx="8229600" cy="3337560"/>
           </a:xfrm>
           <a:prstGeom prst="rect">
             <a:avLst/>
@@ -3669,32 +3694,39 @@
           </a:solidFill>
           <a:ln/>
           <a:effectLst>
-            <a:outerShdw sx="100000" sy="100000" kx="0" ky="0" algn="bl" rotWithShape="0" blurRad="76200" dist="25400" dir="8100000">
+            <a:outerShdw blurRad="76200" dist="25400" dir="8100000" algn="bl" rotWithShape="0">
               <a:srgbClr val="000000">
                 <a:alpha val="10000"/>
               </a:srgbClr>
             </a:outerShdw>
           </a:effectLst>
         </p:spPr>
+        <p:txBody>
+          <a:bodyPr/>
+          <a:lstStyle/>
+          <a:p>
+            <a:endParaRPr lang="es-ES_tradnl"/>
+          </a:p>
+        </p:txBody>
       </p:sp>
       <p:pic>
         <p:nvPicPr>
-          <p:cNvPr id="6" name="Image 1" descr="/sessions/happy-festive-archimedes/charts/chart_03_cell27.png">    </p:cNvPr>
+          <p:cNvPr id="8" name="Image 1" descr="/sessions/happy-festive-archimedes/charts/chart_02_cell23.png"/>
           <p:cNvPicPr>
             <a:picLocks noChangeAspect="1"/>
           </p:cNvPicPr>
           <p:nvPr/>
         </p:nvPicPr>
         <p:blipFill>
-          <a:blip r:embed="rId2"/>
+          <a:blip/>
           <a:stretch>
             <a:fillRect/>
           </a:stretch>
         </p:blipFill>
         <p:spPr>
           <a:xfrm>
-            <a:off x="457200" y="1274529"/>
-            <a:ext cx="8229600" cy="3165943"/>
+            <a:off x="457200" y="1554173"/>
+            <a:ext cx="8229600" cy="3155295"/>
           </a:xfrm>
           <a:prstGeom prst="rect">
             <a:avLst/>
@@ -3703,34 +3735,14 @@
       </p:pic>
       <p:sp>
         <p:nvSpPr>
-          <p:cNvPr id="7" name="Shape 3"/>
-          <p:cNvSpPr/>
-          <p:nvPr/>
-        </p:nvSpPr>
-        <p:spPr>
-          <a:xfrm>
-            <a:off x="457200" y="4663440"/>
-            <a:ext cx="8229600" cy="384048"/>
-          </a:xfrm>
-          <a:prstGeom prst="rect">
-            <a:avLst/>
-          </a:prstGeom>
-          <a:solidFill>
-            <a:srgbClr val="2D8B75"/>
-          </a:solidFill>
-          <a:ln/>
-        </p:spPr>
-      </p:sp>
-      <p:sp>
-        <p:nvSpPr>
-          <p:cNvPr id="8" name="Text 4"/>
-          <p:cNvSpPr/>
-          <p:nvPr/>
-        </p:nvSpPr>
-        <p:spPr>
-          <a:xfrm>
-            <a:off x="594360" y="4681728"/>
-            <a:ext cx="7955280" cy="347472"/>
+          <p:cNvPr id="9" name="Text 5"/>
+          <p:cNvSpPr/>
+          <p:nvPr/>
+        </p:nvSpPr>
+        <p:spPr>
+          <a:xfrm>
+            <a:off x="457200" y="4630901"/>
+            <a:ext cx="8229600" cy="274320"/>
           </a:xfrm>
           <a:prstGeom prst="rect">
             <a:avLst/>
@@ -3742,21 +3754,21 @@
           <a:bodyPr wrap="square" rtlCol="0" anchor="ctr"/>
           <a:lstStyle/>
           <a:p>
-            <a:pPr indent="0" marL="0">
+            <a:pPr marL="0" indent="0">
               <a:buNone/>
             </a:pPr>
             <a:r>
-              <a:rPr lang="en-US" sz="1100" b="1" dirty="0">
-                <a:solidFill>
-                  <a:srgbClr val="FFFFFF"/>
+              <a:rPr lang="en-US" sz="900" i="1" dirty="0">
+                <a:solidFill>
+                  <a:srgbClr val="666666"/>
                 </a:solidFill>
                 <a:latin typeface="Calibri" pitchFamily="34" charset="0"/>
                 <a:ea typeface="Calibri" pitchFamily="34" charset="-122"/>
                 <a:cs typeface="Calibri" pitchFamily="34" charset="-120"/>
               </a:rPr>
-              <a:t>DECISION: Open CT + MA only. Maine not feasible — $200K fixed cost for 4% of volume.</a:t>
-            </a:r>
-            <a:endParaRPr lang="en-US" sz="1100" dirty="0"/>
+              <a:t>Left: weekly cost by mode and state. Right: cost per bag vs. the $0.50 margin. Via Regional DC (green) is cheapest across all states.</a:t>
+            </a:r>
+            <a:endParaRPr lang="en-US" sz="900" dirty="0"/>
           </a:p>
         </p:txBody>
       </p:sp>
@@ -3770,12 +3782,13 @@
 
 <file path=ppt/slides/slide6.xml><?xml version="1.0" encoding="utf-8"?>
 <p:sld xmlns:a="http://schemas.openxmlformats.org/drawingml/2006/main" xmlns:r="http://schemas.openxmlformats.org/officeDocument/2006/relationships" xmlns:p="http://schemas.openxmlformats.org/presentationml/2006/main">
-  <p:cSld name="Slide 6">
+  <p:cSld name="Slide 5">
     <p:bg>
       <p:bgPr>
         <a:solidFill>
           <a:srgbClr val="F5F0EB"/>
         </a:solidFill>
+        <a:effectLst/>
       </p:bgPr>
     </p:bg>
     <p:spTree>
@@ -3811,17 +3824,24 @@
           </a:solidFill>
           <a:ln/>
         </p:spPr>
+        <p:txBody>
+          <a:bodyPr/>
+          <a:lstStyle/>
+          <a:p>
+            <a:endParaRPr lang="es-ES_tradnl"/>
+          </a:p>
+        </p:txBody>
       </p:sp>
       <p:pic>
         <p:nvPicPr>
-          <p:cNvPr id="3" name="Image 0" descr="preencoded.png">    </p:cNvPr>
+          <p:cNvPr id="3" name="Image 0" descr="preencoded.png"/>
           <p:cNvPicPr>
             <a:picLocks noChangeAspect="1"/>
           </p:cNvPicPr>
           <p:nvPr/>
         </p:nvPicPr>
         <p:blipFill>
-          <a:blip r:embed="rId1"/>
+          <a:blip/>
           <a:stretch>
             <a:fillRect/>
           </a:stretch>
@@ -3845,7 +3865,7 @@
         <p:spPr>
           <a:xfrm>
             <a:off x="1097280" y="292608"/>
-            <a:ext cx="7315200" cy="457200"/>
+            <a:ext cx="6400800" cy="457200"/>
           </a:xfrm>
           <a:prstGeom prst="rect">
             <a:avLst/>
@@ -3857,7 +3877,7 @@
           <a:bodyPr wrap="square" rtlCol="0" anchor="ctr"/>
           <a:lstStyle/>
           <a:p>
-            <a:pPr indent="0" marL="0">
+            <a:pPr marL="0" indent="0">
               <a:buNone/>
             </a:pPr>
             <a:r>
@@ -3869,7 +3889,7 @@
                 <a:ea typeface="Georgia" pitchFamily="34" charset="-122"/>
                 <a:cs typeface="Georgia" pitchFamily="34" charset="-120"/>
               </a:rPr>
-              <a:t>Where Does the Money Go?</a:t>
+              <a:t>All 8 Warehouse Configurations</a:t>
             </a:r>
             <a:endParaRPr lang="en-US" sz="2600" dirty="0"/>
           </a:p>
@@ -3894,32 +3914,39 @@
           </a:solidFill>
           <a:ln/>
           <a:effectLst>
-            <a:outerShdw sx="100000" sy="100000" kx="0" ky="0" algn="bl" rotWithShape="0" blurRad="76200" dist="25400" dir="8100000">
+            <a:outerShdw blurRad="76200" dist="25400" dir="8100000" algn="bl" rotWithShape="0">
               <a:srgbClr val="000000">
                 <a:alpha val="10000"/>
               </a:srgbClr>
             </a:outerShdw>
           </a:effectLst>
         </p:spPr>
+        <p:txBody>
+          <a:bodyPr/>
+          <a:lstStyle/>
+          <a:p>
+            <a:endParaRPr lang="es-ES_tradnl"/>
+          </a:p>
+        </p:txBody>
       </p:sp>
       <p:pic>
         <p:nvPicPr>
-          <p:cNvPr id="6" name="Image 1" descr="/sessions/happy-festive-archimedes/charts/chart_06_cell43.png">    </p:cNvPr>
+          <p:cNvPr id="6" name="Image 1" descr="/sessions/happy-festive-archimedes/charts/chart_03_cell27.png"/>
           <p:cNvPicPr>
             <a:picLocks noChangeAspect="1"/>
           </p:cNvPicPr>
           <p:nvPr/>
         </p:nvPicPr>
         <p:blipFill>
-          <a:blip r:embed="rId2"/>
+          <a:blip/>
           <a:stretch>
             <a:fillRect/>
           </a:stretch>
         </p:blipFill>
         <p:spPr>
           <a:xfrm>
-            <a:off x="457200" y="1049202"/>
-            <a:ext cx="8229600" cy="3616596"/>
+            <a:off x="457200" y="886968"/>
+            <a:ext cx="8229600" cy="3165943"/>
           </a:xfrm>
           <a:prstGeom prst="rect">
             <a:avLst/>
@@ -3928,34 +3955,14 @@
       </p:pic>
       <p:sp>
         <p:nvSpPr>
-          <p:cNvPr id="7" name="Shape 3"/>
-          <p:cNvSpPr/>
-          <p:nvPr/>
-        </p:nvSpPr>
-        <p:spPr>
-          <a:xfrm>
-            <a:off x="457200" y="4663440"/>
-            <a:ext cx="8229600" cy="384048"/>
-          </a:xfrm>
-          <a:prstGeom prst="rect">
-            <a:avLst/>
-          </a:prstGeom>
-          <a:solidFill>
-            <a:srgbClr val="2D8B75"/>
-          </a:solidFill>
-          <a:ln/>
-        </p:spPr>
-      </p:sp>
-      <p:sp>
-        <p:nvSpPr>
-          <p:cNvPr id="8" name="Text 4"/>
-          <p:cNvSpPr/>
-          <p:nvPr/>
-        </p:nvSpPr>
-        <p:spPr>
-          <a:xfrm>
-            <a:off x="594360" y="4681728"/>
-            <a:ext cx="7955280" cy="347472"/>
+          <p:cNvPr id="7" name="Text 3"/>
+          <p:cNvSpPr/>
+          <p:nvPr/>
+        </p:nvSpPr>
+        <p:spPr>
+          <a:xfrm>
+            <a:off x="457200" y="4201500"/>
+            <a:ext cx="8229600" cy="457963"/>
           </a:xfrm>
           <a:prstGeom prst="rect">
             <a:avLst/>
@@ -3967,21 +3974,63 @@
           <a:bodyPr wrap="square" rtlCol="0" anchor="ctr"/>
           <a:lstStyle/>
           <a:p>
-            <a:pPr indent="0" marL="0">
+            <a:pPr marL="0" indent="0">
               <a:buNone/>
             </a:pPr>
             <a:r>
-              <a:rPr lang="en-US" sz="1100" b="1" dirty="0">
-                <a:solidFill>
-                  <a:srgbClr val="FFFFFF"/>
+              <a:rPr lang="en-US" sz="900" b="1" i="1" dirty="0">
+                <a:solidFill>
+                  <a:srgbClr val="00B050"/>
                 </a:solidFill>
                 <a:latin typeface="Calibri" pitchFamily="34" charset="0"/>
                 <a:ea typeface="Calibri" pitchFamily="34" charset="-122"/>
                 <a:cs typeface="Calibri" pitchFamily="34" charset="-120"/>
               </a:rPr>
-              <a:t>MA saves $870K, CT adds $145K more. Each DC must earn its keep — Maine doesn’t.</a:t>
-            </a:r>
-            <a:endParaRPr lang="en-US" sz="1100" dirty="0"/>
+              <a:t>Decision: </a:t>
+            </a:r>
+            <a:r>
+              <a:rPr lang="en-US" sz="900" i="1" dirty="0">
+                <a:solidFill>
+                  <a:srgbClr val="00B050"/>
+                </a:solidFill>
+                <a:latin typeface="Calibri" pitchFamily="34" charset="0"/>
+                <a:ea typeface="Calibri" pitchFamily="34" charset="-122"/>
+                <a:cs typeface="Calibri" pitchFamily="34" charset="-120"/>
+              </a:rPr>
+              <a:t>CT + MA is the clear winner at $1.67M/yr. </a:t>
+            </a:r>
+          </a:p>
+          <a:p>
+            <a:pPr marL="0" indent="0">
+              <a:buNone/>
+            </a:pPr>
+            <a:r>
+              <a:rPr lang="en-US" sz="900" i="1" dirty="0">
+                <a:solidFill>
+                  <a:srgbClr val="666666"/>
+                </a:solidFill>
+                <a:latin typeface="Calibri" pitchFamily="34" charset="0"/>
+                <a:ea typeface="Calibri" pitchFamily="34" charset="-122"/>
+                <a:cs typeface="Calibri" pitchFamily="34" charset="-120"/>
+              </a:rPr>
+              <a:t>Adding ME (+$227K) makes All 3 DCs more expensive. Without any DCs</a:t>
+            </a:r>
+            <a:r>
+              <a:rPr lang="en-US" sz="900" i="1" dirty="0">
+                <a:solidFill>
+                  <a:srgbClr val="00B050"/>
+                </a:solidFill>
+                <a:latin typeface="Calibri" pitchFamily="34" charset="0"/>
+                <a:ea typeface="Calibri" pitchFamily="34" charset="-122"/>
+                <a:cs typeface="Calibri" pitchFamily="34" charset="-120"/>
+              </a:rPr>
+              <a:t>, ME LTL direct costs $2.69M.</a:t>
+            </a:r>
+            <a:endParaRPr lang="en-US" sz="900" dirty="0">
+              <a:solidFill>
+                <a:srgbClr val="00B050"/>
+              </a:solidFill>
+            </a:endParaRPr>
           </a:p>
         </p:txBody>
       </p:sp>
@@ -3995,12 +4044,13 @@
 
 <file path=ppt/slides/slide7.xml><?xml version="1.0" encoding="utf-8"?>
 <p:sld xmlns:a="http://schemas.openxmlformats.org/drawingml/2006/main" xmlns:r="http://schemas.openxmlformats.org/officeDocument/2006/relationships" xmlns:p="http://schemas.openxmlformats.org/presentationml/2006/main">
-  <p:cSld name="Slide 7">
+  <p:cSld name="Slide 6">
     <p:bg>
       <p:bgPr>
         <a:solidFill>
           <a:srgbClr val="F5F0EB"/>
         </a:solidFill>
+        <a:effectLst/>
       </p:bgPr>
     </p:bg>
     <p:spTree>
@@ -4032,21 +4082,28 @@
             <a:avLst/>
           </a:prstGeom>
           <a:solidFill>
-            <a:srgbClr val="D4543B"/>
+            <a:srgbClr val="1B2A4A"/>
           </a:solidFill>
           <a:ln/>
         </p:spPr>
+        <p:txBody>
+          <a:bodyPr/>
+          <a:lstStyle/>
+          <a:p>
+            <a:endParaRPr lang="es-ES_tradnl"/>
+          </a:p>
+        </p:txBody>
       </p:sp>
       <p:pic>
         <p:nvPicPr>
-          <p:cNvPr id="3" name="Image 0" descr="preencoded.png">    </p:cNvPr>
+          <p:cNvPr id="3" name="Image 0" descr="preencoded.png"/>
           <p:cNvPicPr>
             <a:picLocks noChangeAspect="1"/>
           </p:cNvPicPr>
           <p:nvPr/>
         </p:nvPicPr>
         <p:blipFill>
-          <a:blip r:embed="rId1"/>
+          <a:blip/>
           <a:stretch>
             <a:fillRect/>
           </a:stretch>
@@ -4069,7 +4126,7 @@
         </p:nvSpPr>
         <p:spPr>
           <a:xfrm>
-            <a:off x="1097280" y="292608"/>
+            <a:off x="1014984" y="249102"/>
             <a:ext cx="7315200" cy="457200"/>
           </a:xfrm>
           <a:prstGeom prst="rect">
@@ -4082,11 +4139,11 @@
           <a:bodyPr wrap="square" rtlCol="0" anchor="ctr"/>
           <a:lstStyle/>
           <a:p>
-            <a:pPr indent="0" marL="0">
+            <a:pPr marL="0" indent="0">
               <a:buNone/>
             </a:pPr>
             <a:r>
-              <a:rPr lang="en-US" sz="2400" b="1" dirty="0">
+              <a:rPr lang="en-US" sz="2600" b="1" dirty="0">
                 <a:solidFill>
                   <a:srgbClr val="1B2A4A"/>
                 </a:solidFill>
@@ -4094,9 +4151,9 @@
                 <a:ea typeface="Georgia" pitchFamily="34" charset="-122"/>
                 <a:cs typeface="Georgia" pitchFamily="34" charset="-120"/>
               </a:rPr>
-              <a:t>The Hidden Cost: Mixed Pallet Surcharge</a:t>
-            </a:r>
-            <a:endParaRPr lang="en-US" sz="2400" dirty="0"/>
+              <a:t>Where Does the Money Go?</a:t>
+            </a:r>
+            <a:endParaRPr lang="en-US" sz="2600" dirty="0"/>
           </a:p>
         </p:txBody>
       </p:sp>
@@ -4109,89 +4166,7 @@
         <p:spPr>
           <a:xfrm>
             <a:off x="457200" y="868680"/>
-            <a:ext cx="8229600" cy="457200"/>
-          </a:xfrm>
-          <a:prstGeom prst="rect">
-            <a:avLst/>
-          </a:prstGeom>
-          <a:solidFill>
-            <a:srgbClr val="FFF3EE"/>
-          </a:solidFill>
-          <a:ln/>
-        </p:spPr>
-      </p:sp>
-      <p:sp>
-        <p:nvSpPr>
-          <p:cNvPr id="6" name="Shape 3"/>
-          <p:cNvSpPr/>
-          <p:nvPr/>
-        </p:nvSpPr>
-        <p:spPr>
-          <a:xfrm>
-            <a:off x="457200" y="868680"/>
-            <a:ext cx="45720" cy="457200"/>
-          </a:xfrm>
-          <a:prstGeom prst="rect">
-            <a:avLst/>
-          </a:prstGeom>
-          <a:solidFill>
-            <a:srgbClr val="D4543B"/>
-          </a:solidFill>
-          <a:ln/>
-        </p:spPr>
-      </p:sp>
-      <p:sp>
-        <p:nvSpPr>
-          <p:cNvPr id="7" name="Text 4"/>
-          <p:cNvSpPr/>
-          <p:nvPr/>
-        </p:nvSpPr>
-        <p:spPr>
-          <a:xfrm>
-            <a:off x="658368" y="896112"/>
-            <a:ext cx="7863840" cy="411480"/>
-          </a:xfrm>
-          <a:prstGeom prst="rect">
-            <a:avLst/>
-          </a:prstGeom>
-          <a:noFill/>
-          <a:ln/>
-        </p:spPr>
-        <p:txBody>
-          <a:bodyPr wrap="square" rtlCol="0" anchor="ctr"/>
-          <a:lstStyle/>
-          <a:p>
-            <a:pPr indent="0" marL="0">
-              <a:lnSpc>
-                <a:spcPct val="120000"/>
-              </a:lnSpc>
-              <a:buNone/>
-            </a:pPr>
-            <a:r>
-              <a:rPr lang="en-US" sz="1150" dirty="0">
-                <a:solidFill>
-                  <a:srgbClr val="333333"/>
-                </a:solidFill>
-                <a:latin typeface="Calibri" pitchFamily="34" charset="0"/>
-                <a:ea typeface="Calibri" pitchFamily="34" charset="-122"/>
-                <a:cs typeface="Calibri" pitchFamily="34" charset="-120"/>
-              </a:rPr>
-              <a:t>The $1/box surcharge adds ~$117K/year (CT+MA). Tail &amp; Connoisseur segments are 100% mixed — but FTL savings still dominate the economics.</a:t>
-            </a:r>
-            <a:endParaRPr lang="en-US" sz="1150" dirty="0"/>
-          </a:p>
-        </p:txBody>
-      </p:sp>
-      <p:sp>
-        <p:nvSpPr>
-          <p:cNvPr id="8" name="Shape 5"/>
-          <p:cNvSpPr/>
-          <p:nvPr/>
-        </p:nvSpPr>
-        <p:spPr>
-          <a:xfrm>
-            <a:off x="457200" y="1417320"/>
-            <a:ext cx="8229600" cy="3520440"/>
+            <a:ext cx="8229600" cy="3977640"/>
           </a:xfrm>
           <a:prstGeom prst="rect">
             <a:avLst/>
@@ -4201,32 +4176,39 @@
           </a:solidFill>
           <a:ln/>
           <a:effectLst>
-            <a:outerShdw sx="100000" sy="100000" kx="0" ky="0" algn="bl" rotWithShape="0" blurRad="76200" dist="25400" dir="8100000">
+            <a:outerShdw blurRad="76200" dist="25400" dir="8100000" algn="bl" rotWithShape="0">
               <a:srgbClr val="000000">
                 <a:alpha val="10000"/>
               </a:srgbClr>
             </a:outerShdw>
           </a:effectLst>
         </p:spPr>
+        <p:txBody>
+          <a:bodyPr/>
+          <a:lstStyle/>
+          <a:p>
+            <a:endParaRPr lang="es-ES_tradnl"/>
+          </a:p>
+        </p:txBody>
       </p:sp>
       <p:pic>
         <p:nvPicPr>
-          <p:cNvPr id="9" name="Image 1" descr="/sessions/happy-festive-archimedes/charts/chart_04_cell33.png">    </p:cNvPr>
+          <p:cNvPr id="6" name="Image 1" descr="/sessions/happy-festive-archimedes/charts/chart_06_cell43.png"/>
           <p:cNvPicPr>
             <a:picLocks noChangeAspect="1"/>
           </p:cNvPicPr>
           <p:nvPr/>
         </p:nvPicPr>
         <p:blipFill>
-          <a:blip r:embed="rId2"/>
+          <a:blip/>
           <a:stretch>
             <a:fillRect/>
           </a:stretch>
         </p:blipFill>
         <p:spPr>
           <a:xfrm>
-            <a:off x="457200" y="1660467"/>
-            <a:ext cx="8229600" cy="3034145"/>
+            <a:off x="457200" y="955404"/>
+            <a:ext cx="8229600" cy="3616596"/>
           </a:xfrm>
           <a:prstGeom prst="rect">
             <a:avLst/>
@@ -4235,34 +4217,14 @@
       </p:pic>
       <p:sp>
         <p:nvSpPr>
-          <p:cNvPr id="10" name="Shape 6"/>
-          <p:cNvSpPr/>
-          <p:nvPr/>
-        </p:nvSpPr>
-        <p:spPr>
-          <a:xfrm>
-            <a:off x="457200" y="4663440"/>
-            <a:ext cx="8229600" cy="384048"/>
-          </a:xfrm>
-          <a:prstGeom prst="rect">
-            <a:avLst/>
-          </a:prstGeom>
-          <a:solidFill>
-            <a:srgbClr val="2D8B75"/>
-          </a:solidFill>
-          <a:ln/>
-        </p:spPr>
-      </p:sp>
-      <p:sp>
-        <p:nvSpPr>
-          <p:cNvPr id="11" name="Text 7"/>
-          <p:cNvSpPr/>
-          <p:nvPr/>
-        </p:nvSpPr>
-        <p:spPr>
-          <a:xfrm>
-            <a:off x="594360" y="4681728"/>
-            <a:ext cx="7955280" cy="347472"/>
+          <p:cNvPr id="7" name="Text 3"/>
+          <p:cNvSpPr/>
+          <p:nvPr/>
+        </p:nvSpPr>
+        <p:spPr>
+          <a:xfrm>
+            <a:off x="457200" y="4572000"/>
+            <a:ext cx="8229600" cy="274320"/>
           </a:xfrm>
           <a:prstGeom prst="rect">
             <a:avLst/>
@@ -4274,21 +4236,21 @@
           <a:bodyPr wrap="square" rtlCol="0" anchor="ctr"/>
           <a:lstStyle/>
           <a:p>
-            <a:pPr indent="0" marL="0">
+            <a:pPr marL="0" indent="0">
               <a:buNone/>
             </a:pPr>
             <a:r>
-              <a:rPr lang="en-US" sz="1100" b="1" dirty="0">
-                <a:solidFill>
-                  <a:srgbClr val="FFFFFF"/>
+              <a:rPr lang="en-US" sz="900" i="1" dirty="0">
+                <a:solidFill>
+                  <a:srgbClr val="666666"/>
                 </a:solidFill>
                 <a:latin typeface="Calibri" pitchFamily="34" charset="0"/>
                 <a:ea typeface="Calibri" pitchFamily="34" charset="-122"/>
                 <a:cs typeface="Calibri" pitchFamily="34" charset="-120"/>
               </a:rPr>
-              <a:t>DECISION: Accept the $117K surcharge — FTL savings ($1M+) far outweigh the mixed-pallet cost.</a:t>
-            </a:r>
-            <a:endParaRPr lang="en-US" sz="1100" dirty="0"/>
+              <a:t>Left: full cost breakdown for 4 key scenarios. Right: incremental impact of each DC — MA saves $870K, CT adds $145K more, but ME costs $227K extra.</a:t>
+            </a:r>
+            <a:endParaRPr lang="en-US" sz="900" dirty="0"/>
           </a:p>
         </p:txBody>
       </p:sp>
@@ -4308,6 +4270,7 @@
         <a:solidFill>
           <a:srgbClr val="F5F0EB"/>
         </a:solidFill>
+        <a:effectLst/>
       </p:bgPr>
     </p:bg>
     <p:spTree>
@@ -4343,17 +4306,24 @@
           </a:solidFill>
           <a:ln/>
         </p:spPr>
+        <p:txBody>
+          <a:bodyPr/>
+          <a:lstStyle/>
+          <a:p>
+            <a:endParaRPr lang="es-ES_tradnl"/>
+          </a:p>
+        </p:txBody>
       </p:sp>
       <p:pic>
         <p:nvPicPr>
-          <p:cNvPr id="3" name="Image 0" descr="preencoded.png">    </p:cNvPr>
+          <p:cNvPr id="3" name="Image 0" descr="preencoded.png"/>
           <p:cNvPicPr>
             <a:picLocks noChangeAspect="1"/>
           </p:cNvPicPr>
           <p:nvPr/>
         </p:nvPicPr>
         <p:blipFill>
-          <a:blip r:embed="rId1"/>
+          <a:blip/>
           <a:stretch>
             <a:fillRect/>
           </a:stretch>
@@ -4389,7 +4359,7 @@
           <a:bodyPr wrap="square" rtlCol="0" anchor="ctr"/>
           <a:lstStyle/>
           <a:p>
-            <a:pPr indent="0" marL="0">
+            <a:pPr marL="0" indent="0">
               <a:buNone/>
             </a:pPr>
             <a:r>
@@ -4415,169 +4385,8 @@
         </p:nvSpPr>
         <p:spPr>
           <a:xfrm>
-            <a:off x="457200" y="822960"/>
-            <a:ext cx="4023360" cy="1234440"/>
-          </a:xfrm>
-          <a:prstGeom prst="rect">
-            <a:avLst/>
-          </a:prstGeom>
-          <a:solidFill>
-            <a:srgbClr val="1B2A4A"/>
-          </a:solidFill>
-          <a:ln/>
-        </p:spPr>
-      </p:sp>
-      <p:sp>
-        <p:nvSpPr>
-          <p:cNvPr id="6" name="Text 3"/>
-          <p:cNvSpPr/>
-          <p:nvPr/>
-        </p:nvSpPr>
-        <p:spPr>
-          <a:xfrm>
-            <a:off x="594360" y="868680"/>
-            <a:ext cx="3749040" cy="274320"/>
-          </a:xfrm>
-          <a:prstGeom prst="rect">
-            <a:avLst/>
-          </a:prstGeom>
-          <a:noFill/>
-          <a:ln/>
-        </p:spPr>
-        <p:txBody>
-          <a:bodyPr wrap="square" rtlCol="0" anchor="ctr"/>
-          <a:lstStyle/>
-          <a:p>
-            <a:pPr indent="0" marL="0">
-              <a:buNone/>
-            </a:pPr>
-            <a:r>
-              <a:rPr lang="en-US" sz="1300" b="1" dirty="0">
-                <a:solidFill>
-                  <a:srgbClr val="FFFFFF"/>
-                </a:solidFill>
-                <a:latin typeface="Calibri" pitchFamily="34" charset="0"/>
-                <a:ea typeface="Calibri" pitchFamily="34" charset="-122"/>
-                <a:cs typeface="Calibri" pitchFamily="34" charset="-120"/>
-              </a:rPr>
-              <a:t>DECISION: How We Replenish</a:t>
-            </a:r>
-            <a:endParaRPr lang="en-US" sz="1300" dirty="0"/>
-          </a:p>
-        </p:txBody>
-      </p:sp>
-      <p:sp>
-        <p:nvSpPr>
-          <p:cNvPr id="7" name="Text 4"/>
-          <p:cNvSpPr/>
-          <p:nvPr/>
-        </p:nvSpPr>
-        <p:spPr>
-          <a:xfrm>
-            <a:off x="594360" y="1143000"/>
-            <a:ext cx="3749040" cy="822960"/>
-          </a:xfrm>
-          <a:prstGeom prst="rect">
-            <a:avLst/>
-          </a:prstGeom>
-          <a:noFill/>
-          <a:ln/>
-        </p:spPr>
-        <p:txBody>
-          <a:bodyPr wrap="square" rtlCol="0" anchor="ctr"/>
-          <a:lstStyle/>
-          <a:p>
-            <a:pPr indent="0" marL="0">
-              <a:lnSpc>
-                <a:spcPct val="130000"/>
-              </a:lnSpc>
-              <a:buNone/>
-            </a:pPr>
-            <a:r>
-              <a:rPr lang="en-US" sz="1050" dirty="0">
-                <a:solidFill>
-                  <a:srgbClr val="EDE5DB"/>
-                </a:solidFill>
-                <a:latin typeface="Calibri" pitchFamily="34" charset="0"/>
-                <a:ea typeface="Calibri" pitchFamily="34" charset="-122"/>
-                <a:cs typeface="Calibri" pitchFamily="34" charset="-120"/>
-              </a:rPr>
-              <a:t>Every week, check inventory at each DC.</a:t>
-            </a:r>
-            <a:endParaRPr lang="en-US" sz="1050" dirty="0"/>
-          </a:p>
-          <a:p>
-            <a:pPr indent="0" marL="0">
-              <a:lnSpc>
-                <a:spcPct val="130000"/>
-              </a:lnSpc>
-              <a:buNone/>
-            </a:pPr>
-            <a:r>
-              <a:rPr lang="en-US" sz="1050" dirty="0">
-                <a:solidFill>
-                  <a:srgbClr val="EDE5DB"/>
-                </a:solidFill>
-                <a:latin typeface="Calibri" pitchFamily="34" charset="0"/>
-                <a:ea typeface="Calibri" pitchFamily="34" charset="-122"/>
-                <a:cs typeface="Calibri" pitchFamily="34" charset="-120"/>
-              </a:rPr>
-              <a:t>Order up to S = μ×(R+L) + z×σ×√(R+L)</a:t>
-            </a:r>
-            <a:endParaRPr lang="en-US" sz="1050" dirty="0"/>
-          </a:p>
-          <a:p>
-            <a:pPr indent="0" marL="0">
-              <a:lnSpc>
-                <a:spcPct val="130000"/>
-              </a:lnSpc>
-              <a:buNone/>
-            </a:pPr>
-            <a:r>
-              <a:rPr lang="en-US" sz="1050" dirty="0">
-                <a:solidFill>
-                  <a:srgbClr val="EDE5DB"/>
-                </a:solidFill>
-                <a:latin typeface="Calibri" pitchFamily="34" charset="0"/>
-                <a:ea typeface="Calibri" pitchFamily="34" charset="-122"/>
-                <a:cs typeface="Calibri" pitchFamily="34" charset="-120"/>
-              </a:rPr>
-              <a:t>R = 1 week, L = 1 day, z = 1.645 (95% SL)</a:t>
-            </a:r>
-            <a:endParaRPr lang="en-US" sz="1050" dirty="0"/>
-          </a:p>
-          <a:p>
-            <a:pPr indent="0" marL="0">
-              <a:lnSpc>
-                <a:spcPct val="130000"/>
-              </a:lnSpc>
-              <a:buNone/>
-            </a:pPr>
-            <a:r>
-              <a:rPr lang="en-US" sz="1050" dirty="0">
-                <a:solidFill>
-                  <a:srgbClr val="EDE5DB"/>
-                </a:solidFill>
-                <a:latin typeface="Calibri" pitchFamily="34" charset="0"/>
-                <a:ea typeface="Calibri" pitchFamily="34" charset="-122"/>
-                <a:cs typeface="Calibri" pitchFamily="34" charset="-120"/>
-              </a:rPr>
-              <a:t>Ship replenishment via FTL from NY next day.</a:t>
-            </a:r>
-            <a:endParaRPr lang="en-US" sz="1050" dirty="0"/>
-          </a:p>
-        </p:txBody>
-      </p:sp>
-      <p:sp>
-        <p:nvSpPr>
-          <p:cNvPr id="8" name="Shape 5"/>
-          <p:cNvSpPr/>
-          <p:nvPr/>
-        </p:nvSpPr>
-        <p:spPr>
-          <a:xfrm>
-            <a:off x="4709160" y="841248"/>
-            <a:ext cx="1051560" cy="658368"/>
+            <a:off x="457200" y="841248"/>
+            <a:ext cx="1920240" cy="658368"/>
           </a:xfrm>
           <a:prstGeom prst="rect">
             <a:avLst/>
@@ -4587,24 +4396,31 @@
           </a:solidFill>
           <a:ln/>
           <a:effectLst>
-            <a:outerShdw sx="100000" sy="100000" kx="0" ky="0" algn="bl" rotWithShape="0" blurRad="76200" dist="25400" dir="8100000">
+            <a:outerShdw blurRad="76200" dist="25400" dir="8100000" algn="bl" rotWithShape="0">
               <a:srgbClr val="000000">
                 <a:alpha val="10000"/>
               </a:srgbClr>
             </a:outerShdw>
           </a:effectLst>
         </p:spPr>
-      </p:sp>
-      <p:sp>
-        <p:nvSpPr>
-          <p:cNvPr id="9" name="Text 6"/>
-          <p:cNvSpPr/>
-          <p:nvPr/>
-        </p:nvSpPr>
-        <p:spPr>
-          <a:xfrm>
-            <a:off x="4709160" y="868680"/>
-            <a:ext cx="1051560" cy="347472"/>
+        <p:txBody>
+          <a:bodyPr/>
+          <a:lstStyle/>
+          <a:p>
+            <a:endParaRPr lang="es-ES_tradnl"/>
+          </a:p>
+        </p:txBody>
+      </p:sp>
+      <p:sp>
+        <p:nvSpPr>
+          <p:cNvPr id="6" name="Text 3"/>
+          <p:cNvSpPr/>
+          <p:nvPr/>
+        </p:nvSpPr>
+        <p:spPr>
+          <a:xfrm>
+            <a:off x="457200" y="868680"/>
+            <a:ext cx="1920240" cy="347472"/>
           </a:xfrm>
           <a:prstGeom prst="rect">
             <a:avLst/>
@@ -4616,11 +4432,11 @@
           <a:bodyPr wrap="square" rtlCol="0" anchor="ctr"/>
           <a:lstStyle/>
           <a:p>
-            <a:pPr algn="ctr" indent="0" marL="0">
+            <a:pPr marL="0" indent="0" algn="ctr">
               <a:buNone/>
             </a:pPr>
             <a:r>
-              <a:rPr lang="en-US" sz="1300" b="1" dirty="0">
+              <a:rPr lang="en-US" sz="1800" b="1" dirty="0">
                 <a:solidFill>
                   <a:srgbClr val="D4543B"/>
                 </a:solidFill>
@@ -4630,20 +4446,20 @@
               </a:rPr>
               <a:t>37 pallets</a:t>
             </a:r>
-            <a:endParaRPr lang="en-US" sz="1300" dirty="0"/>
-          </a:p>
-        </p:txBody>
-      </p:sp>
-      <p:sp>
-        <p:nvSpPr>
-          <p:cNvPr id="10" name="Text 7"/>
-          <p:cNvSpPr/>
-          <p:nvPr/>
-        </p:nvSpPr>
-        <p:spPr>
-          <a:xfrm>
-            <a:off x="4709160" y="1188720"/>
-            <a:ext cx="1051560" cy="228600"/>
+            <a:endParaRPr lang="en-US" sz="1800" dirty="0"/>
+          </a:p>
+        </p:txBody>
+      </p:sp>
+      <p:sp>
+        <p:nvSpPr>
+          <p:cNvPr id="7" name="Text 4"/>
+          <p:cNvSpPr/>
+          <p:nvPr/>
+        </p:nvSpPr>
+        <p:spPr>
+          <a:xfrm>
+            <a:off x="457200" y="1207008"/>
+            <a:ext cx="1920240" cy="228600"/>
           </a:xfrm>
           <a:prstGeom prst="rect">
             <a:avLst/>
@@ -4655,11 +4471,11 @@
           <a:bodyPr wrap="square" rtlCol="0" anchor="ctr"/>
           <a:lstStyle/>
           <a:p>
-            <a:pPr algn="ctr" indent="0" marL="0">
+            <a:pPr marL="0" indent="0" algn="ctr">
               <a:buNone/>
             </a:pPr>
             <a:r>
-              <a:rPr lang="en-US" sz="850" dirty="0">
+              <a:rPr lang="en-US" sz="1000" dirty="0">
                 <a:solidFill>
                   <a:srgbClr val="666666"/>
                 </a:solidFill>
@@ -4669,20 +4485,20 @@
               </a:rPr>
               <a:t>Safety Stock</a:t>
             </a:r>
-            <a:endParaRPr lang="en-US" sz="850" dirty="0"/>
-          </a:p>
-        </p:txBody>
-      </p:sp>
-      <p:sp>
-        <p:nvSpPr>
-          <p:cNvPr id="11" name="Shape 8"/>
-          <p:cNvSpPr/>
-          <p:nvPr/>
-        </p:nvSpPr>
-        <p:spPr>
-          <a:xfrm>
-            <a:off x="5852160" y="841248"/>
-            <a:ext cx="1051560" cy="658368"/>
+            <a:endParaRPr lang="en-US" sz="1000" dirty="0"/>
+          </a:p>
+        </p:txBody>
+      </p:sp>
+      <p:sp>
+        <p:nvSpPr>
+          <p:cNvPr id="8" name="Shape 5"/>
+          <p:cNvSpPr/>
+          <p:nvPr/>
+        </p:nvSpPr>
+        <p:spPr>
+          <a:xfrm>
+            <a:off x="457200" y="1785451"/>
+            <a:ext cx="1920240" cy="658368"/>
           </a:xfrm>
           <a:prstGeom prst="rect">
             <a:avLst/>
@@ -4692,24 +4508,31 @@
           </a:solidFill>
           <a:ln/>
           <a:effectLst>
-            <a:outerShdw sx="100000" sy="100000" kx="0" ky="0" algn="bl" rotWithShape="0" blurRad="76200" dist="25400" dir="8100000">
+            <a:outerShdw blurRad="76200" dist="25400" dir="8100000" algn="bl" rotWithShape="0">
               <a:srgbClr val="000000">
                 <a:alpha val="10000"/>
               </a:srgbClr>
             </a:outerShdw>
           </a:effectLst>
         </p:spPr>
-      </p:sp>
-      <p:sp>
-        <p:nvSpPr>
-          <p:cNvPr id="12" name="Text 9"/>
-          <p:cNvSpPr/>
-          <p:nvPr/>
-        </p:nvSpPr>
-        <p:spPr>
-          <a:xfrm>
-            <a:off x="5852160" y="868680"/>
-            <a:ext cx="1051560" cy="347472"/>
+        <p:txBody>
+          <a:bodyPr/>
+          <a:lstStyle/>
+          <a:p>
+            <a:endParaRPr lang="es-ES_tradnl"/>
+          </a:p>
+        </p:txBody>
+      </p:sp>
+      <p:sp>
+        <p:nvSpPr>
+          <p:cNvPr id="9" name="Text 6"/>
+          <p:cNvSpPr/>
+          <p:nvPr/>
+        </p:nvSpPr>
+        <p:spPr>
+          <a:xfrm>
+            <a:off x="457200" y="1812883"/>
+            <a:ext cx="1920240" cy="347472"/>
           </a:xfrm>
           <a:prstGeom prst="rect">
             <a:avLst/>
@@ -4721,11 +4544,11 @@
           <a:bodyPr wrap="square" rtlCol="0" anchor="ctr"/>
           <a:lstStyle/>
           <a:p>
-            <a:pPr algn="ctr" indent="0" marL="0">
+            <a:pPr marL="0" indent="0" algn="ctr">
               <a:buNone/>
             </a:pPr>
             <a:r>
-              <a:rPr lang="en-US" sz="1300" b="1" dirty="0">
+              <a:rPr lang="en-US" sz="1800" b="1" dirty="0">
                 <a:solidFill>
                   <a:srgbClr val="D4543B"/>
                 </a:solidFill>
@@ -4735,20 +4558,20 @@
               </a:rPr>
               <a:t>60-93×</a:t>
             </a:r>
-            <a:endParaRPr lang="en-US" sz="1300" dirty="0"/>
-          </a:p>
-        </p:txBody>
-      </p:sp>
-      <p:sp>
-        <p:nvSpPr>
-          <p:cNvPr id="13" name="Text 10"/>
-          <p:cNvSpPr/>
-          <p:nvPr/>
-        </p:nvSpPr>
-        <p:spPr>
-          <a:xfrm>
-            <a:off x="5852160" y="1188720"/>
-            <a:ext cx="1051560" cy="228600"/>
+            <a:endParaRPr lang="en-US" sz="1800" dirty="0"/>
+          </a:p>
+        </p:txBody>
+      </p:sp>
+      <p:sp>
+        <p:nvSpPr>
+          <p:cNvPr id="10" name="Text 7"/>
+          <p:cNvSpPr/>
+          <p:nvPr/>
+        </p:nvSpPr>
+        <p:spPr>
+          <a:xfrm>
+            <a:off x="457200" y="2151211"/>
+            <a:ext cx="1920240" cy="228600"/>
           </a:xfrm>
           <a:prstGeom prst="rect">
             <a:avLst/>
@@ -4760,11 +4583,11 @@
           <a:bodyPr wrap="square" rtlCol="0" anchor="ctr"/>
           <a:lstStyle/>
           <a:p>
-            <a:pPr algn="ctr" indent="0" marL="0">
+            <a:pPr marL="0" indent="0" algn="ctr">
               <a:buNone/>
             </a:pPr>
             <a:r>
-              <a:rPr lang="en-US" sz="850" dirty="0">
+              <a:rPr lang="en-US" sz="1000" dirty="0">
                 <a:solidFill>
                   <a:srgbClr val="666666"/>
                 </a:solidFill>
@@ -4774,20 +4597,20 @@
               </a:rPr>
               <a:t>Inv. Turns/yr</a:t>
             </a:r>
-            <a:endParaRPr lang="en-US" sz="850" dirty="0"/>
-          </a:p>
-        </p:txBody>
-      </p:sp>
-      <p:sp>
-        <p:nvSpPr>
-          <p:cNvPr id="14" name="Shape 11"/>
-          <p:cNvSpPr/>
-          <p:nvPr/>
-        </p:nvSpPr>
-        <p:spPr>
-          <a:xfrm>
-            <a:off x="6995160" y="841248"/>
-            <a:ext cx="1051560" cy="658368"/>
+            <a:endParaRPr lang="en-US" sz="1000" dirty="0"/>
+          </a:p>
+        </p:txBody>
+      </p:sp>
+      <p:sp>
+        <p:nvSpPr>
+          <p:cNvPr id="11" name="Shape 8"/>
+          <p:cNvSpPr/>
+          <p:nvPr/>
+        </p:nvSpPr>
+        <p:spPr>
+          <a:xfrm>
+            <a:off x="457200" y="2747772"/>
+            <a:ext cx="1920240" cy="658368"/>
           </a:xfrm>
           <a:prstGeom prst="rect">
             <a:avLst/>
@@ -4797,24 +4620,31 @@
           </a:solidFill>
           <a:ln/>
           <a:effectLst>
-            <a:outerShdw sx="100000" sy="100000" kx="0" ky="0" algn="bl" rotWithShape="0" blurRad="76200" dist="25400" dir="8100000">
+            <a:outerShdw blurRad="76200" dist="25400" dir="8100000" algn="bl" rotWithShape="0">
               <a:srgbClr val="000000">
                 <a:alpha val="10000"/>
               </a:srgbClr>
             </a:outerShdw>
           </a:effectLst>
         </p:spPr>
-      </p:sp>
-      <p:sp>
-        <p:nvSpPr>
-          <p:cNvPr id="15" name="Text 12"/>
-          <p:cNvSpPr/>
-          <p:nvPr/>
-        </p:nvSpPr>
-        <p:spPr>
-          <a:xfrm>
-            <a:off x="6995160" y="868680"/>
-            <a:ext cx="1051560" cy="347472"/>
+        <p:txBody>
+          <a:bodyPr/>
+          <a:lstStyle/>
+          <a:p>
+            <a:endParaRPr lang="es-ES_tradnl" dirty="0"/>
+          </a:p>
+        </p:txBody>
+      </p:sp>
+      <p:sp>
+        <p:nvSpPr>
+          <p:cNvPr id="12" name="Text 9"/>
+          <p:cNvSpPr/>
+          <p:nvPr/>
+        </p:nvSpPr>
+        <p:spPr>
+          <a:xfrm>
+            <a:off x="457200" y="2775204"/>
+            <a:ext cx="1920240" cy="347472"/>
           </a:xfrm>
           <a:prstGeom prst="rect">
             <a:avLst/>
@@ -4826,11 +4656,11 @@
           <a:bodyPr wrap="square" rtlCol="0" anchor="ctr"/>
           <a:lstStyle/>
           <a:p>
-            <a:pPr algn="ctr" indent="0" marL="0">
+            <a:pPr marL="0" indent="0" algn="ctr">
               <a:buNone/>
             </a:pPr>
             <a:r>
-              <a:rPr lang="en-US" sz="1300" b="1" dirty="0">
+              <a:rPr lang="en-US" sz="1800" b="1" dirty="0">
                 <a:solidFill>
                   <a:srgbClr val="D4543B"/>
                 </a:solidFill>
@@ -4840,20 +4670,20 @@
               </a:rPr>
               <a:t>$27K/yr</a:t>
             </a:r>
-            <a:endParaRPr lang="en-US" sz="1300" dirty="0"/>
-          </a:p>
-        </p:txBody>
-      </p:sp>
-      <p:sp>
-        <p:nvSpPr>
-          <p:cNvPr id="16" name="Text 13"/>
-          <p:cNvSpPr/>
-          <p:nvPr/>
-        </p:nvSpPr>
-        <p:spPr>
-          <a:xfrm>
-            <a:off x="6995160" y="1188720"/>
-            <a:ext cx="1051560" cy="228600"/>
+            <a:endParaRPr lang="en-US" sz="1800" dirty="0"/>
+          </a:p>
+        </p:txBody>
+      </p:sp>
+      <p:sp>
+        <p:nvSpPr>
+          <p:cNvPr id="13" name="Text 10"/>
+          <p:cNvSpPr/>
+          <p:nvPr/>
+        </p:nvSpPr>
+        <p:spPr>
+          <a:xfrm>
+            <a:off x="457200" y="3113532"/>
+            <a:ext cx="1920240" cy="228600"/>
           </a:xfrm>
           <a:prstGeom prst="rect">
             <a:avLst/>
@@ -4865,11 +4695,11 @@
           <a:bodyPr wrap="square" rtlCol="0" anchor="ctr"/>
           <a:lstStyle/>
           <a:p>
-            <a:pPr algn="ctr" indent="0" marL="0">
+            <a:pPr marL="0" indent="0" algn="ctr">
               <a:buNone/>
             </a:pPr>
             <a:r>
-              <a:rPr lang="en-US" sz="850" dirty="0">
+              <a:rPr lang="en-US" sz="1000" dirty="0">
                 <a:solidFill>
                   <a:srgbClr val="666666"/>
                 </a:solidFill>
@@ -4879,20 +4709,20 @@
               </a:rPr>
               <a:t>Holding Cost</a:t>
             </a:r>
-            <a:endParaRPr lang="en-US" sz="850" dirty="0"/>
-          </a:p>
-        </p:txBody>
-      </p:sp>
-      <p:sp>
-        <p:nvSpPr>
-          <p:cNvPr id="17" name="Shape 14"/>
-          <p:cNvSpPr/>
-          <p:nvPr/>
-        </p:nvSpPr>
-        <p:spPr>
-          <a:xfrm>
-            <a:off x="8138160" y="841248"/>
-            <a:ext cx="1051560" cy="658368"/>
+            <a:endParaRPr lang="en-US" sz="1000" dirty="0"/>
+          </a:p>
+        </p:txBody>
+      </p:sp>
+      <p:sp>
+        <p:nvSpPr>
+          <p:cNvPr id="14" name="Shape 11"/>
+          <p:cNvSpPr/>
+          <p:nvPr/>
+        </p:nvSpPr>
+        <p:spPr>
+          <a:xfrm>
+            <a:off x="457200" y="3694176"/>
+            <a:ext cx="1920240" cy="658368"/>
           </a:xfrm>
           <a:prstGeom prst="rect">
             <a:avLst/>
@@ -4902,24 +4732,31 @@
           </a:solidFill>
           <a:ln/>
           <a:effectLst>
-            <a:outerShdw sx="100000" sy="100000" kx="0" ky="0" algn="bl" rotWithShape="0" blurRad="76200" dist="25400" dir="8100000">
+            <a:outerShdw blurRad="76200" dist="25400" dir="8100000" algn="bl" rotWithShape="0">
               <a:srgbClr val="000000">
                 <a:alpha val="10000"/>
               </a:srgbClr>
             </a:outerShdw>
           </a:effectLst>
         </p:spPr>
-      </p:sp>
-      <p:sp>
-        <p:nvSpPr>
-          <p:cNvPr id="18" name="Text 15"/>
-          <p:cNvSpPr/>
-          <p:nvPr/>
-        </p:nvSpPr>
-        <p:spPr>
-          <a:xfrm>
-            <a:off x="8138160" y="868680"/>
-            <a:ext cx="1051560" cy="347472"/>
+        <p:txBody>
+          <a:bodyPr/>
+          <a:lstStyle/>
+          <a:p>
+            <a:endParaRPr lang="es-ES_tradnl"/>
+          </a:p>
+        </p:txBody>
+      </p:sp>
+      <p:sp>
+        <p:nvSpPr>
+          <p:cNvPr id="15" name="Text 12"/>
+          <p:cNvSpPr/>
+          <p:nvPr/>
+        </p:nvSpPr>
+        <p:spPr>
+          <a:xfrm>
+            <a:off x="457200" y="3721608"/>
+            <a:ext cx="1920240" cy="347472"/>
           </a:xfrm>
           <a:prstGeom prst="rect">
             <a:avLst/>
@@ -4931,11 +4768,11 @@
           <a:bodyPr wrap="square" rtlCol="0" anchor="ctr"/>
           <a:lstStyle/>
           <a:p>
-            <a:pPr algn="ctr" indent="0" marL="0">
+            <a:pPr marL="0" indent="0" algn="ctr">
               <a:buNone/>
             </a:pPr>
             <a:r>
-              <a:rPr lang="en-US" sz="1300" b="1" dirty="0">
+              <a:rPr lang="en-US" sz="1800" b="1" dirty="0">
                 <a:solidFill>
                   <a:srgbClr val="D4543B"/>
                 </a:solidFill>
@@ -4945,20 +4782,20 @@
               </a:rPr>
               <a:t>95%</a:t>
             </a:r>
-            <a:endParaRPr lang="en-US" sz="1300" dirty="0"/>
-          </a:p>
-        </p:txBody>
-      </p:sp>
-      <p:sp>
-        <p:nvSpPr>
-          <p:cNvPr id="19" name="Text 16"/>
-          <p:cNvSpPr/>
-          <p:nvPr/>
-        </p:nvSpPr>
-        <p:spPr>
-          <a:xfrm>
-            <a:off x="8138160" y="1188720"/>
-            <a:ext cx="1051560" cy="228600"/>
+            <a:endParaRPr lang="en-US" sz="1800" dirty="0"/>
+          </a:p>
+        </p:txBody>
+      </p:sp>
+      <p:sp>
+        <p:nvSpPr>
+          <p:cNvPr id="16" name="Text 13"/>
+          <p:cNvSpPr/>
+          <p:nvPr/>
+        </p:nvSpPr>
+        <p:spPr>
+          <a:xfrm>
+            <a:off x="457200" y="4059936"/>
+            <a:ext cx="1920240" cy="228600"/>
           </a:xfrm>
           <a:prstGeom prst="rect">
             <a:avLst/>
@@ -4970,11 +4807,11 @@
           <a:bodyPr wrap="square" rtlCol="0" anchor="ctr"/>
           <a:lstStyle/>
           <a:p>
-            <a:pPr algn="ctr" indent="0" marL="0">
+            <a:pPr marL="0" indent="0" algn="ctr">
               <a:buNone/>
             </a:pPr>
             <a:r>
-              <a:rPr lang="en-US" sz="850" dirty="0">
+              <a:rPr lang="en-US" sz="1000" dirty="0">
                 <a:solidFill>
                   <a:srgbClr val="666666"/>
                 </a:solidFill>
@@ -4984,20 +4821,20 @@
               </a:rPr>
               <a:t>Service Level</a:t>
             </a:r>
-            <a:endParaRPr lang="en-US" sz="850" dirty="0"/>
-          </a:p>
-        </p:txBody>
-      </p:sp>
-      <p:sp>
-        <p:nvSpPr>
-          <p:cNvPr id="20" name="Shape 17"/>
-          <p:cNvSpPr/>
-          <p:nvPr/>
-        </p:nvSpPr>
-        <p:spPr>
-          <a:xfrm>
-            <a:off x="457200" y="2194560"/>
-            <a:ext cx="8229600" cy="2880360"/>
+            <a:endParaRPr lang="en-US" sz="1000" dirty="0"/>
+          </a:p>
+        </p:txBody>
+      </p:sp>
+      <p:sp>
+        <p:nvSpPr>
+          <p:cNvPr id="17" name="Shape 14"/>
+          <p:cNvSpPr/>
+          <p:nvPr/>
+        </p:nvSpPr>
+        <p:spPr>
+          <a:xfrm>
+            <a:off x="2760132" y="841248"/>
+            <a:ext cx="5926668" cy="3694679"/>
           </a:xfrm>
           <a:prstGeom prst="rect">
             <a:avLst/>
@@ -5007,32 +4844,39 @@
           </a:solidFill>
           <a:ln/>
           <a:effectLst>
-            <a:outerShdw sx="100000" sy="100000" kx="0" ky="0" algn="bl" rotWithShape="0" blurRad="76200" dist="25400" dir="8100000">
+            <a:outerShdw blurRad="76200" dist="25400" dir="8100000" algn="bl" rotWithShape="0">
               <a:srgbClr val="000000">
                 <a:alpha val="10000"/>
               </a:srgbClr>
             </a:outerShdw>
           </a:effectLst>
         </p:spPr>
+        <p:txBody>
+          <a:bodyPr/>
+          <a:lstStyle/>
+          <a:p>
+            <a:endParaRPr lang="es-ES_tradnl"/>
+          </a:p>
+        </p:txBody>
       </p:sp>
       <p:pic>
         <p:nvPicPr>
-          <p:cNvPr id="21" name="Image 1" descr="/sessions/happy-festive-archimedes/charts/chart_05_cell39.png">    </p:cNvPr>
+          <p:cNvPr id="18" name="Image 1" descr="/sessions/happy-festive-archimedes/charts/chart_05_cell39.png"/>
           <p:cNvPicPr>
             <a:picLocks noChangeAspect="1"/>
           </p:cNvPicPr>
           <p:nvPr/>
         </p:nvPicPr>
         <p:blipFill>
-          <a:blip r:embed="rId2"/>
+          <a:blip/>
           <a:stretch>
             <a:fillRect/>
           </a:stretch>
         </p:blipFill>
         <p:spPr>
           <a:xfrm>
-            <a:off x="2648922" y="2194560"/>
-            <a:ext cx="3846156" cy="2880360"/>
+            <a:off x="3264747" y="848217"/>
+            <a:ext cx="4917438" cy="3682635"/>
           </a:xfrm>
           <a:prstGeom prst="rect">
             <a:avLst/>
@@ -5041,14 +4885,63 @@
       </p:pic>
       <p:sp>
         <p:nvSpPr>
-          <p:cNvPr id="22" name="Text 18"/>
-          <p:cNvSpPr/>
-          <p:nvPr/>
-        </p:nvSpPr>
-        <p:spPr>
-          <a:xfrm>
-            <a:off x="457200" y="4709160"/>
-            <a:ext cx="8229600" cy="274320"/>
+          <p:cNvPr id="20" name="Rounded Rectangle 19">
+            <a:extLst>
+              <a:ext uri="{FF2B5EF4-FFF2-40B4-BE49-F238E27FC236}">
+                <a16:creationId xmlns:a16="http://schemas.microsoft.com/office/drawing/2014/main" id="{C570440C-0736-156E-36E9-0E360112E01D}"/>
+              </a:ext>
+            </a:extLst>
+          </p:cNvPr>
+          <p:cNvSpPr/>
+          <p:nvPr/>
+        </p:nvSpPr>
+        <p:spPr>
+          <a:xfrm>
+            <a:off x="75538" y="4537821"/>
+            <a:ext cx="8643068" cy="499010"/>
+          </a:xfrm>
+          <a:prstGeom prst="roundRect">
+            <a:avLst/>
+          </a:prstGeom>
+          <a:solidFill>
+            <a:schemeClr val="accent4"/>
+          </a:solidFill>
+        </p:spPr>
+        <p:style>
+          <a:lnRef idx="2">
+            <a:schemeClr val="accent1">
+              <a:shade val="15000"/>
+            </a:schemeClr>
+          </a:lnRef>
+          <a:fillRef idx="1">
+            <a:schemeClr val="accent1"/>
+          </a:fillRef>
+          <a:effectRef idx="0">
+            <a:schemeClr val="accent1"/>
+          </a:effectRef>
+          <a:fontRef idx="minor">
+            <a:schemeClr val="lt1"/>
+          </a:fontRef>
+        </p:style>
+        <p:txBody>
+          <a:bodyPr rtlCol="0" anchor="ctr"/>
+          <a:lstStyle/>
+          <a:p>
+            <a:pPr algn="ctr"/>
+            <a:endParaRPr lang="en-US"/>
+          </a:p>
+        </p:txBody>
+      </p:sp>
+      <p:sp>
+        <p:nvSpPr>
+          <p:cNvPr id="19" name="Text 15"/>
+          <p:cNvSpPr/>
+          <p:nvPr/>
+        </p:nvSpPr>
+        <p:spPr>
+          <a:xfrm>
+            <a:off x="75538" y="4601828"/>
+            <a:ext cx="8229600" cy="441087"/>
           </a:xfrm>
           <a:prstGeom prst="rect">
             <a:avLst/>
@@ -5060,20 +4953,63 @@
           <a:bodyPr wrap="square" rtlCol="0" anchor="ctr"/>
           <a:lstStyle/>
           <a:p>
-            <a:pPr indent="0" marL="0">
+            <a:r>
+              <a:rPr lang="en-US" sz="900" b="1" i="1" dirty="0">
+                <a:solidFill>
+                  <a:schemeClr val="accent1"/>
+                </a:solidFill>
+                <a:latin typeface="Calibri" pitchFamily="34" charset="0"/>
+                <a:cs typeface="Calibri" pitchFamily="34" charset="-120"/>
+              </a:rPr>
+              <a:t>Key assumptions: </a:t>
+            </a:r>
+          </a:p>
+          <a:p>
+            <a:pPr marL="171450" indent="-171450">
+              <a:buFont typeface="Arial" panose="020B0604020202020204" pitchFamily="34" charset="0"/>
+              <a:buChar char="•"/>
+            </a:pPr>
+            <a:r>
+              <a:rPr lang="en-US" sz="900" i="1" dirty="0">
+                <a:solidFill>
+                  <a:schemeClr val="accent1"/>
+                </a:solidFill>
+                <a:latin typeface="Calibri" pitchFamily="34" charset="0"/>
+                <a:cs typeface="Calibri" pitchFamily="34" charset="-120"/>
+              </a:rPr>
+              <a:t>25% annual holding cost rate; independent customer demands across region.</a:t>
+            </a:r>
+          </a:p>
+          <a:p>
+            <a:pPr marL="171450" indent="-171450">
+              <a:buFont typeface="Arial" panose="020B0604020202020204" pitchFamily="34" charset="0"/>
+              <a:buChar char="•"/>
+            </a:pPr>
+            <a:r>
+              <a:rPr lang="en-US" sz="900" i="1" dirty="0">
+                <a:solidFill>
+                  <a:schemeClr val="accent1"/>
+                </a:solidFill>
+                <a:latin typeface="Calibri" pitchFamily="34" charset="0"/>
+                <a:cs typeface="Calibri" pitchFamily="34" charset="-120"/>
+              </a:rPr>
+              <a:t>Demand pooling at DCs reduces CV → proportionally less safety stock. Periodic Review (R,S) with weekly cycle aligned to customer ordering</a:t>
+            </a:r>
+            <a:r>
+              <a:rPr lang="en-US" sz="900" i="1" dirty="0">
+                <a:solidFill>
+                  <a:schemeClr val="bg1"/>
+                </a:solidFill>
+                <a:latin typeface="Calibri" pitchFamily="34" charset="0"/>
+                <a:cs typeface="Calibri" pitchFamily="34" charset="-120"/>
+              </a:rPr>
+              <a:t>.</a:t>
+            </a:r>
+          </a:p>
+          <a:p>
+            <a:pPr marL="0" indent="0">
               <a:buNone/>
             </a:pPr>
-            <a:r>
-              <a:rPr lang="en-US" sz="900" i="1" dirty="0">
-                <a:solidFill>
-                  <a:srgbClr val="666666"/>
-                </a:solidFill>
-                <a:latin typeface="Calibri" pitchFamily="34" charset="0"/>
-                <a:ea typeface="Calibri" pitchFamily="34" charset="-122"/>
-                <a:cs typeface="Calibri" pitchFamily="34" charset="-120"/>
-              </a:rPr>
-              <a:t>Demand pooling at DCs reduces CV → proportionally less safety stock. All 110 SKUs stocked at both DCs for full availability.</a:t>
-            </a:r>
             <a:endParaRPr lang="en-US" sz="900" dirty="0"/>
           </a:p>
         </p:txBody>
@@ -5379,4 +5315,319 @@
     </a:ext>
   </a:extLst>
 </a:theme>
+</file>
+
+<file path=ppt/theme/theme2.xml><?xml version="1.0" encoding="utf-8"?>
+<a:theme xmlns:a="http://schemas.openxmlformats.org/drawingml/2006/main" name="Office Theme">
+  <a:themeElements>
+    <a:clrScheme name="Office">
+      <a:dk1>
+        <a:sysClr val="windowText" lastClr="000000"/>
+      </a:dk1>
+      <a:lt1>
+        <a:sysClr val="window" lastClr="FFFFFF"/>
+      </a:lt1>
+      <a:dk2>
+        <a:srgbClr val="0E2841"/>
+      </a:dk2>
+      <a:lt2>
+        <a:srgbClr val="E8E8E8"/>
+      </a:lt2>
+      <a:accent1>
+        <a:srgbClr val="156082"/>
+      </a:accent1>
+      <a:accent2>
+        <a:srgbClr val="E97132"/>
+      </a:accent2>
+      <a:accent3>
+        <a:srgbClr val="196B24"/>
+      </a:accent3>
+      <a:accent4>
+        <a:srgbClr val="0F9ED5"/>
+      </a:accent4>
+      <a:accent5>
+        <a:srgbClr val="A02B93"/>
+      </a:accent5>
+      <a:accent6>
+        <a:srgbClr val="4EA72E"/>
+      </a:accent6>
+      <a:hlink>
+        <a:srgbClr val="467886"/>
+      </a:hlink>
+      <a:folHlink>
+        <a:srgbClr val="96607D"/>
+      </a:folHlink>
+    </a:clrScheme>
+    <a:fontScheme name="Office">
+      <a:majorFont>
+        <a:latin typeface="Aptos Display" panose="02110004020202020204"/>
+        <a:ea typeface=""/>
+        <a:cs typeface=""/>
+        <a:font script="Jpan" typeface="游ゴシック Light"/>
+        <a:font script="Hang" typeface="맑은 고딕"/>
+        <a:font script="Hans" typeface="等线 Light"/>
+        <a:font script="Hant" typeface="新細明體"/>
+        <a:font script="Arab" typeface="Times New Roman"/>
+        <a:font script="Hebr" typeface="Times New Roman"/>
+        <a:font script="Thai" typeface="Angsana New"/>
+        <a:font script="Ethi" typeface="Nyala"/>
+        <a:font script="Beng" typeface="Vrinda"/>
+        <a:font script="Gujr" typeface="Shruti"/>
+        <a:font script="Khmr" typeface="MoolBoran"/>
+        <a:font script="Knda" typeface="Tunga"/>
+        <a:font script="Guru" typeface="Raavi"/>
+        <a:font script="Cans" typeface="Euphemia"/>
+        <a:font script="Cher" typeface="Plantagenet Cherokee"/>
+        <a:font script="Yiii" typeface="Microsoft Yi Baiti"/>
+        <a:font script="Tibt" typeface="Microsoft Himalaya"/>
+        <a:font script="Thaa" typeface="MV Boli"/>
+        <a:font script="Deva" typeface="Mangal"/>
+        <a:font script="Telu" typeface="Gautami"/>
+        <a:font script="Taml" typeface="Latha"/>
+        <a:font script="Syrc" typeface="Estrangelo Edessa"/>
+        <a:font script="Orya" typeface="Kalinga"/>
+        <a:font script="Mlym" typeface="Kartika"/>
+        <a:font script="Laoo" typeface="DokChampa"/>
+        <a:font script="Sinh" typeface="Iskoola Pota"/>
+        <a:font script="Mong" typeface="Mongolian Baiti"/>
+        <a:font script="Viet" typeface="Times New Roman"/>
+        <a:font script="Uigh" typeface="Microsoft Uighur"/>
+        <a:font script="Geor" typeface="Sylfaen"/>
+        <a:font script="Armn" typeface="Arial"/>
+        <a:font script="Bugi" typeface="Leelawadee UI"/>
+        <a:font script="Bopo" typeface="Microsoft JhengHei"/>
+        <a:font script="Java" typeface="Javanese Text"/>
+        <a:font script="Lisu" typeface="Segoe UI"/>
+        <a:font script="Mymr" typeface="Myanmar Text"/>
+        <a:font script="Nkoo" typeface="Ebrima"/>
+        <a:font script="Olck" typeface="Nirmala UI"/>
+        <a:font script="Osma" typeface="Ebrima"/>
+        <a:font script="Phag" typeface="Phagspa"/>
+        <a:font script="Syrn" typeface="Estrangelo Edessa"/>
+        <a:font script="Syrj" typeface="Estrangelo Edessa"/>
+        <a:font script="Syre" typeface="Estrangelo Edessa"/>
+        <a:font script="Sora" typeface="Nirmala UI"/>
+        <a:font script="Tale" typeface="Microsoft Tai Le"/>
+        <a:font script="Talu" typeface="Microsoft New Tai Lue"/>
+        <a:font script="Tfng" typeface="Ebrima"/>
+      </a:majorFont>
+      <a:minorFont>
+        <a:latin typeface="Aptos" panose="02110004020202020204"/>
+        <a:ea typeface=""/>
+        <a:cs typeface=""/>
+        <a:font script="Jpan" typeface="游ゴシック"/>
+        <a:font script="Hang" typeface="맑은 고딕"/>
+        <a:font script="Hans" typeface="等线"/>
+        <a:font script="Hant" typeface="新細明體"/>
+        <a:font script="Arab" typeface="Arial"/>
+        <a:font script="Hebr" typeface="Arial"/>
+        <a:font script="Thai" typeface="Cordia New"/>
+        <a:font script="Ethi" typeface="Nyala"/>
+        <a:font script="Beng" typeface="Vrinda"/>
+        <a:font script="Gujr" typeface="Shruti"/>
+        <a:font script="Khmr" typeface="DaunPenh"/>
+        <a:font script="Knda" typeface="Tunga"/>
+        <a:font script="Guru" typeface="Raavi"/>
+        <a:font script="Cans" typeface="Euphemia"/>
+        <a:font script="Cher" typeface="Plantagenet Cherokee"/>
+        <a:font script="Yiii" typeface="Microsoft Yi Baiti"/>
+        <a:font script="Tibt" typeface="Microsoft Himalaya"/>
+        <a:font script="Thaa" typeface="MV Boli"/>
+        <a:font script="Deva" typeface="Mangal"/>
+        <a:font script="Telu" typeface="Gautami"/>
+        <a:font script="Taml" typeface="Latha"/>
+        <a:font script="Syrc" typeface="Estrangelo Edessa"/>
+        <a:font script="Orya" typeface="Kalinga"/>
+        <a:font script="Mlym" typeface="Kartika"/>
+        <a:font script="Laoo" typeface="DokChampa"/>
+        <a:font script="Sinh" typeface="Iskoola Pota"/>
+        <a:font script="Mong" typeface="Mongolian Baiti"/>
+        <a:font script="Viet" typeface="Arial"/>
+        <a:font script="Uigh" typeface="Microsoft Uighur"/>
+        <a:font script="Geor" typeface="Sylfaen"/>
+        <a:font script="Armn" typeface="Arial"/>
+        <a:font script="Bugi" typeface="Leelawadee UI"/>
+        <a:font script="Bopo" typeface="Microsoft JhengHei"/>
+        <a:font script="Java" typeface="Javanese Text"/>
+        <a:font script="Lisu" typeface="Segoe UI"/>
+        <a:font script="Mymr" typeface="Myanmar Text"/>
+        <a:font script="Nkoo" typeface="Ebrima"/>
+        <a:font script="Olck" typeface="Nirmala UI"/>
+        <a:font script="Osma" typeface="Ebrima"/>
+        <a:font script="Phag" typeface="Phagspa"/>
+        <a:font script="Syrn" typeface="Estrangelo Edessa"/>
+        <a:font script="Syrj" typeface="Estrangelo Edessa"/>
+        <a:font script="Syre" typeface="Estrangelo Edessa"/>
+        <a:font script="Sora" typeface="Nirmala UI"/>
+        <a:font script="Tale" typeface="Microsoft Tai Le"/>
+        <a:font script="Talu" typeface="Microsoft New Tai Lue"/>
+        <a:font script="Tfng" typeface="Ebrima"/>
+      </a:minorFont>
+    </a:fontScheme>
+    <a:fmtScheme name="Office">
+      <a:fillStyleLst>
+        <a:solidFill>
+          <a:schemeClr val="phClr"/>
+        </a:solidFill>
+        <a:gradFill rotWithShape="1">
+          <a:gsLst>
+            <a:gs pos="0">
+              <a:schemeClr val="phClr">
+                <a:lumMod val="110000"/>
+                <a:satMod val="105000"/>
+                <a:tint val="67000"/>
+              </a:schemeClr>
+            </a:gs>
+            <a:gs pos="50000">
+              <a:schemeClr val="phClr">
+                <a:lumMod val="105000"/>
+                <a:satMod val="103000"/>
+                <a:tint val="73000"/>
+              </a:schemeClr>
+            </a:gs>
+            <a:gs pos="100000">
+              <a:schemeClr val="phClr">
+                <a:lumMod val="105000"/>
+                <a:satMod val="109000"/>
+                <a:tint val="81000"/>
+              </a:schemeClr>
+            </a:gs>
+          </a:gsLst>
+          <a:lin ang="5400000" scaled="0"/>
+        </a:gradFill>
+        <a:gradFill rotWithShape="1">
+          <a:gsLst>
+            <a:gs pos="0">
+              <a:schemeClr val="phClr">
+                <a:satMod val="103000"/>
+                <a:lumMod val="102000"/>
+                <a:tint val="94000"/>
+              </a:schemeClr>
+            </a:gs>
+            <a:gs pos="50000">
+              <a:schemeClr val="phClr">
+                <a:satMod val="110000"/>
+                <a:lumMod val="100000"/>
+                <a:shade val="100000"/>
+              </a:schemeClr>
+            </a:gs>
+            <a:gs pos="100000">
+              <a:schemeClr val="phClr">
+                <a:lumMod val="99000"/>
+                <a:satMod val="120000"/>
+                <a:shade val="78000"/>
+              </a:schemeClr>
+            </a:gs>
+          </a:gsLst>
+          <a:lin ang="5400000" scaled="0"/>
+        </a:gradFill>
+      </a:fillStyleLst>
+      <a:lnStyleLst>
+        <a:ln w="12700" cap="flat" cmpd="sng" algn="ctr">
+          <a:solidFill>
+            <a:schemeClr val="phClr"/>
+          </a:solidFill>
+          <a:prstDash val="solid"/>
+          <a:miter lim="800000"/>
+        </a:ln>
+        <a:ln w="19050" cap="flat" cmpd="sng" algn="ctr">
+          <a:solidFill>
+            <a:schemeClr val="phClr"/>
+          </a:solidFill>
+          <a:prstDash val="solid"/>
+          <a:miter lim="800000"/>
+        </a:ln>
+        <a:ln w="25400" cap="flat" cmpd="sng" algn="ctr">
+          <a:solidFill>
+            <a:schemeClr val="phClr"/>
+          </a:solidFill>
+          <a:prstDash val="solid"/>
+          <a:miter lim="800000"/>
+        </a:ln>
+      </a:lnStyleLst>
+      <a:effectStyleLst>
+        <a:effectStyle>
+          <a:effectLst/>
+        </a:effectStyle>
+        <a:effectStyle>
+          <a:effectLst/>
+        </a:effectStyle>
+        <a:effectStyle>
+          <a:effectLst>
+            <a:outerShdw blurRad="57150" dist="19050" dir="5400000" algn="ctr" rotWithShape="0">
+              <a:srgbClr val="000000">
+                <a:alpha val="63000"/>
+              </a:srgbClr>
+            </a:outerShdw>
+          </a:effectLst>
+        </a:effectStyle>
+      </a:effectStyleLst>
+      <a:bgFillStyleLst>
+        <a:solidFill>
+          <a:schemeClr val="phClr"/>
+        </a:solidFill>
+        <a:solidFill>
+          <a:schemeClr val="phClr">
+            <a:tint val="95000"/>
+            <a:satMod val="170000"/>
+          </a:schemeClr>
+        </a:solidFill>
+        <a:gradFill rotWithShape="1">
+          <a:gsLst>
+            <a:gs pos="0">
+              <a:schemeClr val="phClr">
+                <a:tint val="93000"/>
+                <a:satMod val="150000"/>
+                <a:shade val="98000"/>
+                <a:lumMod val="102000"/>
+              </a:schemeClr>
+            </a:gs>
+            <a:gs pos="50000">
+              <a:schemeClr val="phClr">
+                <a:tint val="98000"/>
+                <a:satMod val="130000"/>
+                <a:shade val="90000"/>
+                <a:lumMod val="103000"/>
+              </a:schemeClr>
+            </a:gs>
+            <a:gs pos="100000">
+              <a:schemeClr val="phClr">
+                <a:shade val="63000"/>
+                <a:satMod val="120000"/>
+              </a:schemeClr>
+            </a:gs>
+          </a:gsLst>
+          <a:lin ang="5400000" scaled="0"/>
+        </a:gradFill>
+      </a:bgFillStyleLst>
+    </a:fmtScheme>
+  </a:themeElements>
+  <a:objectDefaults>
+    <a:lnDef>
+      <a:spPr/>
+      <a:bodyPr/>
+      <a:lstStyle/>
+      <a:style>
+        <a:lnRef idx="2">
+          <a:schemeClr val="accent1"/>
+        </a:lnRef>
+        <a:fillRef idx="0">
+          <a:schemeClr val="accent1"/>
+        </a:fillRef>
+        <a:effectRef idx="1">
+          <a:schemeClr val="accent1"/>
+        </a:effectRef>
+        <a:fontRef idx="minor">
+          <a:schemeClr val="tx1"/>
+        </a:fontRef>
+      </a:style>
+    </a:lnDef>
+  </a:objectDefaults>
+  <a:extraClrSchemeLst/>
+  <a:extLst>
+    <a:ext uri="{05A4C25C-085E-4340-85A3-A5531E510DB2}">
+      <thm15:themeFamily xmlns:thm15="http://schemas.microsoft.com/office/thememl/2012/main" name="Office Theme" id="{2E142A2C-CD16-42D6-873A-C26D2A0506FA}" vid="{1BDDFF52-6CD6-40A5-AB3C-68EB2F1E4D0A}"/>
+    </a:ext>
+  </a:extLst>
+</a:theme>
 </file>
--- a/CanDi_Supply_Chain_Presentation.pptx
+++ b/CanDi_Supply_Chain_Presentation.pptx
@@ -1876,9 +1876,334 @@
           </a:p>
         </p:txBody>
       </p:sp>
+      <p:sp>
+        <p:nvSpPr>
+          <p:cNvPr id="6" name="Text 3"/>
+          <p:cNvSpPr/>
+          <p:nvPr/>
+        </p:nvSpPr>
+        <p:spPr>
+          <a:xfrm>
+            <a:off x="5257800" y="782713"/>
+            <a:ext cx="3657600" cy="579743"/>
+          </a:xfrm>
+          <a:prstGeom prst="rect">
+            <a:avLst/>
+          </a:prstGeom>
+          <a:noFill/>
+          <a:ln/>
+        </p:spPr>
+        <p:txBody>
+          <a:bodyPr wrap="square" rtlCol="0" anchor="ctr"/>
+          <a:lstStyle/>
+          <a:p>
+            <a:pPr marL="0" indent="0">
+              <a:buNone/>
+            </a:pPr>
+            <a:r>
+              <a:rPr lang="en-US" sz="3200" b="1" dirty="0">
+                <a:solidFill>
+                  <a:srgbClr val="3AAE94"/>
+                </a:solidFill>
+                <a:latin typeface="Georgia" pitchFamily="34" charset="0"/>
+                <a:ea typeface="Georgia" pitchFamily="34" charset="-122"/>
+                <a:cs typeface="Georgia" pitchFamily="34" charset="-120"/>
+              </a:rPr>
+              <a:t>~$1M/yr</a:t>
+            </a:r>
+            <a:endParaRPr lang="en-US" sz="3200" dirty="0"/>
+          </a:p>
+        </p:txBody>
+      </p:sp>
+      <p:sp>
+        <p:nvSpPr>
+          <p:cNvPr id="7" name="Text 4"/>
+          <p:cNvSpPr/>
+          <p:nvPr/>
+        </p:nvSpPr>
+        <p:spPr>
+          <a:xfrm>
+            <a:off x="5343276" y="1316737"/>
+            <a:ext cx="3572123" cy="274320"/>
+          </a:xfrm>
+          <a:prstGeom prst="rect">
+            <a:avLst/>
+          </a:prstGeom>
+          <a:noFill/>
+          <a:ln/>
+        </p:spPr>
+        <p:txBody>
+          <a:bodyPr wrap="square" rtlCol="0" anchor="ctr"/>
+          <a:lstStyle/>
+          <a:p>
+            <a:r>
+              <a:rPr lang="en-US" sz="1200" b="1" dirty="0">
+                <a:solidFill>
+                  <a:srgbClr val="3AAE94"/>
+                </a:solidFill>
+                <a:latin typeface="Georgia" pitchFamily="34" charset="0"/>
+              </a:rPr>
+              <a:t>(vs. all-direct LTL from NY at $2.7M/yr)</a:t>
+            </a:r>
+          </a:p>
+        </p:txBody>
+      </p:sp>
+      <p:sp>
+        <p:nvSpPr>
+          <p:cNvPr id="9" name="Text 5"/>
+          <p:cNvSpPr/>
+          <p:nvPr/>
+        </p:nvSpPr>
+        <p:spPr>
+          <a:xfrm>
+            <a:off x="5605272" y="2002537"/>
+            <a:ext cx="3474720" cy="347472"/>
+          </a:xfrm>
+          <a:prstGeom prst="rect">
+            <a:avLst/>
+          </a:prstGeom>
+          <a:noFill/>
+          <a:ln/>
+        </p:spPr>
+        <p:txBody>
+          <a:bodyPr wrap="square" rtlCol="0" anchor="ctr"/>
+          <a:lstStyle/>
+          <a:p>
+            <a:r>
+              <a:rPr lang="en-US" sz="1000" dirty="0">
+                <a:solidFill>
+                  <a:srgbClr val="FFFFFF"/>
+                </a:solidFill>
+                <a:latin typeface="Calibri" pitchFamily="34" charset="0"/>
+                <a:ea typeface="Calibri" pitchFamily="34" charset="-122"/>
+                <a:cs typeface="Calibri" pitchFamily="34" charset="-120"/>
+              </a:rPr>
+              <a:t>CT + MA DCs: $1.67M/yr total cost. Supply with FTL trunk-line to DCs. From DCs 3PL handles last-mile coordination to customers.</a:t>
+            </a:r>
+            <a:endParaRPr lang="en-US" sz="1000" dirty="0"/>
+          </a:p>
+          <a:p>
+            <a:endParaRPr lang="en-US" sz="1250" dirty="0"/>
+          </a:p>
+        </p:txBody>
+      </p:sp>
+      <p:sp>
+        <p:nvSpPr>
+          <p:cNvPr id="11" name="Text 6"/>
+          <p:cNvSpPr/>
+          <p:nvPr/>
+        </p:nvSpPr>
+        <p:spPr>
+          <a:xfrm>
+            <a:off x="5605272" y="2478607"/>
+            <a:ext cx="3474720" cy="347472"/>
+          </a:xfrm>
+          <a:prstGeom prst="rect">
+            <a:avLst/>
+          </a:prstGeom>
+          <a:noFill/>
+          <a:ln/>
+        </p:spPr>
+        <p:txBody>
+          <a:bodyPr wrap="square" rtlCol="0" anchor="ctr"/>
+          <a:lstStyle/>
+          <a:p>
+            <a:r>
+              <a:rPr lang="en-US" sz="1000" dirty="0">
+                <a:solidFill>
+                  <a:schemeClr val="bg1"/>
+                </a:solidFill>
+              </a:rPr>
+              <a:t>ME weekly leased truck from NY ($93.6K/yr). Far cheaper than a $200K DC for only 4% of volume.</a:t>
+            </a:r>
+          </a:p>
+        </p:txBody>
+      </p:sp>
+      <p:sp>
+        <p:nvSpPr>
+          <p:cNvPr id="13" name="Text 7"/>
+          <p:cNvSpPr/>
+          <p:nvPr/>
+        </p:nvSpPr>
+        <p:spPr>
+          <a:xfrm>
+            <a:off x="5605272" y="2568563"/>
+            <a:ext cx="3474720" cy="347472"/>
+          </a:xfrm>
+          <a:prstGeom prst="rect">
+            <a:avLst/>
+          </a:prstGeom>
+          <a:noFill/>
+          <a:ln/>
+        </p:spPr>
+        <p:txBody>
+          <a:bodyPr wrap="square" rtlCol="0" anchor="ctr"/>
+          <a:lstStyle/>
+          <a:p>
+            <a:pPr marL="0" indent="0">
+              <a:buNone/>
+            </a:pPr>
+            <a:endParaRPr lang="en-US" sz="1250" dirty="0"/>
+          </a:p>
+        </p:txBody>
+      </p:sp>
+      <p:sp>
+        <p:nvSpPr>
+          <p:cNvPr id="15" name="Text 8"/>
+          <p:cNvSpPr/>
+          <p:nvPr/>
+        </p:nvSpPr>
+        <p:spPr>
+          <a:xfrm>
+            <a:off x="5605272" y="2998331"/>
+            <a:ext cx="3474720" cy="347472"/>
+          </a:xfrm>
+          <a:prstGeom prst="rect">
+            <a:avLst/>
+          </a:prstGeom>
+          <a:noFill/>
+          <a:ln/>
+        </p:spPr>
+        <p:txBody>
+          <a:bodyPr wrap="square" rtlCol="0" anchor="ctr"/>
+          <a:lstStyle/>
+          <a:p>
+            <a:pPr marL="0" indent="0">
+              <a:buNone/>
+            </a:pPr>
+            <a:r>
+              <a:rPr lang="en-US" sz="1000" dirty="0">
+                <a:solidFill>
+                  <a:srgbClr val="FFFFFF"/>
+                </a:solidFill>
+                <a:latin typeface="Calibri" pitchFamily="34" charset="0"/>
+                <a:ea typeface="Calibri" pitchFamily="34" charset="-122"/>
+                <a:cs typeface="Calibri" pitchFamily="34" charset="-120"/>
+              </a:rPr>
+              <a:t>We chose Periodic Review (R,S) — weekly cycle as our go to replenishment method. DCs wont have mixed boxes while ME will allow mixed boxes because lower demand.</a:t>
+            </a:r>
+            <a:endParaRPr lang="en-US" sz="1000" dirty="0"/>
+          </a:p>
+        </p:txBody>
+      </p:sp>
+      <p:sp>
+        <p:nvSpPr>
+          <p:cNvPr id="17" name="Text 9"/>
+          <p:cNvSpPr/>
+          <p:nvPr/>
+        </p:nvSpPr>
+        <p:spPr>
+          <a:xfrm>
+            <a:off x="5605272" y="3428099"/>
+            <a:ext cx="3474720" cy="347472"/>
+          </a:xfrm>
+          <a:prstGeom prst="rect">
+            <a:avLst/>
+          </a:prstGeom>
+          <a:noFill/>
+          <a:ln/>
+        </p:spPr>
+        <p:txBody>
+          <a:bodyPr wrap="square" rtlCol="0" anchor="ctr"/>
+          <a:lstStyle/>
+          <a:p>
+            <a:pPr marL="0" indent="0">
+              <a:buNone/>
+            </a:pPr>
+            <a:r>
+              <a:rPr lang="en-US" sz="1000" dirty="0">
+                <a:solidFill>
+                  <a:srgbClr val="FFFFFF"/>
+                </a:solidFill>
+                <a:latin typeface="Calibri" pitchFamily="34" charset="0"/>
+                <a:ea typeface="Calibri" pitchFamily="34" charset="-122"/>
+                <a:cs typeface="Calibri" pitchFamily="34" charset="-120"/>
+              </a:rPr>
+              <a:t>Maine DC not justified ($200K for 9 pallets/wk)</a:t>
+            </a:r>
+            <a:endParaRPr lang="en-US" sz="1000" dirty="0"/>
+          </a:p>
+        </p:txBody>
+      </p:sp>
+      <p:sp>
+        <p:nvSpPr>
+          <p:cNvPr id="19" name="Text 10"/>
+          <p:cNvSpPr/>
+          <p:nvPr/>
+        </p:nvSpPr>
+        <p:spPr>
+          <a:xfrm>
+            <a:off x="5605272" y="3857867"/>
+            <a:ext cx="3474720" cy="347472"/>
+          </a:xfrm>
+          <a:prstGeom prst="rect">
+            <a:avLst/>
+          </a:prstGeom>
+          <a:noFill/>
+          <a:ln/>
+        </p:spPr>
+        <p:txBody>
+          <a:bodyPr wrap="square" rtlCol="0" anchor="ctr"/>
+          <a:lstStyle/>
+          <a:p>
+            <a:pPr marL="0" indent="0">
+              <a:buNone/>
+            </a:pPr>
+            <a:r>
+              <a:rPr lang="en-US" sz="1000" dirty="0">
+                <a:solidFill>
+                  <a:srgbClr val="FFFFFF"/>
+                </a:solidFill>
+                <a:latin typeface="Calibri" pitchFamily="34" charset="0"/>
+                <a:ea typeface="Calibri" pitchFamily="34" charset="-122"/>
+                <a:cs typeface="Calibri" pitchFamily="34" charset="-120"/>
+              </a:rPr>
+              <a:t>All-direct from NY: $2.7M — too expensive</a:t>
+            </a:r>
+            <a:endParaRPr lang="en-US" sz="1000" dirty="0"/>
+          </a:p>
+        </p:txBody>
+      </p:sp>
+      <p:sp>
+        <p:nvSpPr>
+          <p:cNvPr id="20" name="Text 11"/>
+          <p:cNvSpPr/>
+          <p:nvPr/>
+        </p:nvSpPr>
+        <p:spPr>
+          <a:xfrm>
+            <a:off x="5257800" y="4360787"/>
+            <a:ext cx="3657600" cy="411480"/>
+          </a:xfrm>
+          <a:prstGeom prst="rect">
+            <a:avLst/>
+          </a:prstGeom>
+          <a:noFill/>
+          <a:ln/>
+        </p:spPr>
+        <p:txBody>
+          <a:bodyPr wrap="square" rtlCol="0" anchor="ctr"/>
+          <a:lstStyle/>
+          <a:p>
+            <a:pPr marL="0" indent="0">
+              <a:lnSpc>
+                <a:spcPct val="120000"/>
+              </a:lnSpc>
+              <a:buNone/>
+            </a:pPr>
+            <a:endParaRPr lang="en-US" sz="950" dirty="0"/>
+          </a:p>
+        </p:txBody>
+      </p:sp>
       <p:pic>
         <p:nvPicPr>
-          <p:cNvPr id="5" name="Image 0" descr="/sessions/happy-festive-archimedes/charts/chart_07_cell46.png"/>
+          <p:cNvPr id="21" name="Image 0" descr="/sessions/happy-festive-archimedes/charts/chart_07_cell46.png">
+            <a:extLst>
+              <a:ext uri="{FF2B5EF4-FFF2-40B4-BE49-F238E27FC236}">
+                <a16:creationId xmlns:a16="http://schemas.microsoft.com/office/drawing/2014/main" id="{2A12A114-E529-4972-327C-5ABFF732C6F8}"/>
+              </a:ext>
+            </a:extLst>
+          </p:cNvPr>
           <p:cNvPicPr>
             <a:picLocks noChangeAspect="1"/>
           </p:cNvPicPr>
@@ -1900,95 +2225,29 @@
           </a:prstGeom>
         </p:spPr>
       </p:pic>
-      <p:sp>
-        <p:nvSpPr>
-          <p:cNvPr id="6" name="Text 3"/>
-          <p:cNvSpPr/>
-          <p:nvPr/>
-        </p:nvSpPr>
-        <p:spPr>
-          <a:xfrm>
-            <a:off x="5257800" y="782713"/>
-            <a:ext cx="3657600" cy="579743"/>
-          </a:xfrm>
-          <a:prstGeom prst="rect">
-            <a:avLst/>
-          </a:prstGeom>
-          <a:noFill/>
-          <a:ln/>
-        </p:spPr>
-        <p:txBody>
-          <a:bodyPr wrap="square" rtlCol="0" anchor="ctr"/>
-          <a:lstStyle/>
-          <a:p>
-            <a:pPr marL="0" indent="0">
-              <a:buNone/>
-            </a:pPr>
-            <a:r>
-              <a:rPr lang="en-US" sz="3200" b="1" dirty="0">
-                <a:solidFill>
-                  <a:srgbClr val="3AAE94"/>
-                </a:solidFill>
-                <a:latin typeface="Georgia" pitchFamily="34" charset="0"/>
-                <a:ea typeface="Georgia" pitchFamily="34" charset="-122"/>
-                <a:cs typeface="Georgia" pitchFamily="34" charset="-120"/>
-              </a:rPr>
-              <a:t>~$1M/yr</a:t>
-            </a:r>
-            <a:endParaRPr lang="en-US" sz="3200" dirty="0"/>
-          </a:p>
-        </p:txBody>
-      </p:sp>
-      <p:sp>
-        <p:nvSpPr>
-          <p:cNvPr id="7" name="Text 4"/>
-          <p:cNvSpPr/>
-          <p:nvPr/>
-        </p:nvSpPr>
-        <p:spPr>
-          <a:xfrm>
-            <a:off x="5343276" y="1316737"/>
-            <a:ext cx="3572123" cy="274320"/>
-          </a:xfrm>
-          <a:prstGeom prst="rect">
-            <a:avLst/>
-          </a:prstGeom>
-          <a:noFill/>
-          <a:ln/>
-        </p:spPr>
-        <p:txBody>
-          <a:bodyPr wrap="square" rtlCol="0" anchor="ctr"/>
-          <a:lstStyle/>
-          <a:p>
-            <a:r>
-              <a:rPr lang="en-US" sz="1200" b="1" dirty="0">
-                <a:solidFill>
-                  <a:srgbClr val="3AAE94"/>
-                </a:solidFill>
-                <a:latin typeface="Georgia" pitchFamily="34" charset="0"/>
-              </a:rPr>
-              <a:t>(vs. all-direct LTL from NY at $2.7M/yr)</a:t>
-            </a:r>
-          </a:p>
-        </p:txBody>
-      </p:sp>
       <p:pic>
         <p:nvPicPr>
-          <p:cNvPr id="8" name="Image 1" descr="preencoded.png"/>
+          <p:cNvPr id="22" name="Image 1" descr="preencoded.png">
+            <a:extLst>
+              <a:ext uri="{FF2B5EF4-FFF2-40B4-BE49-F238E27FC236}">
+                <a16:creationId xmlns:a16="http://schemas.microsoft.com/office/drawing/2014/main" id="{60C98170-9911-FE92-66DE-F04A6300A14D}"/>
+              </a:ext>
+            </a:extLst>
+          </p:cNvPr>
           <p:cNvPicPr>
             <a:picLocks noChangeAspect="1"/>
           </p:cNvPicPr>
           <p:nvPr/>
         </p:nvPicPr>
         <p:blipFill>
-          <a:blip r:embed="rId3"/>
+          <a:blip r:embed="rId4"/>
           <a:stretch>
             <a:fillRect/>
           </a:stretch>
         </p:blipFill>
         <p:spPr>
           <a:xfrm>
-            <a:off x="5255812" y="1824626"/>
+            <a:off x="5257800" y="1896481"/>
             <a:ext cx="228600" cy="228600"/>
           </a:xfrm>
           <a:prstGeom prst="rect">
@@ -1996,94 +2255,29 @@
           </a:prstGeom>
         </p:spPr>
       </p:pic>
-      <p:sp>
-        <p:nvSpPr>
-          <p:cNvPr id="9" name="Text 5"/>
-          <p:cNvSpPr/>
-          <p:nvPr/>
-        </p:nvSpPr>
-        <p:spPr>
-          <a:xfrm>
-            <a:off x="5605272" y="2002537"/>
-            <a:ext cx="3474720" cy="347472"/>
-          </a:xfrm>
-          <a:prstGeom prst="rect">
-            <a:avLst/>
-          </a:prstGeom>
-          <a:noFill/>
-          <a:ln/>
-        </p:spPr>
-        <p:txBody>
-          <a:bodyPr wrap="square" rtlCol="0" anchor="ctr"/>
-          <a:lstStyle/>
-          <a:p>
-            <a:r>
-              <a:rPr lang="en-US" sz="1000" dirty="0">
-                <a:solidFill>
-                  <a:srgbClr val="FFFFFF"/>
-                </a:solidFill>
-                <a:latin typeface="Calibri" pitchFamily="34" charset="0"/>
-                <a:ea typeface="Calibri" pitchFamily="34" charset="-122"/>
-                <a:cs typeface="Calibri" pitchFamily="34" charset="-120"/>
-              </a:rPr>
-              <a:t>CT + MA DCs: $1.67M/yr total cost. Supply with FTL trunk-line to DCs. From DCs 3PL handles last-mile coordination to customers.</a:t>
-            </a:r>
-            <a:endParaRPr lang="en-US" sz="1000" dirty="0"/>
-          </a:p>
-          <a:p>
-            <a:endParaRPr lang="en-US" sz="1250" dirty="0"/>
-          </a:p>
-        </p:txBody>
-      </p:sp>
-      <p:sp>
-        <p:nvSpPr>
-          <p:cNvPr id="11" name="Text 6"/>
-          <p:cNvSpPr/>
-          <p:nvPr/>
-        </p:nvSpPr>
-        <p:spPr>
-          <a:xfrm>
-            <a:off x="5605272" y="2478607"/>
-            <a:ext cx="3474720" cy="347472"/>
-          </a:xfrm>
-          <a:prstGeom prst="rect">
-            <a:avLst/>
-          </a:prstGeom>
-          <a:noFill/>
-          <a:ln/>
-        </p:spPr>
-        <p:txBody>
-          <a:bodyPr wrap="square" rtlCol="0" anchor="ctr"/>
-          <a:lstStyle/>
-          <a:p>
-            <a:r>
-              <a:rPr lang="en-US" sz="1000" dirty="0">
-                <a:solidFill>
-                  <a:schemeClr val="bg1"/>
-                </a:solidFill>
-              </a:rPr>
-              <a:t>ME weekly leased truck from NY ($93.6K/yr). Far cheaper than a $200K DC for only 4% of volume.</a:t>
-            </a:r>
-          </a:p>
-        </p:txBody>
-      </p:sp>
       <p:pic>
         <p:nvPicPr>
-          <p:cNvPr id="12" name="Image 3" descr="preencoded.png"/>
+          <p:cNvPr id="23" name="Image 1" descr="preencoded.png">
+            <a:extLst>
+              <a:ext uri="{FF2B5EF4-FFF2-40B4-BE49-F238E27FC236}">
+                <a16:creationId xmlns:a16="http://schemas.microsoft.com/office/drawing/2014/main" id="{D480ADFC-F70E-9961-B7AC-63E7B1501979}"/>
+              </a:ext>
+            </a:extLst>
+          </p:cNvPr>
           <p:cNvPicPr>
             <a:picLocks noChangeAspect="1"/>
           </p:cNvPicPr>
           <p:nvPr/>
         </p:nvPicPr>
         <p:blipFill>
-          <a:blip r:embed="rId3"/>
+          <a:blip r:embed="rId4"/>
           <a:stretch>
             <a:fillRect/>
           </a:stretch>
         </p:blipFill>
         <p:spPr>
           <a:xfrm>
-            <a:off x="5255812" y="2511115"/>
+            <a:off x="5257800" y="2554849"/>
             <a:ext cx="228600" cy="228600"/>
           </a:xfrm>
           <a:prstGeom prst="rect">
@@ -2091,51 +2285,29 @@
           </a:prstGeom>
         </p:spPr>
       </p:pic>
-      <p:sp>
-        <p:nvSpPr>
-          <p:cNvPr id="13" name="Text 7"/>
-          <p:cNvSpPr/>
-          <p:nvPr/>
-        </p:nvSpPr>
-        <p:spPr>
-          <a:xfrm>
-            <a:off x="5605272" y="2568563"/>
-            <a:ext cx="3474720" cy="347472"/>
-          </a:xfrm>
-          <a:prstGeom prst="rect">
-            <a:avLst/>
-          </a:prstGeom>
-          <a:noFill/>
-          <a:ln/>
-        </p:spPr>
-        <p:txBody>
-          <a:bodyPr wrap="square" rtlCol="0" anchor="ctr"/>
-          <a:lstStyle/>
-          <a:p>
-            <a:pPr marL="0" indent="0">
-              <a:buNone/>
-            </a:pPr>
-            <a:endParaRPr lang="en-US" sz="1250" dirty="0"/>
-          </a:p>
-        </p:txBody>
-      </p:sp>
       <p:pic>
         <p:nvPicPr>
-          <p:cNvPr id="14" name="Image 4" descr="preencoded.png"/>
+          <p:cNvPr id="24" name="Image 1" descr="preencoded.png">
+            <a:extLst>
+              <a:ext uri="{FF2B5EF4-FFF2-40B4-BE49-F238E27FC236}">
+                <a16:creationId xmlns:a16="http://schemas.microsoft.com/office/drawing/2014/main" id="{1DBFE389-ACED-5E7F-0727-6646E27285C9}"/>
+              </a:ext>
+            </a:extLst>
+          </p:cNvPr>
           <p:cNvPicPr>
             <a:picLocks noChangeAspect="1"/>
           </p:cNvPicPr>
           <p:nvPr/>
         </p:nvPicPr>
         <p:blipFill>
-          <a:blip r:embed="rId3"/>
+          <a:blip r:embed="rId4"/>
           <a:stretch>
             <a:fillRect/>
           </a:stretch>
         </p:blipFill>
         <p:spPr>
           <a:xfrm>
-            <a:off x="5257800" y="3044051"/>
+            <a:off x="5257800" y="3025765"/>
             <a:ext cx="228600" cy="228600"/>
           </a:xfrm>
           <a:prstGeom prst="rect">
@@ -2143,62 +2315,29 @@
           </a:prstGeom>
         </p:spPr>
       </p:pic>
-      <p:sp>
-        <p:nvSpPr>
-          <p:cNvPr id="15" name="Text 8"/>
-          <p:cNvSpPr/>
-          <p:nvPr/>
-        </p:nvSpPr>
-        <p:spPr>
-          <a:xfrm>
-            <a:off x="5605272" y="2998331"/>
-            <a:ext cx="3474720" cy="347472"/>
-          </a:xfrm>
-          <a:prstGeom prst="rect">
-            <a:avLst/>
-          </a:prstGeom>
-          <a:noFill/>
-          <a:ln/>
-        </p:spPr>
-        <p:txBody>
-          <a:bodyPr wrap="square" rtlCol="0" anchor="ctr"/>
-          <a:lstStyle/>
-          <a:p>
-            <a:pPr marL="0" indent="0">
-              <a:buNone/>
-            </a:pPr>
-            <a:r>
-              <a:rPr lang="en-US" sz="1000" dirty="0">
-                <a:solidFill>
-                  <a:srgbClr val="FFFFFF"/>
-                </a:solidFill>
-                <a:latin typeface="Calibri" pitchFamily="34" charset="0"/>
-                <a:ea typeface="Calibri" pitchFamily="34" charset="-122"/>
-                <a:cs typeface="Calibri" pitchFamily="34" charset="-120"/>
-              </a:rPr>
-              <a:t>We chose Periodic Review (R,S) — weekly cycle as our go to replenishment method. DCs wont have mixed boxes while ME will allow mixed boxes because lower demand.</a:t>
-            </a:r>
-            <a:endParaRPr lang="en-US" sz="1000" dirty="0"/>
-          </a:p>
-        </p:txBody>
-      </p:sp>
       <p:pic>
         <p:nvPicPr>
-          <p:cNvPr id="16" name="Image 5" descr="preencoded.png"/>
+          <p:cNvPr id="25" name="Image 5" descr="preencoded.png">
+            <a:extLst>
+              <a:ext uri="{FF2B5EF4-FFF2-40B4-BE49-F238E27FC236}">
+                <a16:creationId xmlns:a16="http://schemas.microsoft.com/office/drawing/2014/main" id="{9F16E527-251B-7059-8997-AA026D45D13E}"/>
+              </a:ext>
+            </a:extLst>
+          </p:cNvPr>
           <p:cNvPicPr>
             <a:picLocks noChangeAspect="1"/>
           </p:cNvPicPr>
           <p:nvPr/>
         </p:nvPicPr>
         <p:blipFill>
-          <a:blip r:embed="rId3"/>
+          <a:blip r:embed="rId5"/>
           <a:stretch>
             <a:fillRect/>
           </a:stretch>
         </p:blipFill>
         <p:spPr>
           <a:xfrm>
-            <a:off x="5257800" y="3473819"/>
+            <a:off x="5257800" y="3510395"/>
             <a:ext cx="228600" cy="228600"/>
           </a:xfrm>
           <a:prstGeom prst="rect">
@@ -2206,62 +2345,29 @@
           </a:prstGeom>
         </p:spPr>
       </p:pic>
-      <p:sp>
-        <p:nvSpPr>
-          <p:cNvPr id="17" name="Text 9"/>
-          <p:cNvSpPr/>
-          <p:nvPr/>
-        </p:nvSpPr>
-        <p:spPr>
-          <a:xfrm>
-            <a:off x="5605272" y="3428099"/>
-            <a:ext cx="3474720" cy="347472"/>
-          </a:xfrm>
-          <a:prstGeom prst="rect">
-            <a:avLst/>
-          </a:prstGeom>
-          <a:noFill/>
-          <a:ln/>
-        </p:spPr>
-        <p:txBody>
-          <a:bodyPr wrap="square" rtlCol="0" anchor="ctr"/>
-          <a:lstStyle/>
-          <a:p>
-            <a:pPr marL="0" indent="0">
-              <a:buNone/>
-            </a:pPr>
-            <a:r>
-              <a:rPr lang="en-US" sz="1000" dirty="0">
-                <a:solidFill>
-                  <a:srgbClr val="FFFFFF"/>
-                </a:solidFill>
-                <a:latin typeface="Calibri" pitchFamily="34" charset="0"/>
-                <a:ea typeface="Calibri" pitchFamily="34" charset="-122"/>
-                <a:cs typeface="Calibri" pitchFamily="34" charset="-120"/>
-              </a:rPr>
-              <a:t>Maine DC not justified ($200K for 9 pallets/wk)</a:t>
-            </a:r>
-            <a:endParaRPr lang="en-US" sz="1000" dirty="0"/>
-          </a:p>
-        </p:txBody>
-      </p:sp>
       <p:pic>
         <p:nvPicPr>
-          <p:cNvPr id="18" name="Image 6" descr="preencoded.png"/>
+          <p:cNvPr id="26" name="Image 5" descr="preencoded.png">
+            <a:extLst>
+              <a:ext uri="{FF2B5EF4-FFF2-40B4-BE49-F238E27FC236}">
+                <a16:creationId xmlns:a16="http://schemas.microsoft.com/office/drawing/2014/main" id="{D735E26F-C725-353A-1E46-37BB29D63EEE}"/>
+              </a:ext>
+            </a:extLst>
+          </p:cNvPr>
           <p:cNvPicPr>
             <a:picLocks noChangeAspect="1"/>
           </p:cNvPicPr>
           <p:nvPr/>
         </p:nvPicPr>
         <p:blipFill>
-          <a:blip r:embed="rId3"/>
+          <a:blip r:embed="rId5"/>
           <a:stretch>
             <a:fillRect/>
           </a:stretch>
         </p:blipFill>
         <p:spPr>
           <a:xfrm>
-            <a:off x="5257800" y="3903587"/>
+            <a:off x="5257800" y="3917303"/>
             <a:ext cx="228600" cy="228600"/>
           </a:xfrm>
           <a:prstGeom prst="rect">
@@ -2269,76 +2375,6 @@
           </a:prstGeom>
         </p:spPr>
       </p:pic>
-      <p:sp>
-        <p:nvSpPr>
-          <p:cNvPr id="19" name="Text 10"/>
-          <p:cNvSpPr/>
-          <p:nvPr/>
-        </p:nvSpPr>
-        <p:spPr>
-          <a:xfrm>
-            <a:off x="5605272" y="3857867"/>
-            <a:ext cx="3474720" cy="347472"/>
-          </a:xfrm>
-          <a:prstGeom prst="rect">
-            <a:avLst/>
-          </a:prstGeom>
-          <a:noFill/>
-          <a:ln/>
-        </p:spPr>
-        <p:txBody>
-          <a:bodyPr wrap="square" rtlCol="0" anchor="ctr"/>
-          <a:lstStyle/>
-          <a:p>
-            <a:pPr marL="0" indent="0">
-              <a:buNone/>
-            </a:pPr>
-            <a:r>
-              <a:rPr lang="en-US" sz="1000" dirty="0">
-                <a:solidFill>
-                  <a:srgbClr val="FFFFFF"/>
-                </a:solidFill>
-                <a:latin typeface="Calibri" pitchFamily="34" charset="0"/>
-                <a:ea typeface="Calibri" pitchFamily="34" charset="-122"/>
-                <a:cs typeface="Calibri" pitchFamily="34" charset="-120"/>
-              </a:rPr>
-              <a:t>All-direct from NY: $2.7M — too expensive</a:t>
-            </a:r>
-            <a:endParaRPr lang="en-US" sz="1000" dirty="0"/>
-          </a:p>
-        </p:txBody>
-      </p:sp>
-      <p:sp>
-        <p:nvSpPr>
-          <p:cNvPr id="20" name="Text 11"/>
-          <p:cNvSpPr/>
-          <p:nvPr/>
-        </p:nvSpPr>
-        <p:spPr>
-          <a:xfrm>
-            <a:off x="5257800" y="4360787"/>
-            <a:ext cx="3657600" cy="411480"/>
-          </a:xfrm>
-          <a:prstGeom prst="rect">
-            <a:avLst/>
-          </a:prstGeom>
-          <a:noFill/>
-          <a:ln/>
-        </p:spPr>
-        <p:txBody>
-          <a:bodyPr wrap="square" rtlCol="0" anchor="ctr"/>
-          <a:lstStyle/>
-          <a:p>
-            <a:pPr marL="0" indent="0">
-              <a:lnSpc>
-                <a:spcPct val="120000"/>
-              </a:lnSpc>
-              <a:buNone/>
-            </a:pPr>
-            <a:endParaRPr lang="en-US" sz="950" dirty="0"/>
-          </a:p>
-        </p:txBody>
-      </p:sp>
     </p:spTree>
   </p:cSld>
   <p:clrMapOvr>
@@ -2399,30 +2435,6 @@
           </a:p>
         </p:txBody>
       </p:sp>
-      <p:pic>
-        <p:nvPicPr>
-          <p:cNvPr id="3" name="Image 0" descr="preencoded.png"/>
-          <p:cNvPicPr>
-            <a:picLocks noChangeAspect="1"/>
-          </p:cNvPicPr>
-          <p:nvPr/>
-        </p:nvPicPr>
-        <p:blipFill>
-          <a:blip/>
-          <a:stretch>
-            <a:fillRect/>
-          </a:stretch>
-        </p:blipFill>
-        <p:spPr>
-          <a:xfrm>
-            <a:off x="557784" y="374904"/>
-            <a:ext cx="256032" cy="256032"/>
-          </a:xfrm>
-          <a:prstGeom prst="rect">
-            <a:avLst/>
-          </a:prstGeom>
-        </p:spPr>
-      </p:pic>
       <p:sp>
         <p:nvSpPr>
           <p:cNvPr id="4" name="Text 1"/>
@@ -2600,16 +2612,61 @@
           </a:p>
         </p:txBody>
       </p:sp>
+      <p:sp>
+        <p:nvSpPr>
+          <p:cNvPr id="10" name="Text 6"/>
+          <p:cNvSpPr/>
+          <p:nvPr/>
+        </p:nvSpPr>
+        <p:spPr>
+          <a:xfrm>
+            <a:off x="457200" y="4647854"/>
+            <a:ext cx="8229600" cy="274320"/>
+          </a:xfrm>
+          <a:prstGeom prst="rect">
+            <a:avLst/>
+          </a:prstGeom>
+          <a:noFill/>
+          <a:ln/>
+        </p:spPr>
+        <p:txBody>
+          <a:bodyPr wrap="square" rtlCol="0" anchor="ctr"/>
+          <a:lstStyle/>
+          <a:p>
+            <a:pPr marL="0" indent="0">
+              <a:buNone/>
+            </a:pPr>
+            <a:r>
+              <a:rPr lang="en-US" sz="900" i="1" dirty="0">
+                <a:solidFill>
+                  <a:srgbClr val="666666"/>
+                </a:solidFill>
+                <a:latin typeface="Calibri" pitchFamily="34" charset="0"/>
+                <a:ea typeface="Calibri" pitchFamily="34" charset="-122"/>
+                <a:cs typeface="Calibri" pitchFamily="34" charset="-120"/>
+              </a:rPr>
+              <a:t>Left: annual surcharge by region. Right: % of boxes on mixed pallets. Mass/Mainline have low surcharge; Tail/Connoisseur are 100% mixed.</a:t>
+            </a:r>
+            <a:endParaRPr lang="en-US" sz="900" dirty="0"/>
+          </a:p>
+        </p:txBody>
+      </p:sp>
       <p:pic>
         <p:nvPicPr>
-          <p:cNvPr id="9" name="Image 1" descr="/sessions/happy-festive-archimedes/charts/chart_04_cell33.png"/>
+          <p:cNvPr id="12" name="Image 1" descr="/sessions/happy-festive-archimedes/charts/chart_04_cell33.png">
+            <a:extLst>
+              <a:ext uri="{FF2B5EF4-FFF2-40B4-BE49-F238E27FC236}">
+                <a16:creationId xmlns:a16="http://schemas.microsoft.com/office/drawing/2014/main" id="{7DDAE992-3A2E-BC2C-F504-A7C88EE5AD27}"/>
+              </a:ext>
+            </a:extLst>
+          </p:cNvPr>
           <p:cNvPicPr>
             <a:picLocks noChangeAspect="1"/>
           </p:cNvPicPr>
           <p:nvPr/>
         </p:nvPicPr>
         <p:blipFill>
-          <a:blip/>
+          <a:blip r:embed="rId3"/>
           <a:stretch>
             <a:fillRect/>
           </a:stretch>
@@ -2624,45 +2681,36 @@
           </a:prstGeom>
         </p:spPr>
       </p:pic>
-      <p:sp>
-        <p:nvSpPr>
-          <p:cNvPr id="10" name="Text 6"/>
-          <p:cNvSpPr/>
-          <p:nvPr/>
-        </p:nvSpPr>
-        <p:spPr>
-          <a:xfrm>
-            <a:off x="457200" y="4647854"/>
-            <a:ext cx="8229600" cy="274320"/>
-          </a:xfrm>
-          <a:prstGeom prst="rect">
-            <a:avLst/>
-          </a:prstGeom>
-          <a:noFill/>
-          <a:ln/>
-        </p:spPr>
-        <p:txBody>
-          <a:bodyPr wrap="square" rtlCol="0" anchor="ctr"/>
-          <a:lstStyle/>
-          <a:p>
-            <a:pPr marL="0" indent="0">
-              <a:buNone/>
-            </a:pPr>
-            <a:r>
-              <a:rPr lang="en-US" sz="900" i="1" dirty="0">
-                <a:solidFill>
-                  <a:srgbClr val="666666"/>
-                </a:solidFill>
-                <a:latin typeface="Calibri" pitchFamily="34" charset="0"/>
-                <a:ea typeface="Calibri" pitchFamily="34" charset="-122"/>
-                <a:cs typeface="Calibri" pitchFamily="34" charset="-120"/>
-              </a:rPr>
-              <a:t>Left: annual surcharge by region. Right: % of boxes on mixed pallets. Mass/Mainline have low surcharge; Tail/Connoisseur are 100% mixed.</a:t>
-            </a:r>
-            <a:endParaRPr lang="en-US" sz="900" dirty="0"/>
-          </a:p>
-        </p:txBody>
-      </p:sp>
+      <p:pic>
+        <p:nvPicPr>
+          <p:cNvPr id="13" name="Image 0" descr="preencoded.png">
+            <a:extLst>
+              <a:ext uri="{FF2B5EF4-FFF2-40B4-BE49-F238E27FC236}">
+                <a16:creationId xmlns:a16="http://schemas.microsoft.com/office/drawing/2014/main" id="{B640EC39-BB3C-4E36-2E73-14F339909819}"/>
+              </a:ext>
+            </a:extLst>
+          </p:cNvPr>
+          <p:cNvPicPr>
+            <a:picLocks noChangeAspect="1"/>
+          </p:cNvPicPr>
+          <p:nvPr/>
+        </p:nvPicPr>
+        <p:blipFill>
+          <a:blip r:embed="rId4"/>
+          <a:stretch>
+            <a:fillRect/>
+          </a:stretch>
+        </p:blipFill>
+        <p:spPr>
+          <a:xfrm>
+            <a:off x="557784" y="374904"/>
+            <a:ext cx="256032" cy="256032"/>
+          </a:xfrm>
+          <a:prstGeom prst="rect">
+            <a:avLst/>
+          </a:prstGeom>
+        </p:spPr>
+      </p:pic>
     </p:spTree>
   </p:cSld>
   <p:clrMapOvr>
@@ -2723,9 +2771,517 @@
           </a:p>
         </p:txBody>
       </p:sp>
+      <p:sp>
+        <p:nvSpPr>
+          <p:cNvPr id="4" name="Text 1"/>
+          <p:cNvSpPr/>
+          <p:nvPr/>
+        </p:nvSpPr>
+        <p:spPr>
+          <a:xfrm>
+            <a:off x="1097280" y="411480"/>
+            <a:ext cx="4572000" cy="457200"/>
+          </a:xfrm>
+          <a:prstGeom prst="rect">
+            <a:avLst/>
+          </a:prstGeom>
+          <a:noFill/>
+          <a:ln/>
+        </p:spPr>
+        <p:txBody>
+          <a:bodyPr wrap="square" rtlCol="0" anchor="ctr"/>
+          <a:lstStyle/>
+          <a:p>
+            <a:pPr marL="0" indent="0">
+              <a:buNone/>
+            </a:pPr>
+            <a:r>
+              <a:rPr lang="en-US" sz="2600" b="1" dirty="0">
+                <a:solidFill>
+                  <a:srgbClr val="1B2A4A"/>
+                </a:solidFill>
+                <a:latin typeface="Georgia" pitchFamily="34" charset="0"/>
+                <a:ea typeface="Georgia" pitchFamily="34" charset="-122"/>
+                <a:cs typeface="Georgia" pitchFamily="34" charset="-120"/>
+              </a:rPr>
+              <a:t>The CanDi Challenge</a:t>
+            </a:r>
+            <a:endParaRPr lang="en-US" sz="2600" dirty="0"/>
+          </a:p>
+        </p:txBody>
+      </p:sp>
+      <p:sp>
+        <p:nvSpPr>
+          <p:cNvPr id="5" name="Text 2"/>
+          <p:cNvSpPr/>
+          <p:nvPr/>
+        </p:nvSpPr>
+        <p:spPr>
+          <a:xfrm>
+            <a:off x="457200" y="987552"/>
+            <a:ext cx="3931920" cy="1024128"/>
+          </a:xfrm>
+          <a:prstGeom prst="rect">
+            <a:avLst/>
+          </a:prstGeom>
+          <a:noFill/>
+          <a:ln/>
+        </p:spPr>
+        <p:txBody>
+          <a:bodyPr wrap="square" rtlCol="0" anchor="ctr"/>
+          <a:lstStyle/>
+          <a:p>
+            <a:pPr marL="0" indent="0">
+              <a:lnSpc>
+                <a:spcPct val="125000"/>
+              </a:lnSpc>
+              <a:buNone/>
+            </a:pPr>
+            <a:r>
+              <a:rPr lang="en-US" sz="1200" dirty="0">
+                <a:solidFill>
+                  <a:srgbClr val="333333"/>
+                </a:solidFill>
+                <a:latin typeface="Calibri" pitchFamily="34" charset="0"/>
+                <a:ea typeface="Calibri" pitchFamily="34" charset="-122"/>
+                <a:cs typeface="Calibri" pitchFamily="34" charset="-120"/>
+              </a:rPr>
+              <a:t>After 2 years using expensive 3PL distributors, CanDi must build its own supply chain deciding where to warehouses, how to ship, and what to stock where.</a:t>
+            </a:r>
+            <a:endParaRPr lang="en-US" sz="1200" dirty="0"/>
+          </a:p>
+        </p:txBody>
+      </p:sp>
+      <p:sp>
+        <p:nvSpPr>
+          <p:cNvPr id="6" name="Shape 3"/>
+          <p:cNvSpPr/>
+          <p:nvPr/>
+        </p:nvSpPr>
+        <p:spPr>
+          <a:xfrm>
+            <a:off x="469660" y="1924812"/>
+            <a:ext cx="3931920" cy="749808"/>
+          </a:xfrm>
+          <a:prstGeom prst="rect">
+            <a:avLst/>
+          </a:prstGeom>
+          <a:solidFill>
+            <a:srgbClr val="FFFFFF"/>
+          </a:solidFill>
+          <a:ln/>
+          <a:effectLst>
+            <a:outerShdw blurRad="76200" dist="25400" dir="8100000" algn="bl" rotWithShape="0">
+              <a:srgbClr val="000000">
+                <a:alpha val="10000"/>
+              </a:srgbClr>
+            </a:outerShdw>
+          </a:effectLst>
+        </p:spPr>
+        <p:txBody>
+          <a:bodyPr/>
+          <a:lstStyle/>
+          <a:p>
+            <a:endParaRPr lang="es-ES_tradnl"/>
+          </a:p>
+        </p:txBody>
+      </p:sp>
+      <p:sp>
+        <p:nvSpPr>
+          <p:cNvPr id="8" name="Text 4"/>
+          <p:cNvSpPr/>
+          <p:nvPr/>
+        </p:nvSpPr>
+        <p:spPr>
+          <a:xfrm>
+            <a:off x="1109740" y="1997964"/>
+            <a:ext cx="3108960" cy="274320"/>
+          </a:xfrm>
+          <a:prstGeom prst="rect">
+            <a:avLst/>
+          </a:prstGeom>
+          <a:noFill/>
+          <a:ln/>
+        </p:spPr>
+        <p:txBody>
+          <a:bodyPr wrap="square" rtlCol="0" anchor="ctr"/>
+          <a:lstStyle/>
+          <a:p>
+            <a:pPr marL="0" indent="0">
+              <a:buNone/>
+            </a:pPr>
+            <a:r>
+              <a:rPr lang="en-US" sz="1250" b="1" dirty="0">
+                <a:solidFill>
+                  <a:srgbClr val="1B2A4A"/>
+                </a:solidFill>
+                <a:latin typeface="Calibri" pitchFamily="34" charset="0"/>
+                <a:ea typeface="Calibri" pitchFamily="34" charset="-122"/>
+                <a:cs typeface="Calibri" pitchFamily="34" charset="-120"/>
+              </a:rPr>
+              <a:t>FTL is Point-to-Point</a:t>
+            </a:r>
+            <a:endParaRPr lang="en-US" sz="1250" dirty="0"/>
+          </a:p>
+        </p:txBody>
+      </p:sp>
+      <p:sp>
+        <p:nvSpPr>
+          <p:cNvPr id="9" name="Text 5"/>
+          <p:cNvSpPr/>
+          <p:nvPr/>
+        </p:nvSpPr>
+        <p:spPr>
+          <a:xfrm>
+            <a:off x="1109740" y="2272284"/>
+            <a:ext cx="3200400" cy="347472"/>
+          </a:xfrm>
+          <a:prstGeom prst="rect">
+            <a:avLst/>
+          </a:prstGeom>
+          <a:noFill/>
+          <a:ln/>
+        </p:spPr>
+        <p:txBody>
+          <a:bodyPr wrap="square" rtlCol="0" anchor="ctr"/>
+          <a:lstStyle/>
+          <a:p>
+            <a:pPr marL="0" indent="0">
+              <a:lnSpc>
+                <a:spcPct val="115000"/>
+              </a:lnSpc>
+              <a:buNone/>
+            </a:pPr>
+            <a:r>
+              <a:rPr lang="en-US" sz="1000" dirty="0">
+                <a:solidFill>
+                  <a:srgbClr val="666666"/>
+                </a:solidFill>
+                <a:latin typeface="Calibri" pitchFamily="34" charset="0"/>
+                <a:ea typeface="Calibri" pitchFamily="34" charset="-122"/>
+                <a:cs typeface="Calibri" pitchFamily="34" charset="-120"/>
+              </a:rPr>
+              <a:t>Full trucks go to ONE destination. Max customer = 3.4 pallets vs. 20-pallet truck.</a:t>
+            </a:r>
+            <a:endParaRPr lang="en-US" sz="1000" dirty="0"/>
+          </a:p>
+        </p:txBody>
+      </p:sp>
+      <p:sp>
+        <p:nvSpPr>
+          <p:cNvPr id="10" name="Shape 6"/>
+          <p:cNvSpPr/>
+          <p:nvPr/>
+        </p:nvSpPr>
+        <p:spPr>
+          <a:xfrm>
+            <a:off x="469660" y="2793492"/>
+            <a:ext cx="3931920" cy="749808"/>
+          </a:xfrm>
+          <a:prstGeom prst="rect">
+            <a:avLst/>
+          </a:prstGeom>
+          <a:solidFill>
+            <a:srgbClr val="FFFFFF"/>
+          </a:solidFill>
+          <a:ln/>
+          <a:effectLst>
+            <a:outerShdw blurRad="76200" dist="25400" dir="8100000" algn="bl" rotWithShape="0">
+              <a:srgbClr val="000000">
+                <a:alpha val="10000"/>
+              </a:srgbClr>
+            </a:outerShdw>
+          </a:effectLst>
+        </p:spPr>
+        <p:txBody>
+          <a:bodyPr/>
+          <a:lstStyle/>
+          <a:p>
+            <a:endParaRPr lang="es-ES_tradnl"/>
+          </a:p>
+        </p:txBody>
+      </p:sp>
+      <p:sp>
+        <p:nvSpPr>
+          <p:cNvPr id="12" name="Text 7"/>
+          <p:cNvSpPr/>
+          <p:nvPr/>
+        </p:nvSpPr>
+        <p:spPr>
+          <a:xfrm>
+            <a:off x="1109740" y="2866644"/>
+            <a:ext cx="3108960" cy="274320"/>
+          </a:xfrm>
+          <a:prstGeom prst="rect">
+            <a:avLst/>
+          </a:prstGeom>
+          <a:noFill/>
+          <a:ln/>
+        </p:spPr>
+        <p:txBody>
+          <a:bodyPr wrap="square" rtlCol="0" anchor="ctr"/>
+          <a:lstStyle/>
+          <a:p>
+            <a:pPr marL="0" indent="0">
+              <a:buNone/>
+            </a:pPr>
+            <a:r>
+              <a:rPr lang="en-US" sz="1250" b="1" dirty="0">
+                <a:solidFill>
+                  <a:srgbClr val="1B2A4A"/>
+                </a:solidFill>
+                <a:latin typeface="Calibri" pitchFamily="34" charset="0"/>
+                <a:ea typeface="Calibri" pitchFamily="34" charset="-122"/>
+                <a:cs typeface="Calibri" pitchFamily="34" charset="-120"/>
+              </a:rPr>
+              <a:t>$200K/yr Per DC</a:t>
+            </a:r>
+            <a:endParaRPr lang="en-US" sz="1250" dirty="0"/>
+          </a:p>
+        </p:txBody>
+      </p:sp>
+      <p:sp>
+        <p:nvSpPr>
+          <p:cNvPr id="13" name="Text 8"/>
+          <p:cNvSpPr/>
+          <p:nvPr/>
+        </p:nvSpPr>
+        <p:spPr>
+          <a:xfrm>
+            <a:off x="1109740" y="3140964"/>
+            <a:ext cx="3200400" cy="347472"/>
+          </a:xfrm>
+          <a:prstGeom prst="rect">
+            <a:avLst/>
+          </a:prstGeom>
+          <a:noFill/>
+          <a:ln/>
+        </p:spPr>
+        <p:txBody>
+          <a:bodyPr wrap="square" rtlCol="0" anchor="ctr"/>
+          <a:lstStyle/>
+          <a:p>
+            <a:pPr marL="0" indent="0">
+              <a:lnSpc>
+                <a:spcPct val="115000"/>
+              </a:lnSpc>
+              <a:buNone/>
+            </a:pPr>
+            <a:r>
+              <a:rPr lang="en-US" sz="1000" dirty="0">
+                <a:solidFill>
+                  <a:srgbClr val="666666"/>
+                </a:solidFill>
+                <a:latin typeface="Calibri" pitchFamily="34" charset="0"/>
+                <a:ea typeface="Calibri" pitchFamily="34" charset="-122"/>
+                <a:cs typeface="Calibri" pitchFamily="34" charset="-120"/>
+              </a:rPr>
+              <a:t>Each regional DC has a steep fixed cost. Volume must justify investment.</a:t>
+            </a:r>
+            <a:endParaRPr lang="en-US" sz="1000" dirty="0"/>
+          </a:p>
+        </p:txBody>
+      </p:sp>
+      <p:sp>
+        <p:nvSpPr>
+          <p:cNvPr id="14" name="Shape 9"/>
+          <p:cNvSpPr/>
+          <p:nvPr/>
+        </p:nvSpPr>
+        <p:spPr>
+          <a:xfrm>
+            <a:off x="469660" y="3662172"/>
+            <a:ext cx="3931920" cy="749808"/>
+          </a:xfrm>
+          <a:prstGeom prst="rect">
+            <a:avLst/>
+          </a:prstGeom>
+          <a:solidFill>
+            <a:srgbClr val="FFFFFF"/>
+          </a:solidFill>
+          <a:ln/>
+          <a:effectLst>
+            <a:outerShdw blurRad="76200" dist="25400" dir="8100000" algn="bl" rotWithShape="0">
+              <a:srgbClr val="000000">
+                <a:alpha val="10000"/>
+              </a:srgbClr>
+            </a:outerShdw>
+          </a:effectLst>
+        </p:spPr>
+        <p:txBody>
+          <a:bodyPr/>
+          <a:lstStyle/>
+          <a:p>
+            <a:endParaRPr lang="es-ES_tradnl"/>
+          </a:p>
+        </p:txBody>
+      </p:sp>
+      <p:sp>
+        <p:nvSpPr>
+          <p:cNvPr id="16" name="Text 10"/>
+          <p:cNvSpPr/>
+          <p:nvPr/>
+        </p:nvSpPr>
+        <p:spPr>
+          <a:xfrm>
+            <a:off x="1109740" y="3735324"/>
+            <a:ext cx="3108960" cy="274320"/>
+          </a:xfrm>
+          <a:prstGeom prst="rect">
+            <a:avLst/>
+          </a:prstGeom>
+          <a:noFill/>
+          <a:ln/>
+        </p:spPr>
+        <p:txBody>
+          <a:bodyPr wrap="square" rtlCol="0" anchor="ctr"/>
+          <a:lstStyle/>
+          <a:p>
+            <a:pPr marL="0" indent="0">
+              <a:buNone/>
+            </a:pPr>
+            <a:r>
+              <a:rPr lang="en-US" sz="1250" b="1" dirty="0">
+                <a:solidFill>
+                  <a:srgbClr val="1B2A4A"/>
+                </a:solidFill>
+                <a:latin typeface="Calibri" pitchFamily="34" charset="0"/>
+                <a:ea typeface="Calibri" pitchFamily="34" charset="-122"/>
+                <a:cs typeface="Calibri" pitchFamily="34" charset="-120"/>
+              </a:rPr>
+              <a:t>$1/box Surcharge</a:t>
+            </a:r>
+            <a:endParaRPr lang="en-US" sz="1250" dirty="0"/>
+          </a:p>
+        </p:txBody>
+      </p:sp>
+      <p:sp>
+        <p:nvSpPr>
+          <p:cNvPr id="17" name="Text 11"/>
+          <p:cNvSpPr/>
+          <p:nvPr/>
+        </p:nvSpPr>
+        <p:spPr>
+          <a:xfrm>
+            <a:off x="1109740" y="4009644"/>
+            <a:ext cx="3200400" cy="347472"/>
+          </a:xfrm>
+          <a:prstGeom prst="rect">
+            <a:avLst/>
+          </a:prstGeom>
+          <a:noFill/>
+          <a:ln/>
+        </p:spPr>
+        <p:txBody>
+          <a:bodyPr wrap="square" rtlCol="0" anchor="ctr"/>
+          <a:lstStyle/>
+          <a:p>
+            <a:pPr marL="0" indent="0">
+              <a:lnSpc>
+                <a:spcPct val="115000"/>
+              </a:lnSpc>
+              <a:buNone/>
+            </a:pPr>
+            <a:r>
+              <a:rPr lang="en-US" sz="1000" dirty="0">
+                <a:solidFill>
+                  <a:srgbClr val="666666"/>
+                </a:solidFill>
+                <a:latin typeface="Calibri" pitchFamily="34" charset="0"/>
+                <a:ea typeface="Calibri" pitchFamily="34" charset="-122"/>
+                <a:cs typeface="Calibri" pitchFamily="34" charset="-120"/>
+              </a:rPr>
+              <a:t>Mixed pallets at DCs incur a hidden $1/box fee — devastating for low-volume SKUs.</a:t>
+            </a:r>
+            <a:endParaRPr lang="en-US" sz="1000" dirty="0"/>
+          </a:p>
+        </p:txBody>
+      </p:sp>
+      <p:sp>
+        <p:nvSpPr>
+          <p:cNvPr id="18" name="Shape 12"/>
+          <p:cNvSpPr/>
+          <p:nvPr/>
+        </p:nvSpPr>
+        <p:spPr>
+          <a:xfrm>
+            <a:off x="4663440" y="987552"/>
+            <a:ext cx="4297680" cy="3630168"/>
+          </a:xfrm>
+          <a:prstGeom prst="rect">
+            <a:avLst/>
+          </a:prstGeom>
+          <a:solidFill>
+            <a:srgbClr val="FFFFFF"/>
+          </a:solidFill>
+          <a:ln/>
+          <a:effectLst>
+            <a:outerShdw blurRad="76200" dist="25400" dir="8100000" algn="bl" rotWithShape="0">
+              <a:srgbClr val="000000">
+                <a:alpha val="10000"/>
+              </a:srgbClr>
+            </a:outerShdw>
+          </a:effectLst>
+        </p:spPr>
+        <p:txBody>
+          <a:bodyPr/>
+          <a:lstStyle/>
+          <a:p>
+            <a:endParaRPr lang="es-ES_tradnl"/>
+          </a:p>
+        </p:txBody>
+      </p:sp>
+      <p:sp>
+        <p:nvSpPr>
+          <p:cNvPr id="20" name="Text 13"/>
+          <p:cNvSpPr/>
+          <p:nvPr/>
+        </p:nvSpPr>
+        <p:spPr>
+          <a:xfrm>
+            <a:off x="6836941" y="3210687"/>
+            <a:ext cx="2057400" cy="1076706"/>
+          </a:xfrm>
+          <a:prstGeom prst="rect">
+            <a:avLst/>
+          </a:prstGeom>
+          <a:noFill/>
+          <a:ln/>
+        </p:spPr>
+        <p:txBody>
+          <a:bodyPr wrap="square" rtlCol="0" anchor="ctr"/>
+          <a:lstStyle/>
+          <a:p>
+            <a:pPr marL="0" indent="0">
+              <a:lnSpc>
+                <a:spcPct val="115000"/>
+              </a:lnSpc>
+              <a:buNone/>
+            </a:pPr>
+            <a:r>
+              <a:rPr lang="en-US" sz="900" i="1" dirty="0">
+                <a:solidFill>
+                  <a:srgbClr val="666666"/>
+                </a:solidFill>
+                <a:latin typeface="Calibri" pitchFamily="34" charset="0"/>
+                <a:ea typeface="Calibri" pitchFamily="34" charset="-122"/>
+                <a:cs typeface="Calibri" pitchFamily="34" charset="-120"/>
+              </a:rPr>
+              <a:t>MA dominates with 63% of volume (~163 pallets/wk). ME is only 4% (~6 pallets/wk) — barely one-third of a truckload.</a:t>
+            </a:r>
+            <a:endParaRPr lang="en-US" sz="900" dirty="0"/>
+          </a:p>
+        </p:txBody>
+      </p:sp>
       <p:pic>
         <p:nvPicPr>
-          <p:cNvPr id="3" name="Image 0" descr="preencoded.png"/>
+          <p:cNvPr id="21" name="Image 0" descr="preencoded.png">
+            <a:extLst>
+              <a:ext uri="{FF2B5EF4-FFF2-40B4-BE49-F238E27FC236}">
+                <a16:creationId xmlns:a16="http://schemas.microsoft.com/office/drawing/2014/main" id="{4F56C942-A0B6-7C2A-7888-F6E2B76B7A33}"/>
+              </a:ext>
+            </a:extLst>
+          </p:cNvPr>
           <p:cNvPicPr>
             <a:picLocks noChangeAspect="1"/>
           </p:cNvPicPr>
@@ -2747,611 +3303,12 @@
           </a:prstGeom>
         </p:spPr>
       </p:pic>
-      <p:sp>
-        <p:nvSpPr>
-          <p:cNvPr id="4" name="Text 1"/>
-          <p:cNvSpPr/>
-          <p:nvPr/>
-        </p:nvSpPr>
-        <p:spPr>
-          <a:xfrm>
-            <a:off x="1097280" y="411480"/>
-            <a:ext cx="4572000" cy="457200"/>
-          </a:xfrm>
-          <a:prstGeom prst="rect">
-            <a:avLst/>
-          </a:prstGeom>
-          <a:noFill/>
-          <a:ln/>
-        </p:spPr>
-        <p:txBody>
-          <a:bodyPr wrap="square" rtlCol="0" anchor="ctr"/>
-          <a:lstStyle/>
-          <a:p>
-            <a:pPr marL="0" indent="0">
-              <a:buNone/>
-            </a:pPr>
-            <a:r>
-              <a:rPr lang="en-US" sz="2600" b="1" dirty="0">
-                <a:solidFill>
-                  <a:srgbClr val="1B2A4A"/>
-                </a:solidFill>
-                <a:latin typeface="Georgia" pitchFamily="34" charset="0"/>
-                <a:ea typeface="Georgia" pitchFamily="34" charset="-122"/>
-                <a:cs typeface="Georgia" pitchFamily="34" charset="-120"/>
-              </a:rPr>
-              <a:t>The CanDi Challenge</a:t>
-            </a:r>
-            <a:endParaRPr lang="en-US" sz="2600" dirty="0"/>
-          </a:p>
-        </p:txBody>
-      </p:sp>
-      <p:sp>
-        <p:nvSpPr>
-          <p:cNvPr id="5" name="Text 2"/>
-          <p:cNvSpPr/>
-          <p:nvPr/>
-        </p:nvSpPr>
-        <p:spPr>
-          <a:xfrm>
-            <a:off x="457200" y="987552"/>
-            <a:ext cx="3931920" cy="1024128"/>
-          </a:xfrm>
-          <a:prstGeom prst="rect">
-            <a:avLst/>
-          </a:prstGeom>
-          <a:noFill/>
-          <a:ln/>
-        </p:spPr>
-        <p:txBody>
-          <a:bodyPr wrap="square" rtlCol="0" anchor="ctr"/>
-          <a:lstStyle/>
-          <a:p>
-            <a:pPr marL="0" indent="0">
-              <a:lnSpc>
-                <a:spcPct val="125000"/>
-              </a:lnSpc>
-              <a:buNone/>
-            </a:pPr>
-            <a:r>
-              <a:rPr lang="en-US" sz="1200" dirty="0">
-                <a:solidFill>
-                  <a:srgbClr val="333333"/>
-                </a:solidFill>
-                <a:latin typeface="Calibri" pitchFamily="34" charset="0"/>
-                <a:ea typeface="Calibri" pitchFamily="34" charset="-122"/>
-                <a:cs typeface="Calibri" pitchFamily="34" charset="-120"/>
-              </a:rPr>
-              <a:t>After 2 years using expensive 3PL distributors, CanDi must build its own supply chain deciding where to warehouses, how to ship, and what to stock where.</a:t>
-            </a:r>
-            <a:endParaRPr lang="en-US" sz="1200" dirty="0"/>
-          </a:p>
-        </p:txBody>
-      </p:sp>
-      <p:sp>
-        <p:nvSpPr>
-          <p:cNvPr id="6" name="Shape 3"/>
-          <p:cNvSpPr/>
-          <p:nvPr/>
-        </p:nvSpPr>
-        <p:spPr>
-          <a:xfrm>
-            <a:off x="469660" y="1924812"/>
-            <a:ext cx="3931920" cy="749808"/>
-          </a:xfrm>
-          <a:prstGeom prst="rect">
-            <a:avLst/>
-          </a:prstGeom>
-          <a:solidFill>
-            <a:srgbClr val="FFFFFF"/>
-          </a:solidFill>
-          <a:ln/>
-          <a:effectLst>
-            <a:outerShdw blurRad="76200" dist="25400" dir="8100000" algn="bl" rotWithShape="0">
-              <a:srgbClr val="000000">
-                <a:alpha val="10000"/>
-              </a:srgbClr>
-            </a:outerShdw>
-          </a:effectLst>
-        </p:spPr>
-        <p:txBody>
-          <a:bodyPr/>
-          <a:lstStyle/>
-          <a:p>
-            <a:endParaRPr lang="es-ES_tradnl"/>
-          </a:p>
-        </p:txBody>
-      </p:sp>
       <p:pic>
         <p:nvPicPr>
-          <p:cNvPr id="7" name="Image 1" descr="preencoded.png"/>
-          <p:cNvPicPr>
-            <a:picLocks noChangeAspect="1"/>
-          </p:cNvPicPr>
-          <p:nvPr/>
-        </p:nvPicPr>
-        <p:blipFill>
-          <a:blip r:embed="rId3"/>
-          <a:stretch>
-            <a:fillRect/>
-          </a:stretch>
-        </p:blipFill>
-        <p:spPr>
-          <a:xfrm>
-            <a:off x="606820" y="2107692"/>
-            <a:ext cx="347472" cy="347472"/>
-          </a:xfrm>
-          <a:prstGeom prst="rect">
-            <a:avLst/>
-          </a:prstGeom>
-        </p:spPr>
-      </p:pic>
-      <p:sp>
-        <p:nvSpPr>
-          <p:cNvPr id="8" name="Text 4"/>
-          <p:cNvSpPr/>
-          <p:nvPr/>
-        </p:nvSpPr>
-        <p:spPr>
-          <a:xfrm>
-            <a:off x="1109740" y="1997964"/>
-            <a:ext cx="3108960" cy="274320"/>
-          </a:xfrm>
-          <a:prstGeom prst="rect">
-            <a:avLst/>
-          </a:prstGeom>
-          <a:noFill/>
-          <a:ln/>
-        </p:spPr>
-        <p:txBody>
-          <a:bodyPr wrap="square" rtlCol="0" anchor="ctr"/>
-          <a:lstStyle/>
-          <a:p>
-            <a:pPr marL="0" indent="0">
-              <a:buNone/>
-            </a:pPr>
-            <a:r>
-              <a:rPr lang="en-US" sz="1250" b="1" dirty="0">
-                <a:solidFill>
-                  <a:srgbClr val="1B2A4A"/>
-                </a:solidFill>
-                <a:latin typeface="Calibri" pitchFamily="34" charset="0"/>
-                <a:ea typeface="Calibri" pitchFamily="34" charset="-122"/>
-                <a:cs typeface="Calibri" pitchFamily="34" charset="-120"/>
-              </a:rPr>
-              <a:t>FTL is Point-to-Point</a:t>
-            </a:r>
-            <a:endParaRPr lang="en-US" sz="1250" dirty="0"/>
-          </a:p>
-        </p:txBody>
-      </p:sp>
-      <p:sp>
-        <p:nvSpPr>
-          <p:cNvPr id="9" name="Text 5"/>
-          <p:cNvSpPr/>
-          <p:nvPr/>
-        </p:nvSpPr>
-        <p:spPr>
-          <a:xfrm>
-            <a:off x="1109740" y="2272284"/>
-            <a:ext cx="3200400" cy="347472"/>
-          </a:xfrm>
-          <a:prstGeom prst="rect">
-            <a:avLst/>
-          </a:prstGeom>
-          <a:noFill/>
-          <a:ln/>
-        </p:spPr>
-        <p:txBody>
-          <a:bodyPr wrap="square" rtlCol="0" anchor="ctr"/>
-          <a:lstStyle/>
-          <a:p>
-            <a:pPr marL="0" indent="0">
-              <a:lnSpc>
-                <a:spcPct val="115000"/>
-              </a:lnSpc>
-              <a:buNone/>
-            </a:pPr>
-            <a:r>
-              <a:rPr lang="en-US" sz="1000" dirty="0">
-                <a:solidFill>
-                  <a:srgbClr val="666666"/>
-                </a:solidFill>
-                <a:latin typeface="Calibri" pitchFamily="34" charset="0"/>
-                <a:ea typeface="Calibri" pitchFamily="34" charset="-122"/>
-                <a:cs typeface="Calibri" pitchFamily="34" charset="-120"/>
-              </a:rPr>
-              <a:t>Full trucks go to ONE destination. Max customer = 3.4 pallets vs. 20-pallet truck.</a:t>
-            </a:r>
-            <a:endParaRPr lang="en-US" sz="1000" dirty="0"/>
-          </a:p>
-        </p:txBody>
-      </p:sp>
-      <p:sp>
-        <p:nvSpPr>
-          <p:cNvPr id="10" name="Shape 6"/>
-          <p:cNvSpPr/>
-          <p:nvPr/>
-        </p:nvSpPr>
-        <p:spPr>
-          <a:xfrm>
-            <a:off x="469660" y="2793492"/>
-            <a:ext cx="3931920" cy="749808"/>
-          </a:xfrm>
-          <a:prstGeom prst="rect">
-            <a:avLst/>
-          </a:prstGeom>
-          <a:solidFill>
-            <a:srgbClr val="FFFFFF"/>
-          </a:solidFill>
-          <a:ln/>
-          <a:effectLst>
-            <a:outerShdw blurRad="76200" dist="25400" dir="8100000" algn="bl" rotWithShape="0">
-              <a:srgbClr val="000000">
-                <a:alpha val="10000"/>
-              </a:srgbClr>
-            </a:outerShdw>
-          </a:effectLst>
-        </p:spPr>
-        <p:txBody>
-          <a:bodyPr/>
-          <a:lstStyle/>
-          <a:p>
-            <a:endParaRPr lang="es-ES_tradnl"/>
-          </a:p>
-        </p:txBody>
-      </p:sp>
-      <p:pic>
-        <p:nvPicPr>
-          <p:cNvPr id="11" name="Image 2" descr="preencoded.png"/>
-          <p:cNvPicPr>
-            <a:picLocks noChangeAspect="1"/>
-          </p:cNvPicPr>
-          <p:nvPr/>
-        </p:nvPicPr>
-        <p:blipFill>
-          <a:blip r:embed="rId3"/>
-          <a:stretch>
-            <a:fillRect/>
-          </a:stretch>
-        </p:blipFill>
-        <p:spPr>
-          <a:xfrm>
-            <a:off x="606820" y="2976372"/>
-            <a:ext cx="347472" cy="347472"/>
-          </a:xfrm>
-          <a:prstGeom prst="rect">
-            <a:avLst/>
-          </a:prstGeom>
-        </p:spPr>
-      </p:pic>
-      <p:sp>
-        <p:nvSpPr>
-          <p:cNvPr id="12" name="Text 7"/>
-          <p:cNvSpPr/>
-          <p:nvPr/>
-        </p:nvSpPr>
-        <p:spPr>
-          <a:xfrm>
-            <a:off x="1109740" y="2866644"/>
-            <a:ext cx="3108960" cy="274320"/>
-          </a:xfrm>
-          <a:prstGeom prst="rect">
-            <a:avLst/>
-          </a:prstGeom>
-          <a:noFill/>
-          <a:ln/>
-        </p:spPr>
-        <p:txBody>
-          <a:bodyPr wrap="square" rtlCol="0" anchor="ctr"/>
-          <a:lstStyle/>
-          <a:p>
-            <a:pPr marL="0" indent="0">
-              <a:buNone/>
-            </a:pPr>
-            <a:r>
-              <a:rPr lang="en-US" sz="1250" b="1" dirty="0">
-                <a:solidFill>
-                  <a:srgbClr val="1B2A4A"/>
-                </a:solidFill>
-                <a:latin typeface="Calibri" pitchFamily="34" charset="0"/>
-                <a:ea typeface="Calibri" pitchFamily="34" charset="-122"/>
-                <a:cs typeface="Calibri" pitchFamily="34" charset="-120"/>
-              </a:rPr>
-              <a:t>$200K/yr Per DC</a:t>
-            </a:r>
-            <a:endParaRPr lang="en-US" sz="1250" dirty="0"/>
-          </a:p>
-        </p:txBody>
-      </p:sp>
-      <p:sp>
-        <p:nvSpPr>
-          <p:cNvPr id="13" name="Text 8"/>
-          <p:cNvSpPr/>
-          <p:nvPr/>
-        </p:nvSpPr>
-        <p:spPr>
-          <a:xfrm>
-            <a:off x="1109740" y="3140964"/>
-            <a:ext cx="3200400" cy="347472"/>
-          </a:xfrm>
-          <a:prstGeom prst="rect">
-            <a:avLst/>
-          </a:prstGeom>
-          <a:noFill/>
-          <a:ln/>
-        </p:spPr>
-        <p:txBody>
-          <a:bodyPr wrap="square" rtlCol="0" anchor="ctr"/>
-          <a:lstStyle/>
-          <a:p>
-            <a:pPr marL="0" indent="0">
-              <a:lnSpc>
-                <a:spcPct val="115000"/>
-              </a:lnSpc>
-              <a:buNone/>
-            </a:pPr>
-            <a:r>
-              <a:rPr lang="en-US" sz="1000" dirty="0">
-                <a:solidFill>
-                  <a:srgbClr val="666666"/>
-                </a:solidFill>
-                <a:latin typeface="Calibri" pitchFamily="34" charset="0"/>
-                <a:ea typeface="Calibri" pitchFamily="34" charset="-122"/>
-                <a:cs typeface="Calibri" pitchFamily="34" charset="-120"/>
-              </a:rPr>
-              <a:t>Each regional DC has a steep fixed cost. Volume must justify investment.</a:t>
-            </a:r>
-            <a:endParaRPr lang="en-US" sz="1000" dirty="0"/>
-          </a:p>
-        </p:txBody>
-      </p:sp>
-      <p:sp>
-        <p:nvSpPr>
-          <p:cNvPr id="14" name="Shape 9"/>
-          <p:cNvSpPr/>
-          <p:nvPr/>
-        </p:nvSpPr>
-        <p:spPr>
-          <a:xfrm>
-            <a:off x="469660" y="3662172"/>
-            <a:ext cx="3931920" cy="749808"/>
-          </a:xfrm>
-          <a:prstGeom prst="rect">
-            <a:avLst/>
-          </a:prstGeom>
-          <a:solidFill>
-            <a:srgbClr val="FFFFFF"/>
-          </a:solidFill>
-          <a:ln/>
-          <a:effectLst>
-            <a:outerShdw blurRad="76200" dist="25400" dir="8100000" algn="bl" rotWithShape="0">
-              <a:srgbClr val="000000">
-                <a:alpha val="10000"/>
-              </a:srgbClr>
-            </a:outerShdw>
-          </a:effectLst>
-        </p:spPr>
-        <p:txBody>
-          <a:bodyPr/>
-          <a:lstStyle/>
-          <a:p>
-            <a:endParaRPr lang="es-ES_tradnl"/>
-          </a:p>
-        </p:txBody>
-      </p:sp>
-      <p:pic>
-        <p:nvPicPr>
-          <p:cNvPr id="15" name="Image 3" descr="preencoded.png"/>
-          <p:cNvPicPr>
-            <a:picLocks noChangeAspect="1"/>
-          </p:cNvPicPr>
-          <p:nvPr/>
-        </p:nvPicPr>
-        <p:blipFill>
-          <a:blip r:embed="rId3"/>
-          <a:stretch>
-            <a:fillRect/>
-          </a:stretch>
-        </p:blipFill>
-        <p:spPr>
-          <a:xfrm>
-            <a:off x="606820" y="3845052"/>
-            <a:ext cx="347472" cy="347472"/>
-          </a:xfrm>
-          <a:prstGeom prst="rect">
-            <a:avLst/>
-          </a:prstGeom>
-        </p:spPr>
-      </p:pic>
-      <p:sp>
-        <p:nvSpPr>
-          <p:cNvPr id="16" name="Text 10"/>
-          <p:cNvSpPr/>
-          <p:nvPr/>
-        </p:nvSpPr>
-        <p:spPr>
-          <a:xfrm>
-            <a:off x="1109740" y="3735324"/>
-            <a:ext cx="3108960" cy="274320"/>
-          </a:xfrm>
-          <a:prstGeom prst="rect">
-            <a:avLst/>
-          </a:prstGeom>
-          <a:noFill/>
-          <a:ln/>
-        </p:spPr>
-        <p:txBody>
-          <a:bodyPr wrap="square" rtlCol="0" anchor="ctr"/>
-          <a:lstStyle/>
-          <a:p>
-            <a:pPr marL="0" indent="0">
-              <a:buNone/>
-            </a:pPr>
-            <a:r>
-              <a:rPr lang="en-US" sz="1250" b="1" dirty="0">
-                <a:solidFill>
-                  <a:srgbClr val="1B2A4A"/>
-                </a:solidFill>
-                <a:latin typeface="Calibri" pitchFamily="34" charset="0"/>
-                <a:ea typeface="Calibri" pitchFamily="34" charset="-122"/>
-                <a:cs typeface="Calibri" pitchFamily="34" charset="-120"/>
-              </a:rPr>
-              <a:t>$1/box Surcharge</a:t>
-            </a:r>
-            <a:endParaRPr lang="en-US" sz="1250" dirty="0"/>
-          </a:p>
-        </p:txBody>
-      </p:sp>
-      <p:sp>
-        <p:nvSpPr>
-          <p:cNvPr id="17" name="Text 11"/>
-          <p:cNvSpPr/>
-          <p:nvPr/>
-        </p:nvSpPr>
-        <p:spPr>
-          <a:xfrm>
-            <a:off x="1109740" y="4009644"/>
-            <a:ext cx="3200400" cy="347472"/>
-          </a:xfrm>
-          <a:prstGeom prst="rect">
-            <a:avLst/>
-          </a:prstGeom>
-          <a:noFill/>
-          <a:ln/>
-        </p:spPr>
-        <p:txBody>
-          <a:bodyPr wrap="square" rtlCol="0" anchor="ctr"/>
-          <a:lstStyle/>
-          <a:p>
-            <a:pPr marL="0" indent="0">
-              <a:lnSpc>
-                <a:spcPct val="115000"/>
-              </a:lnSpc>
-              <a:buNone/>
-            </a:pPr>
-            <a:r>
-              <a:rPr lang="en-US" sz="1000" dirty="0">
-                <a:solidFill>
-                  <a:srgbClr val="666666"/>
-                </a:solidFill>
-                <a:latin typeface="Calibri" pitchFamily="34" charset="0"/>
-                <a:ea typeface="Calibri" pitchFamily="34" charset="-122"/>
-                <a:cs typeface="Calibri" pitchFamily="34" charset="-120"/>
-              </a:rPr>
-              <a:t>Mixed pallets at DCs incur a hidden $1/box fee — devastating for low-volume SKUs.</a:t>
-            </a:r>
-            <a:endParaRPr lang="en-US" sz="1000" dirty="0"/>
-          </a:p>
-        </p:txBody>
-      </p:sp>
-      <p:sp>
-        <p:nvSpPr>
-          <p:cNvPr id="18" name="Shape 12"/>
-          <p:cNvSpPr/>
-          <p:nvPr/>
-        </p:nvSpPr>
-        <p:spPr>
-          <a:xfrm>
-            <a:off x="4663440" y="987552"/>
-            <a:ext cx="4297680" cy="3630168"/>
-          </a:xfrm>
-          <a:prstGeom prst="rect">
-            <a:avLst/>
-          </a:prstGeom>
-          <a:solidFill>
-            <a:srgbClr val="FFFFFF"/>
-          </a:solidFill>
-          <a:ln/>
-          <a:effectLst>
-            <a:outerShdw blurRad="76200" dist="25400" dir="8100000" algn="bl" rotWithShape="0">
-              <a:srgbClr val="000000">
-                <a:alpha val="10000"/>
-              </a:srgbClr>
-            </a:outerShdw>
-          </a:effectLst>
-        </p:spPr>
-        <p:txBody>
-          <a:bodyPr/>
-          <a:lstStyle/>
-          <a:p>
-            <a:endParaRPr lang="es-ES_tradnl"/>
-          </a:p>
-        </p:txBody>
-      </p:sp>
-      <p:pic>
-        <p:nvPicPr>
-          <p:cNvPr id="19" name="Image 4" descr="/sessions/happy-festive-archimedes/charts/chart_01_cell16.png"/>
-          <p:cNvPicPr>
-            <a:picLocks noChangeAspect="1"/>
-          </p:cNvPicPr>
-          <p:nvPr/>
-        </p:nvPicPr>
-        <p:blipFill>
-          <a:blip r:embed="rId3"/>
-          <a:srcRect r="30833"/>
-          <a:stretch>
-            <a:fillRect/>
-          </a:stretch>
-        </p:blipFill>
-        <p:spPr>
-          <a:xfrm>
-            <a:off x="4712763" y="1013829"/>
-            <a:ext cx="4248357" cy="2018596"/>
-          </a:xfrm>
-          <a:prstGeom prst="rect">
-            <a:avLst/>
-          </a:prstGeom>
-        </p:spPr>
-      </p:pic>
-      <p:sp>
-        <p:nvSpPr>
-          <p:cNvPr id="20" name="Text 13"/>
-          <p:cNvSpPr/>
-          <p:nvPr/>
-        </p:nvSpPr>
-        <p:spPr>
-          <a:xfrm>
-            <a:off x="6836941" y="3210687"/>
-            <a:ext cx="2057400" cy="1076706"/>
-          </a:xfrm>
-          <a:prstGeom prst="rect">
-            <a:avLst/>
-          </a:prstGeom>
-          <a:noFill/>
-          <a:ln/>
-        </p:spPr>
-        <p:txBody>
-          <a:bodyPr wrap="square" rtlCol="0" anchor="ctr"/>
-          <a:lstStyle/>
-          <a:p>
-            <a:pPr marL="0" indent="0">
-              <a:lnSpc>
-                <a:spcPct val="115000"/>
-              </a:lnSpc>
-              <a:buNone/>
-            </a:pPr>
-            <a:r>
-              <a:rPr lang="en-US" sz="900" i="1" dirty="0">
-                <a:solidFill>
-                  <a:srgbClr val="666666"/>
-                </a:solidFill>
-                <a:latin typeface="Calibri" pitchFamily="34" charset="0"/>
-                <a:ea typeface="Calibri" pitchFamily="34" charset="-122"/>
-                <a:cs typeface="Calibri" pitchFamily="34" charset="-120"/>
-              </a:rPr>
-              <a:t>MA dominates with 63% of volume (~163 pallets/wk). ME is only 4% (~6 pallets/wk) — barely one-third of a truckload.</a:t>
-            </a:r>
-            <a:endParaRPr lang="en-US" sz="900" dirty="0"/>
-          </a:p>
-        </p:txBody>
-      </p:sp>
-      <p:pic>
-        <p:nvPicPr>
-          <p:cNvPr id="22" name="Image 4" descr="/sessions/happy-festive-archimedes/charts/chart_01_cell16.png">
+          <p:cNvPr id="23" name="Image 1" descr="preencoded.png">
             <a:extLst>
               <a:ext uri="{FF2B5EF4-FFF2-40B4-BE49-F238E27FC236}">
-                <a16:creationId xmlns:a16="http://schemas.microsoft.com/office/drawing/2014/main" id="{8F2A883D-DEA8-CE69-224D-443E183422AB}"/>
+                <a16:creationId xmlns:a16="http://schemas.microsoft.com/office/drawing/2014/main" id="{5F882006-4524-0A58-F803-39BC1F996916}"/>
               </a:ext>
             </a:extLst>
           </p:cNvPr>
@@ -3361,7 +3318,128 @@
           <p:nvPr/>
         </p:nvPicPr>
         <p:blipFill>
-          <a:blip r:embed="rId3"/>
+          <a:blip r:embed="rId4"/>
+          <a:stretch>
+            <a:fillRect/>
+          </a:stretch>
+        </p:blipFill>
+        <p:spPr>
+          <a:xfrm>
+            <a:off x="591848" y="2130552"/>
+            <a:ext cx="347472" cy="347472"/>
+          </a:xfrm>
+          <a:prstGeom prst="rect">
+            <a:avLst/>
+          </a:prstGeom>
+        </p:spPr>
+      </p:pic>
+      <p:pic>
+        <p:nvPicPr>
+          <p:cNvPr id="24" name="Image 2" descr="preencoded.png">
+            <a:extLst>
+              <a:ext uri="{FF2B5EF4-FFF2-40B4-BE49-F238E27FC236}">
+                <a16:creationId xmlns:a16="http://schemas.microsoft.com/office/drawing/2014/main" id="{0952DAB6-DF8A-876B-B69F-5CB6F7FCCB27}"/>
+              </a:ext>
+            </a:extLst>
+          </p:cNvPr>
+          <p:cNvPicPr>
+            <a:picLocks noChangeAspect="1"/>
+          </p:cNvPicPr>
+          <p:nvPr/>
+        </p:nvPicPr>
+        <p:blipFill>
+          <a:blip r:embed="rId5"/>
+          <a:stretch>
+            <a:fillRect/>
+          </a:stretch>
+        </p:blipFill>
+        <p:spPr>
+          <a:xfrm>
+            <a:off x="591848" y="2988312"/>
+            <a:ext cx="347472" cy="347472"/>
+          </a:xfrm>
+          <a:prstGeom prst="rect">
+            <a:avLst/>
+          </a:prstGeom>
+        </p:spPr>
+      </p:pic>
+      <p:pic>
+        <p:nvPicPr>
+          <p:cNvPr id="25" name="Image 3" descr="preencoded.png">
+            <a:extLst>
+              <a:ext uri="{FF2B5EF4-FFF2-40B4-BE49-F238E27FC236}">
+                <a16:creationId xmlns:a16="http://schemas.microsoft.com/office/drawing/2014/main" id="{334683FB-3105-66E3-6AC1-5A5DB576C179}"/>
+              </a:ext>
+            </a:extLst>
+          </p:cNvPr>
+          <p:cNvPicPr>
+            <a:picLocks noChangeAspect="1"/>
+          </p:cNvPicPr>
+          <p:nvPr/>
+        </p:nvPicPr>
+        <p:blipFill>
+          <a:blip r:embed="rId6"/>
+          <a:stretch>
+            <a:fillRect/>
+          </a:stretch>
+        </p:blipFill>
+        <p:spPr>
+          <a:xfrm>
+            <a:off x="591848" y="3798912"/>
+            <a:ext cx="347472" cy="347472"/>
+          </a:xfrm>
+          <a:prstGeom prst="rect">
+            <a:avLst/>
+          </a:prstGeom>
+        </p:spPr>
+      </p:pic>
+      <p:pic>
+        <p:nvPicPr>
+          <p:cNvPr id="26" name="Image 4" descr="/sessions/happy-festive-archimedes/charts/chart_01_cell16.png">
+            <a:extLst>
+              <a:ext uri="{FF2B5EF4-FFF2-40B4-BE49-F238E27FC236}">
+                <a16:creationId xmlns:a16="http://schemas.microsoft.com/office/drawing/2014/main" id="{51891797-75F6-566F-5DB9-AFAFD866F384}"/>
+              </a:ext>
+            </a:extLst>
+          </p:cNvPr>
+          <p:cNvPicPr>
+            <a:picLocks noChangeAspect="1"/>
+          </p:cNvPicPr>
+          <p:nvPr/>
+        </p:nvPicPr>
+        <p:blipFill>
+          <a:blip r:embed="rId7"/>
+          <a:srcRect r="30833"/>
+          <a:stretch>
+            <a:fillRect/>
+          </a:stretch>
+        </p:blipFill>
+        <p:spPr>
+          <a:xfrm>
+            <a:off x="4712763" y="1013829"/>
+            <a:ext cx="4248357" cy="2018596"/>
+          </a:xfrm>
+          <a:prstGeom prst="rect">
+            <a:avLst/>
+          </a:prstGeom>
+        </p:spPr>
+      </p:pic>
+      <p:pic>
+        <p:nvPicPr>
+          <p:cNvPr id="27" name="Image 4" descr="/sessions/happy-festive-archimedes/charts/chart_01_cell16.png">
+            <a:extLst>
+              <a:ext uri="{FF2B5EF4-FFF2-40B4-BE49-F238E27FC236}">
+                <a16:creationId xmlns:a16="http://schemas.microsoft.com/office/drawing/2014/main" id="{B19ED55D-A318-4F15-A5EA-8BDB50FC71A7}"/>
+              </a:ext>
+            </a:extLst>
+          </p:cNvPr>
+          <p:cNvPicPr>
+            <a:picLocks noChangeAspect="1"/>
+          </p:cNvPicPr>
+          <p:nvPr/>
+        </p:nvPicPr>
+        <p:blipFill>
+          <a:blip r:embed="rId7"/>
           <a:srcRect l="72671" b="13965"/>
           <a:stretch>
             <a:fillRect/>
@@ -3437,30 +3515,6 @@
           </a:p>
         </p:txBody>
       </p:sp>
-      <p:pic>
-        <p:nvPicPr>
-          <p:cNvPr id="3" name="Image 0" descr="preencoded.png"/>
-          <p:cNvPicPr>
-            <a:picLocks noChangeAspect="1"/>
-          </p:cNvPicPr>
-          <p:nvPr/>
-        </p:nvPicPr>
-        <p:blipFill>
-          <a:blip/>
-          <a:stretch>
-            <a:fillRect/>
-          </a:stretch>
-        </p:blipFill>
-        <p:spPr>
-          <a:xfrm>
-            <a:off x="557784" y="374904"/>
-            <a:ext cx="256032" cy="256032"/>
-          </a:xfrm>
-          <a:prstGeom prst="rect">
-            <a:avLst/>
-          </a:prstGeom>
-        </p:spPr>
-      </p:pic>
       <p:sp>
         <p:nvSpPr>
           <p:cNvPr id="4" name="Text 1"/>
@@ -3709,16 +3763,61 @@
           </a:p>
         </p:txBody>
       </p:sp>
+      <p:sp>
+        <p:nvSpPr>
+          <p:cNvPr id="9" name="Text 5"/>
+          <p:cNvSpPr/>
+          <p:nvPr/>
+        </p:nvSpPr>
+        <p:spPr>
+          <a:xfrm>
+            <a:off x="457200" y="4630901"/>
+            <a:ext cx="8229600" cy="274320"/>
+          </a:xfrm>
+          <a:prstGeom prst="rect">
+            <a:avLst/>
+          </a:prstGeom>
+          <a:noFill/>
+          <a:ln/>
+        </p:spPr>
+        <p:txBody>
+          <a:bodyPr wrap="square" rtlCol="0" anchor="ctr"/>
+          <a:lstStyle/>
+          <a:p>
+            <a:pPr marL="0" indent="0">
+              <a:buNone/>
+            </a:pPr>
+            <a:r>
+              <a:rPr lang="en-US" sz="900" i="1" dirty="0">
+                <a:solidFill>
+                  <a:srgbClr val="666666"/>
+                </a:solidFill>
+                <a:latin typeface="Calibri" pitchFamily="34" charset="0"/>
+                <a:ea typeface="Calibri" pitchFamily="34" charset="-122"/>
+                <a:cs typeface="Calibri" pitchFamily="34" charset="-120"/>
+              </a:rPr>
+              <a:t>Left: weekly cost by mode and state. Right: cost per bag vs. the $0.50 margin. Via Regional DC (green) is cheapest across all states.</a:t>
+            </a:r>
+            <a:endParaRPr lang="en-US" sz="900" dirty="0"/>
+          </a:p>
+        </p:txBody>
+      </p:sp>
       <p:pic>
         <p:nvPicPr>
-          <p:cNvPr id="8" name="Image 1" descr="/sessions/happy-festive-archimedes/charts/chart_02_cell23.png"/>
+          <p:cNvPr id="11" name="Image 1" descr="/sessions/happy-festive-archimedes/charts/chart_02_cell23.png">
+            <a:extLst>
+              <a:ext uri="{FF2B5EF4-FFF2-40B4-BE49-F238E27FC236}">
+                <a16:creationId xmlns:a16="http://schemas.microsoft.com/office/drawing/2014/main" id="{3DA4EA93-E597-7868-3D86-BC379F9CE9F9}"/>
+              </a:ext>
+            </a:extLst>
+          </p:cNvPr>
           <p:cNvPicPr>
             <a:picLocks noChangeAspect="1"/>
           </p:cNvPicPr>
           <p:nvPr/>
         </p:nvPicPr>
         <p:blipFill>
-          <a:blip/>
+          <a:blip r:embed="rId3"/>
           <a:stretch>
             <a:fillRect/>
           </a:stretch>
@@ -3733,45 +3832,36 @@
           </a:prstGeom>
         </p:spPr>
       </p:pic>
-      <p:sp>
-        <p:nvSpPr>
-          <p:cNvPr id="9" name="Text 5"/>
-          <p:cNvSpPr/>
-          <p:nvPr/>
-        </p:nvSpPr>
-        <p:spPr>
-          <a:xfrm>
-            <a:off x="457200" y="4630901"/>
-            <a:ext cx="8229600" cy="274320"/>
-          </a:xfrm>
-          <a:prstGeom prst="rect">
-            <a:avLst/>
-          </a:prstGeom>
-          <a:noFill/>
-          <a:ln/>
-        </p:spPr>
-        <p:txBody>
-          <a:bodyPr wrap="square" rtlCol="0" anchor="ctr"/>
-          <a:lstStyle/>
-          <a:p>
-            <a:pPr marL="0" indent="0">
-              <a:buNone/>
-            </a:pPr>
-            <a:r>
-              <a:rPr lang="en-US" sz="900" i="1" dirty="0">
-                <a:solidFill>
-                  <a:srgbClr val="666666"/>
-                </a:solidFill>
-                <a:latin typeface="Calibri" pitchFamily="34" charset="0"/>
-                <a:ea typeface="Calibri" pitchFamily="34" charset="-122"/>
-                <a:cs typeface="Calibri" pitchFamily="34" charset="-120"/>
-              </a:rPr>
-              <a:t>Left: weekly cost by mode and state. Right: cost per bag vs. the $0.50 margin. Via Regional DC (green) is cheapest across all states.</a:t>
-            </a:r>
-            <a:endParaRPr lang="en-US" sz="900" dirty="0"/>
-          </a:p>
-        </p:txBody>
-      </p:sp>
+      <p:pic>
+        <p:nvPicPr>
+          <p:cNvPr id="12" name="Image 0" descr="preencoded.png">
+            <a:extLst>
+              <a:ext uri="{FF2B5EF4-FFF2-40B4-BE49-F238E27FC236}">
+                <a16:creationId xmlns:a16="http://schemas.microsoft.com/office/drawing/2014/main" id="{17D5AD37-FEF7-8EBF-CDE9-A9551A16391A}"/>
+              </a:ext>
+            </a:extLst>
+          </p:cNvPr>
+          <p:cNvPicPr>
+            <a:picLocks noChangeAspect="1"/>
+          </p:cNvPicPr>
+          <p:nvPr/>
+        </p:nvPicPr>
+        <p:blipFill>
+          <a:blip r:embed="rId4"/>
+          <a:stretch>
+            <a:fillRect/>
+          </a:stretch>
+        </p:blipFill>
+        <p:spPr>
+          <a:xfrm>
+            <a:off x="557784" y="374904"/>
+            <a:ext cx="256032" cy="256032"/>
+          </a:xfrm>
+          <a:prstGeom prst="rect">
+            <a:avLst/>
+          </a:prstGeom>
+        </p:spPr>
+      </p:pic>
     </p:spTree>
   </p:cSld>
   <p:clrMapOvr>
@@ -3832,30 +3922,6 @@
           </a:p>
         </p:txBody>
       </p:sp>
-      <p:pic>
-        <p:nvPicPr>
-          <p:cNvPr id="3" name="Image 0" descr="preencoded.png"/>
-          <p:cNvPicPr>
-            <a:picLocks noChangeAspect="1"/>
-          </p:cNvPicPr>
-          <p:nvPr/>
-        </p:nvPicPr>
-        <p:blipFill>
-          <a:blip/>
-          <a:stretch>
-            <a:fillRect/>
-          </a:stretch>
-        </p:blipFill>
-        <p:spPr>
-          <a:xfrm>
-            <a:off x="557784" y="374904"/>
-            <a:ext cx="256032" cy="256032"/>
-          </a:xfrm>
-          <a:prstGeom prst="rect">
-            <a:avLst/>
-          </a:prstGeom>
-        </p:spPr>
-      </p:pic>
       <p:sp>
         <p:nvSpPr>
           <p:cNvPr id="4" name="Text 1"/>
@@ -3929,30 +3995,6 @@
           </a:p>
         </p:txBody>
       </p:sp>
-      <p:pic>
-        <p:nvPicPr>
-          <p:cNvPr id="6" name="Image 1" descr="/sessions/happy-festive-archimedes/charts/chart_03_cell27.png"/>
-          <p:cNvPicPr>
-            <a:picLocks noChangeAspect="1"/>
-          </p:cNvPicPr>
-          <p:nvPr/>
-        </p:nvPicPr>
-        <p:blipFill>
-          <a:blip/>
-          <a:stretch>
-            <a:fillRect/>
-          </a:stretch>
-        </p:blipFill>
-        <p:spPr>
-          <a:xfrm>
-            <a:off x="457200" y="886968"/>
-            <a:ext cx="8229600" cy="3165943"/>
-          </a:xfrm>
-          <a:prstGeom prst="rect">
-            <a:avLst/>
-          </a:prstGeom>
-        </p:spPr>
-      </p:pic>
       <p:sp>
         <p:nvSpPr>
           <p:cNvPr id="7" name="Text 3"/>
@@ -4034,6 +4076,66 @@
           </a:p>
         </p:txBody>
       </p:sp>
+      <p:pic>
+        <p:nvPicPr>
+          <p:cNvPr id="8" name="Image 1" descr="/sessions/happy-festive-archimedes/charts/chart_03_cell27.png">
+            <a:extLst>
+              <a:ext uri="{FF2B5EF4-FFF2-40B4-BE49-F238E27FC236}">
+                <a16:creationId xmlns:a16="http://schemas.microsoft.com/office/drawing/2014/main" id="{34B53B4C-53CB-D244-2B73-520B24EA9275}"/>
+              </a:ext>
+            </a:extLst>
+          </p:cNvPr>
+          <p:cNvPicPr>
+            <a:picLocks noChangeAspect="1"/>
+          </p:cNvPicPr>
+          <p:nvPr/>
+        </p:nvPicPr>
+        <p:blipFill>
+          <a:blip r:embed="rId3"/>
+          <a:stretch>
+            <a:fillRect/>
+          </a:stretch>
+        </p:blipFill>
+        <p:spPr>
+          <a:xfrm>
+            <a:off x="457200" y="1108877"/>
+            <a:ext cx="8224092" cy="3163824"/>
+          </a:xfrm>
+          <a:prstGeom prst="rect">
+            <a:avLst/>
+          </a:prstGeom>
+        </p:spPr>
+      </p:pic>
+      <p:pic>
+        <p:nvPicPr>
+          <p:cNvPr id="9" name="Image 0" descr="preencoded.png">
+            <a:extLst>
+              <a:ext uri="{FF2B5EF4-FFF2-40B4-BE49-F238E27FC236}">
+                <a16:creationId xmlns:a16="http://schemas.microsoft.com/office/drawing/2014/main" id="{D2FE83B2-C08E-BE80-9016-AEBBBC57E6A2}"/>
+              </a:ext>
+            </a:extLst>
+          </p:cNvPr>
+          <p:cNvPicPr>
+            <a:picLocks noChangeAspect="1"/>
+          </p:cNvPicPr>
+          <p:nvPr/>
+        </p:nvPicPr>
+        <p:blipFill>
+          <a:blip r:embed="rId4"/>
+          <a:stretch>
+            <a:fillRect/>
+          </a:stretch>
+        </p:blipFill>
+        <p:spPr>
+          <a:xfrm>
+            <a:off x="557784" y="374904"/>
+            <a:ext cx="256032" cy="256032"/>
+          </a:xfrm>
+          <a:prstGeom prst="rect">
+            <a:avLst/>
+          </a:prstGeom>
+        </p:spPr>
+      </p:pic>
     </p:spTree>
   </p:cSld>
   <p:clrMapOvr>
@@ -4094,30 +4196,6 @@
           </a:p>
         </p:txBody>
       </p:sp>
-      <p:pic>
-        <p:nvPicPr>
-          <p:cNvPr id="3" name="Image 0" descr="preencoded.png"/>
-          <p:cNvPicPr>
-            <a:picLocks noChangeAspect="1"/>
-          </p:cNvPicPr>
-          <p:nvPr/>
-        </p:nvPicPr>
-        <p:blipFill>
-          <a:blip/>
-          <a:stretch>
-            <a:fillRect/>
-          </a:stretch>
-        </p:blipFill>
-        <p:spPr>
-          <a:xfrm>
-            <a:off x="557784" y="374904"/>
-            <a:ext cx="256032" cy="256032"/>
-          </a:xfrm>
-          <a:prstGeom prst="rect">
-            <a:avLst/>
-          </a:prstGeom>
-        </p:spPr>
-      </p:pic>
       <p:sp>
         <p:nvSpPr>
           <p:cNvPr id="4" name="Text 1"/>
@@ -4191,22 +4269,111 @@
           </a:p>
         </p:txBody>
       </p:sp>
+      <p:sp>
+        <p:nvSpPr>
+          <p:cNvPr id="7" name="Text 3"/>
+          <p:cNvSpPr/>
+          <p:nvPr/>
+        </p:nvSpPr>
+        <p:spPr>
+          <a:xfrm>
+            <a:off x="457200" y="4572000"/>
+            <a:ext cx="8229600" cy="274320"/>
+          </a:xfrm>
+          <a:prstGeom prst="rect">
+            <a:avLst/>
+          </a:prstGeom>
+          <a:noFill/>
+          <a:ln/>
+        </p:spPr>
+        <p:txBody>
+          <a:bodyPr wrap="square" rtlCol="0" anchor="ctr"/>
+          <a:lstStyle/>
+          <a:p>
+            <a:pPr marL="0" indent="0">
+              <a:buNone/>
+            </a:pPr>
+            <a:r>
+              <a:rPr lang="en-US" sz="900" i="1" dirty="0">
+                <a:solidFill>
+                  <a:srgbClr val="666666"/>
+                </a:solidFill>
+                <a:latin typeface="Calibri" pitchFamily="34" charset="0"/>
+                <a:ea typeface="Calibri" pitchFamily="34" charset="-122"/>
+                <a:cs typeface="Calibri" pitchFamily="34" charset="-120"/>
+              </a:rPr>
+              <a:t>Left: full cost breakdown for 4 key scenarios. Right: incremental impact of each DC — MA saves $870K, CT adds $145K more, but ME costs $227K extra.</a:t>
+            </a:r>
+            <a:endParaRPr lang="en-US" sz="900" dirty="0"/>
+          </a:p>
+        </p:txBody>
+      </p:sp>
       <p:pic>
         <p:nvPicPr>
-          <p:cNvPr id="6" name="Image 1" descr="/sessions/happy-festive-archimedes/charts/chart_06_cell43.png"/>
+          <p:cNvPr id="8" name="Image 0" descr="preencoded.png">
+            <a:extLst>
+              <a:ext uri="{FF2B5EF4-FFF2-40B4-BE49-F238E27FC236}">
+                <a16:creationId xmlns:a16="http://schemas.microsoft.com/office/drawing/2014/main" id="{23F43FC6-ECF8-852D-1B6B-D469C7B16A61}"/>
+              </a:ext>
+            </a:extLst>
+          </p:cNvPr>
           <p:cNvPicPr>
             <a:picLocks noChangeAspect="1"/>
           </p:cNvPicPr>
           <p:nvPr/>
         </p:nvPicPr>
         <p:blipFill>
-          <a:blip/>
+          <a:blip r:embed="rId3">
+            <a:extLst>
+              <a:ext uri="{BEBA8EAE-BF5A-486C-A8C5-ECC9F3942E4B}">
+                <a14:imgProps xmlns:a14="http://schemas.microsoft.com/office/drawing/2010/main">
+                  <a14:imgLayer r:embed="rId4">
+                    <a14:imgEffect>
+                      <a14:brightnessContrast bright="40000" contrast="-40000"/>
+                    </a14:imgEffect>
+                  </a14:imgLayer>
+                </a14:imgProps>
+              </a:ext>
+            </a:extLst>
+          </a:blip>
+          <a:srcRect/>
           <a:stretch>
             <a:fillRect/>
           </a:stretch>
         </p:blipFill>
         <p:spPr>
           <a:xfrm>
+            <a:off x="557784" y="391677"/>
+            <a:ext cx="256032" cy="256032"/>
+          </a:xfrm>
+          <a:prstGeom prst="rect">
+            <a:avLst/>
+          </a:prstGeom>
+          <a:noFill/>
+        </p:spPr>
+      </p:pic>
+      <p:pic>
+        <p:nvPicPr>
+          <p:cNvPr id="9" name="Image 1" descr="/sessions/happy-festive-archimedes/charts/chart_06_cell43.png">
+            <a:extLst>
+              <a:ext uri="{FF2B5EF4-FFF2-40B4-BE49-F238E27FC236}">
+                <a16:creationId xmlns:a16="http://schemas.microsoft.com/office/drawing/2014/main" id="{3035DF99-1B5A-7F6C-809A-BE3934E461FF}"/>
+              </a:ext>
+            </a:extLst>
+          </p:cNvPr>
+          <p:cNvPicPr>
+            <a:picLocks noChangeAspect="1"/>
+          </p:cNvPicPr>
+          <p:nvPr/>
+        </p:nvPicPr>
+        <p:blipFill>
+          <a:blip r:embed="rId5"/>
+          <a:stretch>
+            <a:fillRect/>
+          </a:stretch>
+        </p:blipFill>
+        <p:spPr>
+          <a:xfrm>
             <a:off x="457200" y="955404"/>
             <a:ext cx="8229600" cy="3616596"/>
           </a:xfrm>
@@ -4215,45 +4382,6 @@
           </a:prstGeom>
         </p:spPr>
       </p:pic>
-      <p:sp>
-        <p:nvSpPr>
-          <p:cNvPr id="7" name="Text 3"/>
-          <p:cNvSpPr/>
-          <p:nvPr/>
-        </p:nvSpPr>
-        <p:spPr>
-          <a:xfrm>
-            <a:off x="457200" y="4572000"/>
-            <a:ext cx="8229600" cy="274320"/>
-          </a:xfrm>
-          <a:prstGeom prst="rect">
-            <a:avLst/>
-          </a:prstGeom>
-          <a:noFill/>
-          <a:ln/>
-        </p:spPr>
-        <p:txBody>
-          <a:bodyPr wrap="square" rtlCol="0" anchor="ctr"/>
-          <a:lstStyle/>
-          <a:p>
-            <a:pPr marL="0" indent="0">
-              <a:buNone/>
-            </a:pPr>
-            <a:r>
-              <a:rPr lang="en-US" sz="900" i="1" dirty="0">
-                <a:solidFill>
-                  <a:srgbClr val="666666"/>
-                </a:solidFill>
-                <a:latin typeface="Calibri" pitchFamily="34" charset="0"/>
-                <a:ea typeface="Calibri" pitchFamily="34" charset="-122"/>
-                <a:cs typeface="Calibri" pitchFamily="34" charset="-120"/>
-              </a:rPr>
-              <a:t>Left: full cost breakdown for 4 key scenarios. Right: incremental impact of each DC — MA saves $870K, CT adds $145K more, but ME costs $227K extra.</a:t>
-            </a:r>
-            <a:endParaRPr lang="en-US" sz="900" dirty="0"/>
-          </a:p>
-        </p:txBody>
-      </p:sp>
     </p:spTree>
   </p:cSld>
   <p:clrMapOvr>
@@ -4314,30 +4442,6 @@
           </a:p>
         </p:txBody>
       </p:sp>
-      <p:pic>
-        <p:nvPicPr>
-          <p:cNvPr id="3" name="Image 0" descr="preencoded.png"/>
-          <p:cNvPicPr>
-            <a:picLocks noChangeAspect="1"/>
-          </p:cNvPicPr>
-          <p:nvPr/>
-        </p:nvPicPr>
-        <p:blipFill>
-          <a:blip/>
-          <a:stretch>
-            <a:fillRect/>
-          </a:stretch>
-        </p:blipFill>
-        <p:spPr>
-          <a:xfrm>
-            <a:off x="557784" y="374904"/>
-            <a:ext cx="256032" cy="256032"/>
-          </a:xfrm>
-          <a:prstGeom prst="rect">
-            <a:avLst/>
-          </a:prstGeom>
-        </p:spPr>
-      </p:pic>
       <p:sp>
         <p:nvSpPr>
           <p:cNvPr id="4" name="Text 1"/>
@@ -4859,30 +4963,6 @@
           </a:p>
         </p:txBody>
       </p:sp>
-      <p:pic>
-        <p:nvPicPr>
-          <p:cNvPr id="18" name="Image 1" descr="/sessions/happy-festive-archimedes/charts/chart_05_cell39.png"/>
-          <p:cNvPicPr>
-            <a:picLocks noChangeAspect="1"/>
-          </p:cNvPicPr>
-          <p:nvPr/>
-        </p:nvPicPr>
-        <p:blipFill>
-          <a:blip/>
-          <a:stretch>
-            <a:fillRect/>
-          </a:stretch>
-        </p:blipFill>
-        <p:spPr>
-          <a:xfrm>
-            <a:off x="3264747" y="848217"/>
-            <a:ext cx="4917438" cy="3682635"/>
-          </a:xfrm>
-          <a:prstGeom prst="rect">
-            <a:avLst/>
-          </a:prstGeom>
-        </p:spPr>
-      </p:pic>
       <p:sp>
         <p:nvSpPr>
           <p:cNvPr id="20" name="Rounded Rectangle 19">
@@ -5014,6 +5094,66 @@
           </a:p>
         </p:txBody>
       </p:sp>
+      <p:pic>
+        <p:nvPicPr>
+          <p:cNvPr id="21" name="Image 0" descr="preencoded.png">
+            <a:extLst>
+              <a:ext uri="{FF2B5EF4-FFF2-40B4-BE49-F238E27FC236}">
+                <a16:creationId xmlns:a16="http://schemas.microsoft.com/office/drawing/2014/main" id="{4E68FCBE-2DB3-FC92-3CAE-3BAD9BB90643}"/>
+              </a:ext>
+            </a:extLst>
+          </p:cNvPr>
+          <p:cNvPicPr>
+            <a:picLocks noChangeAspect="1"/>
+          </p:cNvPicPr>
+          <p:nvPr/>
+        </p:nvPicPr>
+        <p:blipFill>
+          <a:blip r:embed="rId3"/>
+          <a:stretch>
+            <a:fillRect/>
+          </a:stretch>
+        </p:blipFill>
+        <p:spPr>
+          <a:xfrm>
+            <a:off x="557784" y="374904"/>
+            <a:ext cx="256032" cy="256032"/>
+          </a:xfrm>
+          <a:prstGeom prst="rect">
+            <a:avLst/>
+          </a:prstGeom>
+        </p:spPr>
+      </p:pic>
+      <p:pic>
+        <p:nvPicPr>
+          <p:cNvPr id="23" name="Image 1" descr="/sessions/happy-festive-archimedes/charts/chart_05_cell39.png">
+            <a:extLst>
+              <a:ext uri="{FF2B5EF4-FFF2-40B4-BE49-F238E27FC236}">
+                <a16:creationId xmlns:a16="http://schemas.microsoft.com/office/drawing/2014/main" id="{5786A057-9215-D5C9-5C3D-A88C199F9640}"/>
+              </a:ext>
+            </a:extLst>
+          </p:cNvPr>
+          <p:cNvPicPr>
+            <a:picLocks noChangeAspect="1"/>
+          </p:cNvPicPr>
+          <p:nvPr/>
+        </p:nvPicPr>
+        <p:blipFill>
+          <a:blip r:embed="rId4"/>
+          <a:stretch>
+            <a:fillRect/>
+          </a:stretch>
+        </p:blipFill>
+        <p:spPr>
+          <a:xfrm>
+            <a:off x="3264747" y="848216"/>
+            <a:ext cx="4920639" cy="3685032"/>
+          </a:xfrm>
+          <a:prstGeom prst="rect">
+            <a:avLst/>
+          </a:prstGeom>
+        </p:spPr>
+      </p:pic>
     </p:spTree>
   </p:cSld>
   <p:clrMapOvr>
